--- a/ranking/doc/figures/model.pptx
+++ b/ranking/doc/figures/model.pptx
@@ -8,6 +8,7 @@
     <p:sldId id="257" r:id="rId2"/>
     <p:sldId id="258" r:id="rId3"/>
     <p:sldId id="259" r:id="rId4"/>
+    <p:sldId id="260" r:id="rId5"/>
   </p:sldIdLst>
   <p:sldSz cx="12192000" cy="6858000"/>
   <p:notesSz cx="6858000" cy="9144000"/>
@@ -240,7 +241,7 @@
           <a:p>
             <a:fld id="{A664AB76-67E9-4026-A148-F7D6834C8ED3}" type="datetimeFigureOut">
               <a:rPr lang="en-US" smtClean="0"/>
-              <a:t>12/8/14</a:t>
+              <a:t>1/26/15</a:t>
             </a:fld>
             <a:endParaRPr lang="en-US"/>
           </a:p>
@@ -410,7 +411,7 @@
           <a:p>
             <a:fld id="{A664AB76-67E9-4026-A148-F7D6834C8ED3}" type="datetimeFigureOut">
               <a:rPr lang="en-US" smtClean="0"/>
-              <a:t>12/8/14</a:t>
+              <a:t>1/26/15</a:t>
             </a:fld>
             <a:endParaRPr lang="en-US"/>
           </a:p>
@@ -590,7 +591,7 @@
           <a:p>
             <a:fld id="{A664AB76-67E9-4026-A148-F7D6834C8ED3}" type="datetimeFigureOut">
               <a:rPr lang="en-US" smtClean="0"/>
-              <a:t>12/8/14</a:t>
+              <a:t>1/26/15</a:t>
             </a:fld>
             <a:endParaRPr lang="en-US"/>
           </a:p>
@@ -760,7 +761,7 @@
           <a:p>
             <a:fld id="{A664AB76-67E9-4026-A148-F7D6834C8ED3}" type="datetimeFigureOut">
               <a:rPr lang="en-US" smtClean="0"/>
-              <a:t>12/8/14</a:t>
+              <a:t>1/26/15</a:t>
             </a:fld>
             <a:endParaRPr lang="en-US"/>
           </a:p>
@@ -1006,7 +1007,7 @@
           <a:p>
             <a:fld id="{A664AB76-67E9-4026-A148-F7D6834C8ED3}" type="datetimeFigureOut">
               <a:rPr lang="en-US" smtClean="0"/>
-              <a:t>12/8/14</a:t>
+              <a:t>1/26/15</a:t>
             </a:fld>
             <a:endParaRPr lang="en-US"/>
           </a:p>
@@ -1238,7 +1239,7 @@
           <a:p>
             <a:fld id="{A664AB76-67E9-4026-A148-F7D6834C8ED3}" type="datetimeFigureOut">
               <a:rPr lang="en-US" smtClean="0"/>
-              <a:t>12/8/14</a:t>
+              <a:t>1/26/15</a:t>
             </a:fld>
             <a:endParaRPr lang="en-US"/>
           </a:p>
@@ -1605,7 +1606,7 @@
           <a:p>
             <a:fld id="{A664AB76-67E9-4026-A148-F7D6834C8ED3}" type="datetimeFigureOut">
               <a:rPr lang="en-US" smtClean="0"/>
-              <a:t>12/8/14</a:t>
+              <a:t>1/26/15</a:t>
             </a:fld>
             <a:endParaRPr lang="en-US"/>
           </a:p>
@@ -1723,7 +1724,7 @@
           <a:p>
             <a:fld id="{A664AB76-67E9-4026-A148-F7D6834C8ED3}" type="datetimeFigureOut">
               <a:rPr lang="en-US" smtClean="0"/>
-              <a:t>12/8/14</a:t>
+              <a:t>1/26/15</a:t>
             </a:fld>
             <a:endParaRPr lang="en-US"/>
           </a:p>
@@ -1818,7 +1819,7 @@
           <a:p>
             <a:fld id="{A664AB76-67E9-4026-A148-F7D6834C8ED3}" type="datetimeFigureOut">
               <a:rPr lang="en-US" smtClean="0"/>
-              <a:t>12/8/14</a:t>
+              <a:t>1/26/15</a:t>
             </a:fld>
             <a:endParaRPr lang="en-US"/>
           </a:p>
@@ -2095,7 +2096,7 @@
           <a:p>
             <a:fld id="{A664AB76-67E9-4026-A148-F7D6834C8ED3}" type="datetimeFigureOut">
               <a:rPr lang="en-US" smtClean="0"/>
-              <a:t>12/8/14</a:t>
+              <a:t>1/26/15</a:t>
             </a:fld>
             <a:endParaRPr lang="en-US"/>
           </a:p>
@@ -2348,7 +2349,7 @@
           <a:p>
             <a:fld id="{A664AB76-67E9-4026-A148-F7D6834C8ED3}" type="datetimeFigureOut">
               <a:rPr lang="en-US" smtClean="0"/>
-              <a:t>12/8/14</a:t>
+              <a:t>1/26/15</a:t>
             </a:fld>
             <a:endParaRPr lang="en-US"/>
           </a:p>
@@ -2561,7 +2562,7 @@
           <a:p>
             <a:fld id="{A664AB76-67E9-4026-A148-F7D6834C8ED3}" type="datetimeFigureOut">
               <a:rPr lang="en-US" smtClean="0"/>
-              <a:t>12/8/14</a:t>
+              <a:t>1/26/15</a:t>
             </a:fld>
             <a:endParaRPr lang="en-US"/>
           </a:p>
@@ -3448,7 +3449,7 @@
           <a:graphicData uri="http://schemas.openxmlformats.org/presentationml/2006/ole">
             <mc:AlternateContent xmlns:mc="http://schemas.openxmlformats.org/markup-compatibility/2006">
               <mc:Choice xmlns:v="urn:schemas-microsoft-com:vml" Requires="v">
-                <p:oleObj spid="_x0000_s1088" name="Equation" r:id="rId3" imgW="215640" imgH="228600" progId="Equation.DSMT4">
+                <p:oleObj spid="_x0000_s1099" name="Equation" r:id="rId3" imgW="215640" imgH="228600" progId="Equation.DSMT4">
                   <p:embed/>
                 </p:oleObj>
               </mc:Choice>
@@ -3513,7 +3514,7 @@
           <a:graphicData uri="http://schemas.openxmlformats.org/presentationml/2006/ole">
             <mc:AlternateContent xmlns:mc="http://schemas.openxmlformats.org/markup-compatibility/2006">
               <mc:Choice xmlns:v="urn:schemas-microsoft-com:vml" Requires="v">
-                <p:oleObj spid="_x0000_s1089" name="Equation" r:id="rId5" imgW="228600" imgH="228600" progId="Equation.DSMT4">
+                <p:oleObj spid="_x0000_s1100" name="Equation" r:id="rId5" imgW="228600" imgH="228600" progId="Equation.DSMT4">
                   <p:embed/>
                 </p:oleObj>
               </mc:Choice>
@@ -3578,7 +3579,7 @@
           <a:graphicData uri="http://schemas.openxmlformats.org/presentationml/2006/ole">
             <mc:AlternateContent xmlns:mc="http://schemas.openxmlformats.org/markup-compatibility/2006">
               <mc:Choice xmlns:v="urn:schemas-microsoft-com:vml" Requires="v">
-                <p:oleObj spid="_x0000_s1090" name="Equation" r:id="rId7" imgW="215640" imgH="228600" progId="Equation.DSMT4">
+                <p:oleObj spid="_x0000_s1101" name="Equation" r:id="rId7" imgW="215640" imgH="228600" progId="Equation.DSMT4">
                   <p:embed/>
                 </p:oleObj>
               </mc:Choice>
@@ -3643,7 +3644,7 @@
           <a:graphicData uri="http://schemas.openxmlformats.org/presentationml/2006/ole">
             <mc:AlternateContent xmlns:mc="http://schemas.openxmlformats.org/markup-compatibility/2006">
               <mc:Choice xmlns:v="urn:schemas-microsoft-com:vml" Requires="v">
-                <p:oleObj spid="_x0000_s1091" name="Equation" r:id="rId9" imgW="228600" imgH="228600" progId="Equation.DSMT4">
+                <p:oleObj spid="_x0000_s1102" name="Equation" r:id="rId9" imgW="228600" imgH="228600" progId="Equation.DSMT4">
                   <p:embed/>
                 </p:oleObj>
               </mc:Choice>
@@ -3708,7 +3709,7 @@
           <a:graphicData uri="http://schemas.openxmlformats.org/presentationml/2006/ole">
             <mc:AlternateContent xmlns:mc="http://schemas.openxmlformats.org/markup-compatibility/2006">
               <mc:Choice xmlns:v="urn:schemas-microsoft-com:vml" Requires="v">
-                <p:oleObj spid="_x0000_s1092" name="Equation" r:id="rId11" imgW="228600" imgH="228600" progId="Equation.DSMT4">
+                <p:oleObj spid="_x0000_s1103" name="Equation" r:id="rId11" imgW="228600" imgH="228600" progId="Equation.DSMT4">
                   <p:embed/>
                 </p:oleObj>
               </mc:Choice>
@@ -3984,7 +3985,7 @@
           <a:graphicData uri="http://schemas.openxmlformats.org/presentationml/2006/ole">
             <mc:AlternateContent xmlns:mc="http://schemas.openxmlformats.org/markup-compatibility/2006">
               <mc:Choice xmlns:v="urn:schemas-microsoft-com:vml" Requires="v">
-                <p:oleObj spid="_x0000_s2079" name="Equation" r:id="rId3" imgW="215640" imgH="228600" progId="Equation.DSMT4">
+                <p:oleObj spid="_x0000_s2090" name="Equation" r:id="rId3" imgW="215640" imgH="228600" progId="Equation.DSMT4">
                   <p:embed/>
                 </p:oleObj>
               </mc:Choice>
@@ -4049,7 +4050,7 @@
           <a:graphicData uri="http://schemas.openxmlformats.org/presentationml/2006/ole">
             <mc:AlternateContent xmlns:mc="http://schemas.openxmlformats.org/markup-compatibility/2006">
               <mc:Choice xmlns:v="urn:schemas-microsoft-com:vml" Requires="v">
-                <p:oleObj spid="_x0000_s2080" name="Equation" r:id="rId5" imgW="228600" imgH="228600" progId="Equation.DSMT4">
+                <p:oleObj spid="_x0000_s2091" name="Equation" r:id="rId5" imgW="228600" imgH="228600" progId="Equation.DSMT4">
                   <p:embed/>
                 </p:oleObj>
               </mc:Choice>
@@ -4333,7 +4334,7 @@
           <a:graphicData uri="http://schemas.openxmlformats.org/presentationml/2006/ole">
             <mc:AlternateContent xmlns:mc="http://schemas.openxmlformats.org/markup-compatibility/2006">
               <mc:Choice xmlns:v="urn:schemas-microsoft-com:vml" Requires="v">
-                <p:oleObj spid="_x0000_s2081" name="Equation" r:id="rId7" imgW="215640" imgH="228600" progId="Equation.DSMT4">
+                <p:oleObj spid="_x0000_s2092" name="Equation" r:id="rId7" imgW="215640" imgH="228600" progId="Equation.DSMT4">
                   <p:embed/>
                 </p:oleObj>
               </mc:Choice>
@@ -4398,7 +4399,7 @@
           <a:graphicData uri="http://schemas.openxmlformats.org/presentationml/2006/ole">
             <mc:AlternateContent xmlns:mc="http://schemas.openxmlformats.org/markup-compatibility/2006">
               <mc:Choice xmlns:v="urn:schemas-microsoft-com:vml" Requires="v">
-                <p:oleObj spid="_x0000_s2082" name="Equation" r:id="rId9" imgW="228600" imgH="228600" progId="Equation.DSMT4">
+                <p:oleObj spid="_x0000_s2093" name="Equation" r:id="rId9" imgW="228600" imgH="228600" progId="Equation.DSMT4">
                   <p:embed/>
                 </p:oleObj>
               </mc:Choice>
@@ -4463,7 +4464,7 @@
           <a:graphicData uri="http://schemas.openxmlformats.org/presentationml/2006/ole">
             <mc:AlternateContent xmlns:mc="http://schemas.openxmlformats.org/markup-compatibility/2006">
               <mc:Choice xmlns:v="urn:schemas-microsoft-com:vml" Requires="v">
-                <p:oleObj spid="_x0000_s2083" name="Equation" r:id="rId11" imgW="228600" imgH="228600" progId="Equation.DSMT4">
+                <p:oleObj spid="_x0000_s2094" name="Equation" r:id="rId11" imgW="228600" imgH="228600" progId="Equation.DSMT4">
                   <p:embed/>
                 </p:oleObj>
               </mc:Choice>
@@ -4816,7 +4817,7 @@
           <a:graphicData uri="http://schemas.openxmlformats.org/presentationml/2006/ole">
             <mc:AlternateContent xmlns:mc="http://schemas.openxmlformats.org/markup-compatibility/2006">
               <mc:Choice xmlns:v="urn:schemas-microsoft-com:vml" Requires="v">
-                <p:oleObj spid="_x0000_s3093" name="Equation" r:id="rId3" imgW="215640" imgH="228600" progId="Equation.DSMT4">
+                <p:oleObj spid="_x0000_s3104" name="Equation" r:id="rId3" imgW="215640" imgH="228600" progId="Equation.DSMT4">
                   <p:embed/>
                 </p:oleObj>
               </mc:Choice>
@@ -4881,7 +4882,7 @@
           <a:graphicData uri="http://schemas.openxmlformats.org/presentationml/2006/ole">
             <mc:AlternateContent xmlns:mc="http://schemas.openxmlformats.org/markup-compatibility/2006">
               <mc:Choice xmlns:v="urn:schemas-microsoft-com:vml" Requires="v">
-                <p:oleObj spid="_x0000_s3094" name="Equation" r:id="rId5" imgW="228600" imgH="228600" progId="Equation.DSMT4">
+                <p:oleObj spid="_x0000_s3105" name="Equation" r:id="rId5" imgW="228600" imgH="228600" progId="Equation.DSMT4">
                   <p:embed/>
                 </p:oleObj>
               </mc:Choice>
@@ -5081,7 +5082,7 @@
           <a:graphicData uri="http://schemas.openxmlformats.org/presentationml/2006/ole">
             <mc:AlternateContent xmlns:mc="http://schemas.openxmlformats.org/markup-compatibility/2006">
               <mc:Choice xmlns:v="urn:schemas-microsoft-com:vml" Requires="v">
-                <p:oleObj spid="_x0000_s3095" name="Equation" r:id="rId7" imgW="215640" imgH="228600" progId="Equation.DSMT4">
+                <p:oleObj spid="_x0000_s3106" name="Equation" r:id="rId7" imgW="215640" imgH="228600" progId="Equation.DSMT4">
                   <p:embed/>
                 </p:oleObj>
               </mc:Choice>
@@ -5146,7 +5147,7 @@
           <a:graphicData uri="http://schemas.openxmlformats.org/presentationml/2006/ole">
             <mc:AlternateContent xmlns:mc="http://schemas.openxmlformats.org/markup-compatibility/2006">
               <mc:Choice xmlns:v="urn:schemas-microsoft-com:vml" Requires="v">
-                <p:oleObj spid="_x0000_s3096" name="Equation" r:id="rId9" imgW="228600" imgH="228600" progId="Equation.DSMT4">
+                <p:oleObj spid="_x0000_s3107" name="Equation" r:id="rId9" imgW="228600" imgH="228600" progId="Equation.DSMT4">
                   <p:embed/>
                 </p:oleObj>
               </mc:Choice>
@@ -5211,7 +5212,7 @@
           <a:graphicData uri="http://schemas.openxmlformats.org/presentationml/2006/ole">
             <mc:AlternateContent xmlns:mc="http://schemas.openxmlformats.org/markup-compatibility/2006">
               <mc:Choice xmlns:v="urn:schemas-microsoft-com:vml" Requires="v">
-                <p:oleObj spid="_x0000_s3097" name="Equation" r:id="rId11" imgW="228600" imgH="228600" progId="Equation.DSMT4">
+                <p:oleObj spid="_x0000_s3108" name="Equation" r:id="rId11" imgW="228600" imgH="228600" progId="Equation.DSMT4">
                   <p:embed/>
                 </p:oleObj>
               </mc:Choice>
@@ -5258,6 +5259,683 @@
     <p:extLst>
       <p:ext uri="{BB962C8B-B14F-4D97-AF65-F5344CB8AC3E}">
         <p14:creationId xmlns:p14="http://schemas.microsoft.com/office/powerpoint/2010/main" val="217779972"/>
+      </p:ext>
+    </p:extLst>
+  </p:cSld>
+  <p:clrMapOvr>
+    <a:masterClrMapping/>
+  </p:clrMapOvr>
+</p:sld>
+</file>
+
+<file path=ppt/slides/slide4.xml><?xml version="1.0" encoding="utf-8"?>
+<p:sld xmlns:a="http://schemas.openxmlformats.org/drawingml/2006/main" xmlns:r="http://schemas.openxmlformats.org/officeDocument/2006/relationships" xmlns:p="http://schemas.openxmlformats.org/presentationml/2006/main">
+  <p:cSld>
+    <p:spTree>
+      <p:nvGrpSpPr>
+        <p:cNvPr id="1" name=""/>
+        <p:cNvGrpSpPr/>
+        <p:nvPr/>
+      </p:nvGrpSpPr>
+      <p:grpSpPr>
+        <a:xfrm>
+          <a:off x="0" y="0"/>
+          <a:ext cx="0" cy="0"/>
+          <a:chOff x="0" y="0"/>
+          <a:chExt cx="0" cy="0"/>
+        </a:xfrm>
+      </p:grpSpPr>
+      <p:sp>
+        <p:nvSpPr>
+          <p:cNvPr id="11" name="Rectangle 10"/>
+          <p:cNvSpPr/>
+          <p:nvPr/>
+        </p:nvSpPr>
+        <p:spPr>
+          <a:xfrm>
+            <a:off x="4148668" y="553154"/>
+            <a:ext cx="3739444" cy="5825068"/>
+          </a:xfrm>
+          <a:prstGeom prst="rect">
+            <a:avLst/>
+          </a:prstGeom>
+          <a:solidFill>
+            <a:schemeClr val="lt1">
+              <a:alpha val="0"/>
+            </a:schemeClr>
+          </a:solidFill>
+          <a:ln w="38100" cmpd="sng">
+            <a:solidFill>
+              <a:srgbClr val="FF6600"/>
+            </a:solidFill>
+            <a:prstDash val="sysDash"/>
+          </a:ln>
+        </p:spPr>
+        <p:style>
+          <a:lnRef idx="2">
+            <a:schemeClr val="accent1"/>
+          </a:lnRef>
+          <a:fillRef idx="1">
+            <a:schemeClr val="lt1"/>
+          </a:fillRef>
+          <a:effectRef idx="0">
+            <a:schemeClr val="accent1"/>
+          </a:effectRef>
+          <a:fontRef idx="minor">
+            <a:schemeClr val="dk1"/>
+          </a:fontRef>
+        </p:style>
+        <p:txBody>
+          <a:bodyPr rtlCol="0" anchor="ctr"/>
+          <a:lstStyle/>
+          <a:p>
+            <a:pPr algn="ctr"/>
+            <a:endParaRPr lang="en-US">
+              <a:ln w="57150" cmpd="sng">
+                <a:solidFill>
+                  <a:srgbClr val="000000"/>
+                </a:solidFill>
+                <a:prstDash val="sysDash"/>
+              </a:ln>
+              <a:noFill/>
+            </a:endParaRPr>
+          </a:p>
+        </p:txBody>
+      </p:sp>
+      <p:sp>
+        <p:nvSpPr>
+          <p:cNvPr id="12" name="Rectangle 11"/>
+          <p:cNvSpPr/>
+          <p:nvPr/>
+        </p:nvSpPr>
+        <p:spPr>
+          <a:xfrm>
+            <a:off x="237067" y="550331"/>
+            <a:ext cx="3770491" cy="5827891"/>
+          </a:xfrm>
+          <a:prstGeom prst="rect">
+            <a:avLst/>
+          </a:prstGeom>
+          <a:solidFill>
+            <a:schemeClr val="lt1">
+              <a:alpha val="0"/>
+            </a:schemeClr>
+          </a:solidFill>
+          <a:ln w="38100" cmpd="sng">
+            <a:solidFill>
+              <a:srgbClr val="FF0000"/>
+            </a:solidFill>
+            <a:prstDash val="sysDash"/>
+          </a:ln>
+        </p:spPr>
+        <p:style>
+          <a:lnRef idx="2">
+            <a:schemeClr val="accent1"/>
+          </a:lnRef>
+          <a:fillRef idx="1">
+            <a:schemeClr val="lt1"/>
+          </a:fillRef>
+          <a:effectRef idx="0">
+            <a:schemeClr val="accent1"/>
+          </a:effectRef>
+          <a:fontRef idx="minor">
+            <a:schemeClr val="dk1"/>
+          </a:fontRef>
+        </p:style>
+        <p:txBody>
+          <a:bodyPr rtlCol="0" anchor="ctr"/>
+          <a:lstStyle/>
+          <a:p>
+            <a:pPr algn="ctr"/>
+            <a:endParaRPr lang="en-US">
+              <a:ln w="57150" cmpd="sng">
+                <a:solidFill>
+                  <a:srgbClr val="000000"/>
+                </a:solidFill>
+                <a:prstDash val="sysDash"/>
+              </a:ln>
+              <a:noFill/>
+            </a:endParaRPr>
+          </a:p>
+        </p:txBody>
+      </p:sp>
+      <p:sp>
+        <p:nvSpPr>
+          <p:cNvPr id="10" name="Rectangle 9"/>
+          <p:cNvSpPr/>
+          <p:nvPr/>
+        </p:nvSpPr>
+        <p:spPr>
+          <a:xfrm>
+            <a:off x="8046156" y="550333"/>
+            <a:ext cx="3920067" cy="5827888"/>
+          </a:xfrm>
+          <a:prstGeom prst="rect">
+            <a:avLst/>
+          </a:prstGeom>
+          <a:solidFill>
+            <a:schemeClr val="lt1">
+              <a:alpha val="0"/>
+            </a:schemeClr>
+          </a:solidFill>
+          <a:ln w="38100" cmpd="sng">
+            <a:solidFill>
+              <a:schemeClr val="tx2"/>
+            </a:solidFill>
+            <a:prstDash val="sysDash"/>
+          </a:ln>
+        </p:spPr>
+        <p:style>
+          <a:lnRef idx="2">
+            <a:schemeClr val="accent1"/>
+          </a:lnRef>
+          <a:fillRef idx="1">
+            <a:schemeClr val="lt1"/>
+          </a:fillRef>
+          <a:effectRef idx="0">
+            <a:schemeClr val="accent1"/>
+          </a:effectRef>
+          <a:fontRef idx="minor">
+            <a:schemeClr val="dk1"/>
+          </a:fontRef>
+        </p:style>
+        <p:txBody>
+          <a:bodyPr rtlCol="0" anchor="ctr"/>
+          <a:lstStyle/>
+          <a:p>
+            <a:pPr algn="ctr"/>
+            <a:endParaRPr lang="en-US">
+              <a:ln w="57150" cmpd="sng">
+                <a:solidFill>
+                  <a:srgbClr val="000000"/>
+                </a:solidFill>
+                <a:prstDash val="sysDash"/>
+              </a:ln>
+              <a:noFill/>
+            </a:endParaRPr>
+          </a:p>
+        </p:txBody>
+      </p:sp>
+      <p:pic>
+        <p:nvPicPr>
+          <p:cNvPr id="4" name="Picture 3" descr="Document.png"/>
+          <p:cNvPicPr>
+            <a:picLocks noChangeAspect="1"/>
+          </p:cNvPicPr>
+          <p:nvPr/>
+        </p:nvPicPr>
+        <p:blipFill>
+          <a:blip r:embed="rId2">
+            <a:extLst>
+              <a:ext uri="{28A0092B-C50C-407E-A947-70E740481C1C}">
+                <a14:useLocalDpi xmlns:a14="http://schemas.microsoft.com/office/drawing/2010/main" val="0"/>
+              </a:ext>
+            </a:extLst>
+          </a:blip>
+          <a:stretch>
+            <a:fillRect/>
+          </a:stretch>
+        </p:blipFill>
+        <p:spPr>
+          <a:xfrm>
+            <a:off x="606783" y="647700"/>
+            <a:ext cx="3005667" cy="3005667"/>
+          </a:xfrm>
+          <a:prstGeom prst="rect">
+            <a:avLst/>
+          </a:prstGeom>
+        </p:spPr>
+      </p:pic>
+      <p:sp>
+        <p:nvSpPr>
+          <p:cNvPr id="5" name="TextBox 4"/>
+          <p:cNvSpPr txBox="1"/>
+          <p:nvPr/>
+        </p:nvSpPr>
+        <p:spPr>
+          <a:xfrm>
+            <a:off x="244128" y="4511742"/>
+            <a:ext cx="3918652" cy="954107"/>
+          </a:xfrm>
+          <a:prstGeom prst="rect">
+            <a:avLst/>
+          </a:prstGeom>
+          <a:noFill/>
+        </p:spPr>
+        <p:txBody>
+          <a:bodyPr wrap="square" rtlCol="0">
+            <a:spAutoFit/>
+          </a:bodyPr>
+          <a:lstStyle/>
+          <a:p>
+            <a:pPr marL="457200" indent="-457200">
+              <a:buFont typeface="Wingdings" charset="0"/>
+              <a:buChar char="þ"/>
+            </a:pPr>
+            <a:r>
+              <a:rPr lang="en-US" sz="2800" dirty="0">
+                <a:sym typeface="Wingdings"/>
+              </a:rPr>
+              <a:t>“This idea looks cool.  What do you think?”</a:t>
+            </a:r>
+            <a:endParaRPr lang="en-US" sz="2800" dirty="0">
+              <a:latin typeface="Wingdings"/>
+              <a:ea typeface="Wingdings"/>
+              <a:cs typeface="Wingdings"/>
+              <a:sym typeface="Wingdings"/>
+            </a:endParaRPr>
+          </a:p>
+        </p:txBody>
+      </p:sp>
+      <p:pic>
+        <p:nvPicPr>
+          <p:cNvPr id="6" name="Picture 5" descr="Document.png"/>
+          <p:cNvPicPr>
+            <a:picLocks noChangeAspect="1"/>
+          </p:cNvPicPr>
+          <p:nvPr/>
+        </p:nvPicPr>
+        <p:blipFill>
+          <a:blip r:embed="rId2">
+            <a:extLst>
+              <a:ext uri="{28A0092B-C50C-407E-A947-70E740481C1C}">
+                <a14:useLocalDpi xmlns:a14="http://schemas.microsoft.com/office/drawing/2010/main" val="0"/>
+              </a:ext>
+            </a:extLst>
+          </a:blip>
+          <a:stretch>
+            <a:fillRect/>
+          </a:stretch>
+        </p:blipFill>
+        <p:spPr>
+          <a:xfrm>
+            <a:off x="4555072" y="647700"/>
+            <a:ext cx="3005667" cy="3005667"/>
+          </a:xfrm>
+          <a:prstGeom prst="rect">
+            <a:avLst/>
+          </a:prstGeom>
+        </p:spPr>
+      </p:pic>
+      <p:sp>
+        <p:nvSpPr>
+          <p:cNvPr id="7" name="TextBox 6"/>
+          <p:cNvSpPr txBox="1"/>
+          <p:nvPr/>
+        </p:nvSpPr>
+        <p:spPr>
+          <a:xfrm>
+            <a:off x="4883861" y="4511742"/>
+            <a:ext cx="2411584" cy="523220"/>
+          </a:xfrm>
+          <a:prstGeom prst="rect">
+            <a:avLst/>
+          </a:prstGeom>
+          <a:noFill/>
+        </p:spPr>
+        <p:txBody>
+          <a:bodyPr wrap="square" rtlCol="0">
+            <a:spAutoFit/>
+          </a:bodyPr>
+          <a:lstStyle/>
+          <a:p>
+            <a:r>
+              <a:rPr lang="en-US" sz="2800" dirty="0" smtClean="0">
+                <a:latin typeface="Wingdings"/>
+                <a:ea typeface="Wingdings"/>
+                <a:cs typeface="Wingdings"/>
+                <a:sym typeface="Wingdings"/>
+              </a:rPr>
+              <a:t></a:t>
+            </a:r>
+            <a:r>
+              <a:rPr lang="en-US" sz="2800" dirty="0" smtClean="0">
+                <a:sym typeface="Wingdings"/>
+              </a:rPr>
+              <a:t> “Indeed.”</a:t>
+            </a:r>
+            <a:endParaRPr lang="en-US" sz="2800" dirty="0" smtClean="0"/>
+          </a:p>
+        </p:txBody>
+      </p:sp>
+      <p:pic>
+        <p:nvPicPr>
+          <p:cNvPr id="8" name="Picture 7" descr="Document.png"/>
+          <p:cNvPicPr>
+            <a:picLocks noChangeAspect="1"/>
+          </p:cNvPicPr>
+          <p:nvPr/>
+        </p:nvPicPr>
+        <p:blipFill>
+          <a:blip r:embed="rId2">
+            <a:extLst>
+              <a:ext uri="{28A0092B-C50C-407E-A947-70E740481C1C}">
+                <a14:useLocalDpi xmlns:a14="http://schemas.microsoft.com/office/drawing/2010/main" val="0"/>
+              </a:ext>
+            </a:extLst>
+          </a:blip>
+          <a:stretch>
+            <a:fillRect/>
+          </a:stretch>
+        </p:blipFill>
+        <p:spPr>
+          <a:xfrm>
+            <a:off x="8590845" y="647700"/>
+            <a:ext cx="3005667" cy="3005667"/>
+          </a:xfrm>
+          <a:prstGeom prst="rect">
+            <a:avLst/>
+          </a:prstGeom>
+        </p:spPr>
+      </p:pic>
+      <p:sp>
+        <p:nvSpPr>
+          <p:cNvPr id="9" name="TextBox 8"/>
+          <p:cNvSpPr txBox="1"/>
+          <p:nvPr/>
+        </p:nvSpPr>
+        <p:spPr>
+          <a:xfrm>
+            <a:off x="8256414" y="4511742"/>
+            <a:ext cx="4387142" cy="1815882"/>
+          </a:xfrm>
+          <a:prstGeom prst="rect">
+            <a:avLst/>
+          </a:prstGeom>
+          <a:noFill/>
+        </p:spPr>
+        <p:txBody>
+          <a:bodyPr wrap="square" rtlCol="0">
+            <a:spAutoFit/>
+          </a:bodyPr>
+          <a:lstStyle/>
+          <a:p>
+            <a:pPr marL="457200" indent="-457200">
+              <a:buFont typeface="Wingdings" charset="0"/>
+              <a:buChar char="þ"/>
+            </a:pPr>
+            <a:r>
+              <a:rPr lang="en-US" sz="2800" dirty="0" smtClean="0">
+                <a:sym typeface="Wingdings"/>
+              </a:rPr>
+              <a:t>“</a:t>
+            </a:r>
+            <a:r>
+              <a:rPr lang="en-US" sz="2800" dirty="0">
+                <a:sym typeface="Wingdings"/>
+              </a:rPr>
+              <a:t>This idea looks cool.  What do you think?</a:t>
+            </a:r>
+            <a:r>
+              <a:rPr lang="en-US" sz="2800" dirty="0" smtClean="0">
+                <a:sym typeface="Wingdings"/>
+              </a:rPr>
+              <a:t>”</a:t>
+            </a:r>
+            <a:endParaRPr lang="en-US" sz="2800" dirty="0" smtClean="0">
+              <a:latin typeface="Wingdings"/>
+              <a:ea typeface="Wingdings"/>
+              <a:cs typeface="Wingdings"/>
+              <a:sym typeface="Wingdings"/>
+            </a:endParaRPr>
+          </a:p>
+          <a:p>
+            <a:pPr marL="457200" indent="-457200">
+              <a:buFont typeface="Wingdings" charset="0"/>
+              <a:buChar char="þ"/>
+            </a:pPr>
+            <a:r>
+              <a:rPr lang="en-US" sz="2800" dirty="0" smtClean="0">
+                <a:sym typeface="Wingdings"/>
+              </a:rPr>
+              <a:t>“Indeed.</a:t>
+            </a:r>
+            <a:r>
+              <a:rPr lang="en-US" sz="2800" dirty="0">
+                <a:sym typeface="Wingdings"/>
+              </a:rPr>
+              <a:t>”</a:t>
+            </a:r>
+            <a:endParaRPr lang="en-US" sz="2800" dirty="0"/>
+          </a:p>
+          <a:p>
+            <a:pPr marL="457200" indent="-457200">
+              <a:buFont typeface="Wingdings" charset="0"/>
+              <a:buChar char="þ"/>
+            </a:pPr>
+            <a:endParaRPr lang="en-US" sz="2800" dirty="0" smtClean="0"/>
+          </a:p>
+        </p:txBody>
+      </p:sp>
+      <p:sp>
+        <p:nvSpPr>
+          <p:cNvPr id="13" name="TextBox 12"/>
+          <p:cNvSpPr txBox="1"/>
+          <p:nvPr/>
+        </p:nvSpPr>
+        <p:spPr>
+          <a:xfrm>
+            <a:off x="211668" y="5840586"/>
+            <a:ext cx="3809999" cy="523220"/>
+          </a:xfrm>
+          <a:prstGeom prst="rect">
+            <a:avLst/>
+          </a:prstGeom>
+          <a:noFill/>
+        </p:spPr>
+        <p:txBody>
+          <a:bodyPr wrap="square" rtlCol="0">
+            <a:spAutoFit/>
+          </a:bodyPr>
+          <a:lstStyle/>
+          <a:p>
+            <a:r>
+              <a:rPr lang="en-US" sz="2800" dirty="0" smtClean="0">
+                <a:solidFill>
+                  <a:srgbClr val="FF0000"/>
+                </a:solidFill>
+              </a:rPr>
+              <a:t>Annotated by Worker #1</a:t>
+            </a:r>
+            <a:endParaRPr lang="en-US" sz="2800" dirty="0">
+              <a:solidFill>
+                <a:srgbClr val="FF0000"/>
+              </a:solidFill>
+            </a:endParaRPr>
+          </a:p>
+        </p:txBody>
+      </p:sp>
+      <p:sp>
+        <p:nvSpPr>
+          <p:cNvPr id="16" name="TextBox 15"/>
+          <p:cNvSpPr txBox="1"/>
+          <p:nvPr/>
+        </p:nvSpPr>
+        <p:spPr>
+          <a:xfrm>
+            <a:off x="213083" y="3546543"/>
+            <a:ext cx="3766253" cy="954107"/>
+          </a:xfrm>
+          <a:prstGeom prst="rect">
+            <a:avLst/>
+          </a:prstGeom>
+          <a:noFill/>
+        </p:spPr>
+        <p:txBody>
+          <a:bodyPr wrap="square" rtlCol="0">
+            <a:spAutoFit/>
+          </a:bodyPr>
+          <a:lstStyle/>
+          <a:p>
+            <a:r>
+              <a:rPr lang="en-US" sz="2800" dirty="0" smtClean="0">
+                <a:sym typeface="Wingdings"/>
+              </a:rPr>
+              <a:t>Is the comment below relevant to the article?</a:t>
+            </a:r>
+            <a:endParaRPr lang="en-US" sz="2800" dirty="0">
+              <a:latin typeface="Wingdings"/>
+              <a:ea typeface="Wingdings"/>
+              <a:cs typeface="Wingdings"/>
+              <a:sym typeface="Wingdings"/>
+            </a:endParaRPr>
+          </a:p>
+        </p:txBody>
+      </p:sp>
+      <p:sp>
+        <p:nvSpPr>
+          <p:cNvPr id="17" name="TextBox 16"/>
+          <p:cNvSpPr txBox="1"/>
+          <p:nvPr/>
+        </p:nvSpPr>
+        <p:spPr>
+          <a:xfrm>
+            <a:off x="4344815" y="3546543"/>
+            <a:ext cx="3500963" cy="954107"/>
+          </a:xfrm>
+          <a:prstGeom prst="rect">
+            <a:avLst/>
+          </a:prstGeom>
+          <a:noFill/>
+        </p:spPr>
+        <p:txBody>
+          <a:bodyPr wrap="square" rtlCol="0">
+            <a:spAutoFit/>
+          </a:bodyPr>
+          <a:lstStyle/>
+          <a:p>
+            <a:r>
+              <a:rPr lang="en-US" sz="2800" dirty="0" smtClean="0">
+                <a:sym typeface="Wingdings"/>
+              </a:rPr>
+              <a:t>Is the comment below relevant to the article?</a:t>
+            </a:r>
+            <a:endParaRPr lang="en-US" sz="2800" dirty="0">
+              <a:latin typeface="Wingdings"/>
+              <a:ea typeface="Wingdings"/>
+              <a:cs typeface="Wingdings"/>
+              <a:sym typeface="Wingdings"/>
+            </a:endParaRPr>
+          </a:p>
+        </p:txBody>
+      </p:sp>
+      <p:sp>
+        <p:nvSpPr>
+          <p:cNvPr id="18" name="TextBox 17"/>
+          <p:cNvSpPr txBox="1"/>
+          <p:nvPr/>
+        </p:nvSpPr>
+        <p:spPr>
+          <a:xfrm>
+            <a:off x="8222547" y="3546543"/>
+            <a:ext cx="3766253" cy="954107"/>
+          </a:xfrm>
+          <a:prstGeom prst="rect">
+            <a:avLst/>
+          </a:prstGeom>
+          <a:noFill/>
+        </p:spPr>
+        <p:txBody>
+          <a:bodyPr wrap="square" rtlCol="0">
+            <a:spAutoFit/>
+          </a:bodyPr>
+          <a:lstStyle/>
+          <a:p>
+            <a:r>
+              <a:rPr lang="en-US" sz="2800" dirty="0" smtClean="0">
+                <a:sym typeface="Wingdings"/>
+              </a:rPr>
+              <a:t>Are comments below relevant to the article?</a:t>
+            </a:r>
+            <a:endParaRPr lang="en-US" sz="2800" dirty="0">
+              <a:latin typeface="Wingdings"/>
+              <a:ea typeface="Wingdings"/>
+              <a:cs typeface="Wingdings"/>
+              <a:sym typeface="Wingdings"/>
+            </a:endParaRPr>
+          </a:p>
+        </p:txBody>
+      </p:sp>
+      <p:sp>
+        <p:nvSpPr>
+          <p:cNvPr id="19" name="TextBox 18"/>
+          <p:cNvSpPr txBox="1"/>
+          <p:nvPr/>
+        </p:nvSpPr>
+        <p:spPr>
+          <a:xfrm>
+            <a:off x="4145846" y="5840586"/>
+            <a:ext cx="3809999" cy="523220"/>
+          </a:xfrm>
+          <a:prstGeom prst="rect">
+            <a:avLst/>
+          </a:prstGeom>
+          <a:noFill/>
+        </p:spPr>
+        <p:txBody>
+          <a:bodyPr wrap="square" rtlCol="0">
+            <a:spAutoFit/>
+          </a:bodyPr>
+          <a:lstStyle/>
+          <a:p>
+            <a:r>
+              <a:rPr lang="en-US" sz="2800" dirty="0" smtClean="0">
+                <a:solidFill>
+                  <a:srgbClr val="FF6600"/>
+                </a:solidFill>
+              </a:rPr>
+              <a:t>Annotated by Worker #2</a:t>
+            </a:r>
+            <a:endParaRPr lang="en-US" sz="2800" dirty="0">
+              <a:solidFill>
+                <a:srgbClr val="FF6600"/>
+              </a:solidFill>
+            </a:endParaRPr>
+          </a:p>
+        </p:txBody>
+      </p:sp>
+      <p:sp>
+        <p:nvSpPr>
+          <p:cNvPr id="20" name="TextBox 19"/>
+          <p:cNvSpPr txBox="1"/>
+          <p:nvPr/>
+        </p:nvSpPr>
+        <p:spPr>
+          <a:xfrm>
+            <a:off x="8136468" y="5840586"/>
+            <a:ext cx="3809999" cy="523220"/>
+          </a:xfrm>
+          <a:prstGeom prst="rect">
+            <a:avLst/>
+          </a:prstGeom>
+          <a:noFill/>
+        </p:spPr>
+        <p:txBody>
+          <a:bodyPr wrap="square" rtlCol="0">
+            <a:spAutoFit/>
+          </a:bodyPr>
+          <a:lstStyle/>
+          <a:p>
+            <a:r>
+              <a:rPr lang="en-US" sz="2800" dirty="0" smtClean="0">
+                <a:solidFill>
+                  <a:schemeClr val="tx2"/>
+                </a:solidFill>
+              </a:rPr>
+              <a:t>Annotated by Worker #3</a:t>
+            </a:r>
+            <a:endParaRPr lang="en-US" sz="2800" dirty="0">
+              <a:solidFill>
+                <a:schemeClr val="tx2"/>
+              </a:solidFill>
+            </a:endParaRPr>
+          </a:p>
+        </p:txBody>
+      </p:sp>
+    </p:spTree>
+    <p:extLst>
+      <p:ext uri="{BB962C8B-B14F-4D97-AF65-F5344CB8AC3E}">
+        <p14:creationId xmlns:p14="http://schemas.microsoft.com/office/powerpoint/2010/main" val="2632073302"/>
       </p:ext>
     </p:extLst>
   </p:cSld>
@@ -5522,7 +6200,7 @@
   <a:extraClrSchemeLst/>
   <a:extLst>
     <a:ext uri="{05A4C25C-085E-4340-85A3-A5531E510DB2}">
-      <thm15:themeFamily xmlns:thm15="http://schemas.microsoft.com/office/thememl/2012/main" xmlns="" name="Office Theme" id="{62F939B6-93AF-4DB8-9C6B-D6C7DFDC589F}" vid="{4A3C46E8-61CC-4603-A589-7422A47A8E4A}"/>
+      <thm15:themeFamily xmlns="" xmlns:thm15="http://schemas.microsoft.com/office/thememl/2012/main" name="Office Theme" id="{62F939B6-93AF-4DB8-9C6B-D6C7DFDC589F}" vid="{4A3C46E8-61CC-4603-A589-7422A47A8E4A}"/>
     </a:ext>
   </a:extLst>
 </a:theme>

--- a/ranking/doc/figures/model.pptx
+++ b/ranking/doc/figures/model.pptx
@@ -9,6 +9,7 @@
     <p:sldId id="258" r:id="rId3"/>
     <p:sldId id="259" r:id="rId4"/>
     <p:sldId id="260" r:id="rId5"/>
+    <p:sldId id="261" r:id="rId6"/>
   </p:sldIdLst>
   <p:sldSz cx="12192000" cy="6858000"/>
   <p:notesSz cx="6858000" cy="9144000"/>
@@ -3449,7 +3450,7 @@
           <a:graphicData uri="http://schemas.openxmlformats.org/presentationml/2006/ole">
             <mc:AlternateContent xmlns:mc="http://schemas.openxmlformats.org/markup-compatibility/2006">
               <mc:Choice xmlns:v="urn:schemas-microsoft-com:vml" Requires="v">
-                <p:oleObj spid="_x0000_s1099" name="Equation" r:id="rId3" imgW="215640" imgH="228600" progId="Equation.DSMT4">
+                <p:oleObj spid="_x0000_s1104" name="Equation" r:id="rId3" imgW="215640" imgH="228600" progId="Equation.DSMT4">
                   <p:embed/>
                 </p:oleObj>
               </mc:Choice>
@@ -3514,7 +3515,7 @@
           <a:graphicData uri="http://schemas.openxmlformats.org/presentationml/2006/ole">
             <mc:AlternateContent xmlns:mc="http://schemas.openxmlformats.org/markup-compatibility/2006">
               <mc:Choice xmlns:v="urn:schemas-microsoft-com:vml" Requires="v">
-                <p:oleObj spid="_x0000_s1100" name="Equation" r:id="rId5" imgW="228600" imgH="228600" progId="Equation.DSMT4">
+                <p:oleObj spid="_x0000_s1105" name="Equation" r:id="rId5" imgW="228600" imgH="228600" progId="Equation.DSMT4">
                   <p:embed/>
                 </p:oleObj>
               </mc:Choice>
@@ -3579,7 +3580,7 @@
           <a:graphicData uri="http://schemas.openxmlformats.org/presentationml/2006/ole">
             <mc:AlternateContent xmlns:mc="http://schemas.openxmlformats.org/markup-compatibility/2006">
               <mc:Choice xmlns:v="urn:schemas-microsoft-com:vml" Requires="v">
-                <p:oleObj spid="_x0000_s1101" name="Equation" r:id="rId7" imgW="215640" imgH="228600" progId="Equation.DSMT4">
+                <p:oleObj spid="_x0000_s1106" name="Equation" r:id="rId7" imgW="215640" imgH="228600" progId="Equation.DSMT4">
                   <p:embed/>
                 </p:oleObj>
               </mc:Choice>
@@ -3644,7 +3645,7 @@
           <a:graphicData uri="http://schemas.openxmlformats.org/presentationml/2006/ole">
             <mc:AlternateContent xmlns:mc="http://schemas.openxmlformats.org/markup-compatibility/2006">
               <mc:Choice xmlns:v="urn:schemas-microsoft-com:vml" Requires="v">
-                <p:oleObj spid="_x0000_s1102" name="Equation" r:id="rId9" imgW="228600" imgH="228600" progId="Equation.DSMT4">
+                <p:oleObj spid="_x0000_s1107" name="Equation" r:id="rId9" imgW="228600" imgH="228600" progId="Equation.DSMT4">
                   <p:embed/>
                 </p:oleObj>
               </mc:Choice>
@@ -3709,7 +3710,7 @@
           <a:graphicData uri="http://schemas.openxmlformats.org/presentationml/2006/ole">
             <mc:AlternateContent xmlns:mc="http://schemas.openxmlformats.org/markup-compatibility/2006">
               <mc:Choice xmlns:v="urn:schemas-microsoft-com:vml" Requires="v">
-                <p:oleObj spid="_x0000_s1103" name="Equation" r:id="rId11" imgW="228600" imgH="228600" progId="Equation.DSMT4">
+                <p:oleObj spid="_x0000_s1108" name="Equation" r:id="rId11" imgW="228600" imgH="228600" progId="Equation.DSMT4">
                   <p:embed/>
                 </p:oleObj>
               </mc:Choice>
@@ -3985,7 +3986,7 @@
           <a:graphicData uri="http://schemas.openxmlformats.org/presentationml/2006/ole">
             <mc:AlternateContent xmlns:mc="http://schemas.openxmlformats.org/markup-compatibility/2006">
               <mc:Choice xmlns:v="urn:schemas-microsoft-com:vml" Requires="v">
-                <p:oleObj spid="_x0000_s2090" name="Equation" r:id="rId3" imgW="215640" imgH="228600" progId="Equation.DSMT4">
+                <p:oleObj spid="_x0000_s2095" name="Equation" r:id="rId3" imgW="215640" imgH="228600" progId="Equation.DSMT4">
                   <p:embed/>
                 </p:oleObj>
               </mc:Choice>
@@ -4050,7 +4051,7 @@
           <a:graphicData uri="http://schemas.openxmlformats.org/presentationml/2006/ole">
             <mc:AlternateContent xmlns:mc="http://schemas.openxmlformats.org/markup-compatibility/2006">
               <mc:Choice xmlns:v="urn:schemas-microsoft-com:vml" Requires="v">
-                <p:oleObj spid="_x0000_s2091" name="Equation" r:id="rId5" imgW="228600" imgH="228600" progId="Equation.DSMT4">
+                <p:oleObj spid="_x0000_s2096" name="Equation" r:id="rId5" imgW="228600" imgH="228600" progId="Equation.DSMT4">
                   <p:embed/>
                 </p:oleObj>
               </mc:Choice>
@@ -4334,7 +4335,7 @@
           <a:graphicData uri="http://schemas.openxmlformats.org/presentationml/2006/ole">
             <mc:AlternateContent xmlns:mc="http://schemas.openxmlformats.org/markup-compatibility/2006">
               <mc:Choice xmlns:v="urn:schemas-microsoft-com:vml" Requires="v">
-                <p:oleObj spid="_x0000_s2092" name="Equation" r:id="rId7" imgW="215640" imgH="228600" progId="Equation.DSMT4">
+                <p:oleObj spid="_x0000_s2097" name="Equation" r:id="rId7" imgW="215640" imgH="228600" progId="Equation.DSMT4">
                   <p:embed/>
                 </p:oleObj>
               </mc:Choice>
@@ -4399,7 +4400,7 @@
           <a:graphicData uri="http://schemas.openxmlformats.org/presentationml/2006/ole">
             <mc:AlternateContent xmlns:mc="http://schemas.openxmlformats.org/markup-compatibility/2006">
               <mc:Choice xmlns:v="urn:schemas-microsoft-com:vml" Requires="v">
-                <p:oleObj spid="_x0000_s2093" name="Equation" r:id="rId9" imgW="228600" imgH="228600" progId="Equation.DSMT4">
+                <p:oleObj spid="_x0000_s2098" name="Equation" r:id="rId9" imgW="228600" imgH="228600" progId="Equation.DSMT4">
                   <p:embed/>
                 </p:oleObj>
               </mc:Choice>
@@ -4464,7 +4465,7 @@
           <a:graphicData uri="http://schemas.openxmlformats.org/presentationml/2006/ole">
             <mc:AlternateContent xmlns:mc="http://schemas.openxmlformats.org/markup-compatibility/2006">
               <mc:Choice xmlns:v="urn:schemas-microsoft-com:vml" Requires="v">
-                <p:oleObj spid="_x0000_s2094" name="Equation" r:id="rId11" imgW="228600" imgH="228600" progId="Equation.DSMT4">
+                <p:oleObj spid="_x0000_s2099" name="Equation" r:id="rId11" imgW="228600" imgH="228600" progId="Equation.DSMT4">
                   <p:embed/>
                 </p:oleObj>
               </mc:Choice>
@@ -4817,7 +4818,7 @@
           <a:graphicData uri="http://schemas.openxmlformats.org/presentationml/2006/ole">
             <mc:AlternateContent xmlns:mc="http://schemas.openxmlformats.org/markup-compatibility/2006">
               <mc:Choice xmlns:v="urn:schemas-microsoft-com:vml" Requires="v">
-                <p:oleObj spid="_x0000_s3104" name="Equation" r:id="rId3" imgW="215640" imgH="228600" progId="Equation.DSMT4">
+                <p:oleObj spid="_x0000_s3109" name="Equation" r:id="rId3" imgW="215640" imgH="228600" progId="Equation.DSMT4">
                   <p:embed/>
                 </p:oleObj>
               </mc:Choice>
@@ -4882,7 +4883,7 @@
           <a:graphicData uri="http://schemas.openxmlformats.org/presentationml/2006/ole">
             <mc:AlternateContent xmlns:mc="http://schemas.openxmlformats.org/markup-compatibility/2006">
               <mc:Choice xmlns:v="urn:schemas-microsoft-com:vml" Requires="v">
-                <p:oleObj spid="_x0000_s3105" name="Equation" r:id="rId5" imgW="228600" imgH="228600" progId="Equation.DSMT4">
+                <p:oleObj spid="_x0000_s3110" name="Equation" r:id="rId5" imgW="228600" imgH="228600" progId="Equation.DSMT4">
                   <p:embed/>
                 </p:oleObj>
               </mc:Choice>
@@ -5082,7 +5083,7 @@
           <a:graphicData uri="http://schemas.openxmlformats.org/presentationml/2006/ole">
             <mc:AlternateContent xmlns:mc="http://schemas.openxmlformats.org/markup-compatibility/2006">
               <mc:Choice xmlns:v="urn:schemas-microsoft-com:vml" Requires="v">
-                <p:oleObj spid="_x0000_s3106" name="Equation" r:id="rId7" imgW="215640" imgH="228600" progId="Equation.DSMT4">
+                <p:oleObj spid="_x0000_s3111" name="Equation" r:id="rId7" imgW="215640" imgH="228600" progId="Equation.DSMT4">
                   <p:embed/>
                 </p:oleObj>
               </mc:Choice>
@@ -5147,7 +5148,7 @@
           <a:graphicData uri="http://schemas.openxmlformats.org/presentationml/2006/ole">
             <mc:AlternateContent xmlns:mc="http://schemas.openxmlformats.org/markup-compatibility/2006">
               <mc:Choice xmlns:v="urn:schemas-microsoft-com:vml" Requires="v">
-                <p:oleObj spid="_x0000_s3107" name="Equation" r:id="rId9" imgW="228600" imgH="228600" progId="Equation.DSMT4">
+                <p:oleObj spid="_x0000_s3112" name="Equation" r:id="rId9" imgW="228600" imgH="228600" progId="Equation.DSMT4">
                   <p:embed/>
                 </p:oleObj>
               </mc:Choice>
@@ -5212,7 +5213,7 @@
           <a:graphicData uri="http://schemas.openxmlformats.org/presentationml/2006/ole">
             <mc:AlternateContent xmlns:mc="http://schemas.openxmlformats.org/markup-compatibility/2006">
               <mc:Choice xmlns:v="urn:schemas-microsoft-com:vml" Requires="v">
-                <p:oleObj spid="_x0000_s3108" name="Equation" r:id="rId11" imgW="228600" imgH="228600" progId="Equation.DSMT4">
+                <p:oleObj spid="_x0000_s3113" name="Equation" r:id="rId11" imgW="228600" imgH="228600" progId="Equation.DSMT4">
                   <p:embed/>
                 </p:oleObj>
               </mc:Choice>
@@ -5330,7 +5331,7 @@
           <a:lstStyle/>
           <a:p>
             <a:pPr algn="ctr"/>
-            <a:endParaRPr lang="en-US">
+            <a:endParaRPr lang="en-US" sz="2400">
               <a:ln w="57150" cmpd="sng">
                 <a:solidFill>
                   <a:srgbClr val="000000"/>
@@ -5350,8 +5351,8 @@
         </p:nvSpPr>
         <p:spPr>
           <a:xfrm>
-            <a:off x="237067" y="550331"/>
-            <a:ext cx="3770491" cy="5827891"/>
+            <a:off x="155223" y="550331"/>
+            <a:ext cx="3852336" cy="5827891"/>
           </a:xfrm>
           <a:prstGeom prst="rect">
             <a:avLst/>
@@ -5387,7 +5388,7 @@
           <a:lstStyle/>
           <a:p>
             <a:pPr algn="ctr"/>
-            <a:endParaRPr lang="en-US">
+            <a:endParaRPr lang="en-US" sz="2400">
               <a:ln w="57150" cmpd="sng">
                 <a:solidFill>
                   <a:srgbClr val="000000"/>
@@ -5408,7 +5409,7 @@
         <p:spPr>
           <a:xfrm>
             <a:off x="8046156" y="550333"/>
-            <a:ext cx="3920067" cy="5827888"/>
+            <a:ext cx="4032955" cy="5827888"/>
           </a:xfrm>
           <a:prstGeom prst="rect">
             <a:avLst/>
@@ -5444,7 +5445,7 @@
           <a:lstStyle/>
           <a:p>
             <a:pPr algn="ctr"/>
-            <a:endParaRPr lang="en-US">
+            <a:endParaRPr lang="en-US" sz="2400">
               <a:ln w="57150" cmpd="sng">
                 <a:solidFill>
                   <a:srgbClr val="000000"/>
@@ -5494,8 +5495,8 @@
         </p:nvSpPr>
         <p:spPr>
           <a:xfrm>
-            <a:off x="244128" y="4511742"/>
-            <a:ext cx="3918652" cy="954107"/>
+            <a:off x="239889" y="4511742"/>
+            <a:ext cx="3683000" cy="830997"/>
           </a:xfrm>
           <a:prstGeom prst="rect">
             <a:avLst/>
@@ -5508,17 +5509,23 @@
           </a:bodyPr>
           <a:lstStyle/>
           <a:p>
-            <a:pPr marL="457200" indent="-457200">
+            <a:pPr marL="457200" indent="-457200" algn="ctr">
               <a:buFont typeface="Wingdings" charset="0"/>
               <a:buChar char="þ"/>
             </a:pPr>
             <a:r>
-              <a:rPr lang="en-US" sz="2800" dirty="0">
+              <a:rPr lang="en-US" sz="2400" dirty="0">
+                <a:solidFill>
+                  <a:srgbClr val="FF0000"/>
+                </a:solidFill>
                 <a:sym typeface="Wingdings"/>
               </a:rPr>
               <a:t>“This idea looks cool.  What do you think?”</a:t>
             </a:r>
-            <a:endParaRPr lang="en-US" sz="2800" dirty="0">
+            <a:endParaRPr lang="en-US" sz="2400" dirty="0">
+              <a:solidFill>
+                <a:srgbClr val="FF0000"/>
+              </a:solidFill>
               <a:latin typeface="Wingdings"/>
               <a:ea typeface="Wingdings"/>
               <a:cs typeface="Wingdings"/>
@@ -5549,7 +5556,7 @@
         </p:blipFill>
         <p:spPr>
           <a:xfrm>
-            <a:off x="4555072" y="647700"/>
+            <a:off x="4500034" y="647700"/>
             <a:ext cx="3005667" cy="3005667"/>
           </a:xfrm>
           <a:prstGeom prst="rect">
@@ -5565,8 +5572,8 @@
         </p:nvSpPr>
         <p:spPr>
           <a:xfrm>
-            <a:off x="4883861" y="4511742"/>
-            <a:ext cx="2411584" cy="523220"/>
+            <a:off x="4797075" y="4511742"/>
+            <a:ext cx="2411584" cy="461665"/>
           </a:xfrm>
           <a:prstGeom prst="rect">
             <a:avLst/>
@@ -5579,8 +5586,12 @@
           </a:bodyPr>
           <a:lstStyle/>
           <a:p>
-            <a:r>
-              <a:rPr lang="en-US" sz="2800" dirty="0" smtClean="0">
+            <a:pPr algn="ctr"/>
+            <a:r>
+              <a:rPr lang="en-US" sz="2400" dirty="0" smtClean="0">
+                <a:solidFill>
+                  <a:srgbClr val="FF6600"/>
+                </a:solidFill>
                 <a:latin typeface="Wingdings"/>
                 <a:ea typeface="Wingdings"/>
                 <a:cs typeface="Wingdings"/>
@@ -5589,12 +5600,19 @@
               <a:t></a:t>
             </a:r>
             <a:r>
-              <a:rPr lang="en-US" sz="2800" dirty="0" smtClean="0">
+              <a:rPr lang="en-US" sz="2400" dirty="0" smtClean="0">
+                <a:solidFill>
+                  <a:srgbClr val="FF6600"/>
+                </a:solidFill>
                 <a:sym typeface="Wingdings"/>
               </a:rPr>
               <a:t> “Indeed.”</a:t>
             </a:r>
-            <a:endParaRPr lang="en-US" sz="2800" dirty="0" smtClean="0"/>
+            <a:endParaRPr lang="en-US" sz="2400" dirty="0" smtClean="0">
+              <a:solidFill>
+                <a:srgbClr val="FF6600"/>
+              </a:solidFill>
+            </a:endParaRPr>
           </a:p>
         </p:txBody>
       </p:sp>
@@ -5620,7 +5638,7 @@
         </p:blipFill>
         <p:spPr>
           <a:xfrm>
-            <a:off x="8590845" y="647700"/>
+            <a:off x="8569679" y="647700"/>
             <a:ext cx="3005667" cy="3005667"/>
           </a:xfrm>
           <a:prstGeom prst="rect">
@@ -5636,8 +5654,8 @@
         </p:nvSpPr>
         <p:spPr>
           <a:xfrm>
-            <a:off x="8256414" y="4511742"/>
-            <a:ext cx="4387142" cy="1815882"/>
+            <a:off x="8393998" y="4469408"/>
+            <a:ext cx="3357029" cy="1200328"/>
           </a:xfrm>
           <a:prstGeom prst="rect">
             <a:avLst/>
@@ -5655,24 +5673,36 @@
               <a:buChar char="þ"/>
             </a:pPr>
             <a:r>
-              <a:rPr lang="en-US" sz="2800" dirty="0" smtClean="0">
+              <a:rPr lang="en-US" sz="2400" dirty="0" smtClean="0">
+                <a:solidFill>
+                  <a:schemeClr val="tx2"/>
+                </a:solidFill>
                 <a:sym typeface="Wingdings"/>
               </a:rPr>
               <a:t>“</a:t>
             </a:r>
             <a:r>
-              <a:rPr lang="en-US" sz="2800" dirty="0">
+              <a:rPr lang="en-US" sz="2400" dirty="0">
+                <a:solidFill>
+                  <a:schemeClr val="tx2"/>
+                </a:solidFill>
                 <a:sym typeface="Wingdings"/>
               </a:rPr>
               <a:t>This idea looks cool.  What do you think?</a:t>
             </a:r>
             <a:r>
-              <a:rPr lang="en-US" sz="2800" dirty="0" smtClean="0">
+              <a:rPr lang="en-US" sz="2400" dirty="0" smtClean="0">
+                <a:solidFill>
+                  <a:schemeClr val="tx2"/>
+                </a:solidFill>
                 <a:sym typeface="Wingdings"/>
               </a:rPr>
               <a:t>”</a:t>
             </a:r>
-            <a:endParaRPr lang="en-US" sz="2800" dirty="0" smtClean="0">
+            <a:endParaRPr lang="en-US" sz="2400" dirty="0" smtClean="0">
+              <a:solidFill>
+                <a:schemeClr val="tx2"/>
+              </a:solidFill>
               <a:latin typeface="Wingdings"/>
               <a:ea typeface="Wingdings"/>
               <a:cs typeface="Wingdings"/>
@@ -5685,25 +5715,19 @@
               <a:buChar char="þ"/>
             </a:pPr>
             <a:r>
-              <a:rPr lang="en-US" sz="2800" dirty="0" smtClean="0">
+              <a:rPr lang="en-US" sz="2400" dirty="0" smtClean="0">
+                <a:solidFill>
+                  <a:schemeClr val="tx2"/>
+                </a:solidFill>
                 <a:sym typeface="Wingdings"/>
               </a:rPr>
-              <a:t>“Indeed.</a:t>
-            </a:r>
-            <a:r>
-              <a:rPr lang="en-US" sz="2800" dirty="0">
-                <a:sym typeface="Wingdings"/>
-              </a:rPr>
-              <a:t>”</a:t>
-            </a:r>
-            <a:endParaRPr lang="en-US" sz="2800" dirty="0"/>
-          </a:p>
-          <a:p>
-            <a:pPr marL="457200" indent="-457200">
-              <a:buFont typeface="Wingdings" charset="0"/>
-              <a:buChar char="þ"/>
-            </a:pPr>
-            <a:endParaRPr lang="en-US" sz="2800" dirty="0" smtClean="0"/>
+              <a:t>“Indeed.”</a:t>
+            </a:r>
+            <a:endParaRPr lang="en-US" sz="2400" dirty="0">
+              <a:solidFill>
+                <a:schemeClr val="tx2"/>
+              </a:solidFill>
+            </a:endParaRPr>
           </a:p>
         </p:txBody>
       </p:sp>
@@ -5716,7 +5740,7 @@
         <p:spPr>
           <a:xfrm>
             <a:off x="211668" y="5840586"/>
-            <a:ext cx="3809999" cy="523220"/>
+            <a:ext cx="3711221" cy="461665"/>
           </a:xfrm>
           <a:prstGeom prst="rect">
             <a:avLst/>
@@ -5729,15 +5753,16 @@
           </a:bodyPr>
           <a:lstStyle/>
           <a:p>
-            <a:r>
-              <a:rPr lang="en-US" sz="2800" dirty="0" smtClean="0">
+            <a:pPr algn="ctr"/>
+            <a:r>
+              <a:rPr lang="en-US" sz="2400" dirty="0" smtClean="0">
                 <a:solidFill>
                   <a:srgbClr val="FF0000"/>
                 </a:solidFill>
               </a:rPr>
               <a:t>Annotated by Worker #1</a:t>
             </a:r>
-            <a:endParaRPr lang="en-US" sz="2800" dirty="0">
+            <a:endParaRPr lang="en-US" sz="2400" dirty="0">
               <a:solidFill>
                 <a:srgbClr val="FF0000"/>
               </a:solidFill>
@@ -5753,8 +5778,8 @@
         </p:nvSpPr>
         <p:spPr>
           <a:xfrm>
-            <a:off x="213083" y="3546543"/>
-            <a:ext cx="3766253" cy="954107"/>
+            <a:off x="467082" y="3546543"/>
+            <a:ext cx="3074808" cy="830997"/>
           </a:xfrm>
           <a:prstGeom prst="rect">
             <a:avLst/>
@@ -5768,12 +5793,12 @@
           <a:lstStyle/>
           <a:p>
             <a:r>
-              <a:rPr lang="en-US" sz="2800" dirty="0" smtClean="0">
+              <a:rPr lang="en-US" sz="2400" dirty="0" smtClean="0">
                 <a:sym typeface="Wingdings"/>
               </a:rPr>
               <a:t>Is the comment below relevant to the article?</a:t>
             </a:r>
-            <a:endParaRPr lang="en-US" sz="2800" dirty="0">
+            <a:endParaRPr lang="en-US" sz="2400" dirty="0">
               <a:latin typeface="Wingdings"/>
               <a:ea typeface="Wingdings"/>
               <a:cs typeface="Wingdings"/>
@@ -5790,8 +5815,8 @@
         </p:nvSpPr>
         <p:spPr>
           <a:xfrm>
-            <a:off x="4344815" y="3546543"/>
-            <a:ext cx="3500963" cy="954107"/>
+            <a:off x="4456997" y="3546543"/>
+            <a:ext cx="3232850" cy="830997"/>
           </a:xfrm>
           <a:prstGeom prst="rect">
             <a:avLst/>
@@ -5805,12 +5830,12 @@
           <a:lstStyle/>
           <a:p>
             <a:r>
-              <a:rPr lang="en-US" sz="2800" dirty="0" smtClean="0">
+              <a:rPr lang="en-US" sz="2400" dirty="0" smtClean="0">
                 <a:sym typeface="Wingdings"/>
               </a:rPr>
               <a:t>Is the comment below relevant to the article?</a:t>
             </a:r>
-            <a:endParaRPr lang="en-US" sz="2800" dirty="0">
+            <a:endParaRPr lang="en-US" sz="2400" dirty="0">
               <a:latin typeface="Wingdings"/>
               <a:ea typeface="Wingdings"/>
               <a:cs typeface="Wingdings"/>
@@ -5827,8 +5852,8 @@
         </p:nvSpPr>
         <p:spPr>
           <a:xfrm>
-            <a:off x="8222547" y="3546543"/>
-            <a:ext cx="3766253" cy="954107"/>
+            <a:off x="8468786" y="3546543"/>
+            <a:ext cx="3207453" cy="830997"/>
           </a:xfrm>
           <a:prstGeom prst="rect">
             <a:avLst/>
@@ -5842,12 +5867,12 @@
           <a:lstStyle/>
           <a:p>
             <a:r>
-              <a:rPr lang="en-US" sz="2800" dirty="0" smtClean="0">
+              <a:rPr lang="en-US" sz="2400" dirty="0" smtClean="0">
                 <a:sym typeface="Wingdings"/>
               </a:rPr>
               <a:t>Are comments below relevant to the article?</a:t>
             </a:r>
-            <a:endParaRPr lang="en-US" sz="2800" dirty="0">
+            <a:endParaRPr lang="en-US" sz="2400" dirty="0">
               <a:latin typeface="Wingdings"/>
               <a:ea typeface="Wingdings"/>
               <a:cs typeface="Wingdings"/>
@@ -5865,7 +5890,7 @@
         <p:spPr>
           <a:xfrm>
             <a:off x="4145846" y="5840586"/>
-            <a:ext cx="3809999" cy="523220"/>
+            <a:ext cx="3714043" cy="461665"/>
           </a:xfrm>
           <a:prstGeom prst="rect">
             <a:avLst/>
@@ -5878,15 +5903,16 @@
           </a:bodyPr>
           <a:lstStyle/>
           <a:p>
-            <a:r>
-              <a:rPr lang="en-US" sz="2800" dirty="0" smtClean="0">
+            <a:pPr algn="ctr"/>
+            <a:r>
+              <a:rPr lang="en-US" sz="2400" dirty="0" smtClean="0">
                 <a:solidFill>
                   <a:srgbClr val="FF6600"/>
                 </a:solidFill>
               </a:rPr>
               <a:t>Annotated by Worker #2</a:t>
             </a:r>
-            <a:endParaRPr lang="en-US" sz="2800" dirty="0">
+            <a:endParaRPr lang="en-US" sz="2400" dirty="0">
               <a:solidFill>
                 <a:srgbClr val="FF6600"/>
               </a:solidFill>
@@ -5902,8 +5928,8 @@
         </p:nvSpPr>
         <p:spPr>
           <a:xfrm>
-            <a:off x="8136468" y="5840586"/>
-            <a:ext cx="3809999" cy="523220"/>
+            <a:off x="8235246" y="5840586"/>
+            <a:ext cx="3674532" cy="461665"/>
           </a:xfrm>
           <a:prstGeom prst="rect">
             <a:avLst/>
@@ -5916,15 +5942,16 @@
           </a:bodyPr>
           <a:lstStyle/>
           <a:p>
-            <a:r>
-              <a:rPr lang="en-US" sz="2800" dirty="0" smtClean="0">
+            <a:pPr algn="ctr"/>
+            <a:r>
+              <a:rPr lang="en-US" sz="2400" dirty="0" smtClean="0">
                 <a:solidFill>
                   <a:schemeClr val="tx2"/>
                 </a:solidFill>
               </a:rPr>
               <a:t>Annotated by Worker #3</a:t>
             </a:r>
-            <a:endParaRPr lang="en-US" sz="2800" dirty="0">
+            <a:endParaRPr lang="en-US" sz="2400" dirty="0">
               <a:solidFill>
                 <a:schemeClr val="tx2"/>
               </a:solidFill>
@@ -5942,6 +5969,761 @@
   <p:clrMapOvr>
     <a:masterClrMapping/>
   </p:clrMapOvr>
+</p:sld>
+</file>
+
+<file path=ppt/slides/slide5.xml><?xml version="1.0" encoding="utf-8"?>
+<p:sld xmlns:a="http://schemas.openxmlformats.org/drawingml/2006/main" xmlns:r="http://schemas.openxmlformats.org/officeDocument/2006/relationships" xmlns:p="http://schemas.openxmlformats.org/presentationml/2006/main">
+  <p:cSld>
+    <p:spTree>
+      <p:nvGrpSpPr>
+        <p:cNvPr id="1" name=""/>
+        <p:cNvGrpSpPr/>
+        <p:nvPr/>
+      </p:nvGrpSpPr>
+      <p:grpSpPr>
+        <a:xfrm>
+          <a:off x="0" y="0"/>
+          <a:ext cx="0" cy="0"/>
+          <a:chOff x="0" y="0"/>
+          <a:chExt cx="0" cy="0"/>
+        </a:xfrm>
+      </p:grpSpPr>
+      <p:sp>
+        <p:nvSpPr>
+          <p:cNvPr id="4" name="Rectangle 3"/>
+          <p:cNvSpPr/>
+          <p:nvPr/>
+        </p:nvSpPr>
+        <p:spPr>
+          <a:xfrm>
+            <a:off x="4148668" y="553154"/>
+            <a:ext cx="3739444" cy="5825068"/>
+          </a:xfrm>
+          <a:prstGeom prst="rect">
+            <a:avLst/>
+          </a:prstGeom>
+          <a:solidFill>
+            <a:schemeClr val="lt1">
+              <a:alpha val="0"/>
+            </a:schemeClr>
+          </a:solidFill>
+          <a:ln w="38100" cmpd="sng">
+            <a:solidFill>
+              <a:srgbClr val="FF6600"/>
+            </a:solidFill>
+            <a:prstDash val="sysDash"/>
+          </a:ln>
+        </p:spPr>
+        <p:style>
+          <a:lnRef idx="2">
+            <a:schemeClr val="accent1"/>
+          </a:lnRef>
+          <a:fillRef idx="1">
+            <a:schemeClr val="lt1"/>
+          </a:fillRef>
+          <a:effectRef idx="0">
+            <a:schemeClr val="accent1"/>
+          </a:effectRef>
+          <a:fontRef idx="minor">
+            <a:schemeClr val="dk1"/>
+          </a:fontRef>
+        </p:style>
+        <p:txBody>
+          <a:bodyPr rtlCol="0" anchor="ctr"/>
+          <a:lstStyle/>
+          <a:p>
+            <a:pPr algn="ctr"/>
+            <a:endParaRPr lang="en-US" sz="2400">
+              <a:ln w="57150" cmpd="sng">
+                <a:solidFill>
+                  <a:srgbClr val="000000"/>
+                </a:solidFill>
+                <a:prstDash val="sysDash"/>
+              </a:ln>
+              <a:noFill/>
+            </a:endParaRPr>
+          </a:p>
+        </p:txBody>
+      </p:sp>
+      <p:pic>
+        <p:nvPicPr>
+          <p:cNvPr id="9" name="Picture 8" descr="Document.png"/>
+          <p:cNvPicPr>
+            <a:picLocks noChangeAspect="1"/>
+          </p:cNvPicPr>
+          <p:nvPr/>
+        </p:nvPicPr>
+        <p:blipFill>
+          <a:blip r:embed="rId2">
+            <a:extLst>
+              <a:ext uri="{28A0092B-C50C-407E-A947-70E740481C1C}">
+                <a14:useLocalDpi xmlns:a14="http://schemas.microsoft.com/office/drawing/2010/main" val="0"/>
+              </a:ext>
+            </a:extLst>
+          </a:blip>
+          <a:stretch>
+            <a:fillRect/>
+          </a:stretch>
+        </p:blipFill>
+        <p:spPr>
+          <a:xfrm>
+            <a:off x="4500034" y="647700"/>
+            <a:ext cx="3005667" cy="3005667"/>
+          </a:xfrm>
+          <a:prstGeom prst="rect">
+            <a:avLst/>
+          </a:prstGeom>
+        </p:spPr>
+      </p:pic>
+      <p:sp>
+        <p:nvSpPr>
+          <p:cNvPr id="10" name="TextBox 9"/>
+          <p:cNvSpPr txBox="1"/>
+          <p:nvPr/>
+        </p:nvSpPr>
+        <p:spPr>
+          <a:xfrm>
+            <a:off x="4797075" y="4511742"/>
+            <a:ext cx="2411584" cy="461665"/>
+          </a:xfrm>
+          <a:prstGeom prst="rect">
+            <a:avLst/>
+          </a:prstGeom>
+          <a:noFill/>
+        </p:spPr>
+        <p:txBody>
+          <a:bodyPr wrap="square" rtlCol="0">
+            <a:spAutoFit/>
+          </a:bodyPr>
+          <a:lstStyle/>
+          <a:p>
+            <a:pPr algn="ctr"/>
+            <a:r>
+              <a:rPr lang="en-US" sz="2400" dirty="0" smtClean="0">
+                <a:solidFill>
+                  <a:srgbClr val="FF6600"/>
+                </a:solidFill>
+                <a:latin typeface="Wingdings"/>
+                <a:ea typeface="Wingdings"/>
+                <a:cs typeface="Wingdings"/>
+                <a:sym typeface="Wingdings"/>
+              </a:rPr>
+              <a:t></a:t>
+            </a:r>
+            <a:r>
+              <a:rPr lang="en-US" sz="2400" dirty="0" smtClean="0">
+                <a:solidFill>
+                  <a:srgbClr val="FF6600"/>
+                </a:solidFill>
+                <a:sym typeface="Wingdings"/>
+              </a:rPr>
+              <a:t> “Indeed.”</a:t>
+            </a:r>
+            <a:endParaRPr lang="en-US" sz="2400" dirty="0" smtClean="0">
+              <a:solidFill>
+                <a:srgbClr val="FF6600"/>
+              </a:solidFill>
+            </a:endParaRPr>
+          </a:p>
+        </p:txBody>
+      </p:sp>
+      <p:sp>
+        <p:nvSpPr>
+          <p:cNvPr id="15" name="TextBox 14"/>
+          <p:cNvSpPr txBox="1"/>
+          <p:nvPr/>
+        </p:nvSpPr>
+        <p:spPr>
+          <a:xfrm>
+            <a:off x="4456997" y="3546543"/>
+            <a:ext cx="3232850" cy="830997"/>
+          </a:xfrm>
+          <a:prstGeom prst="rect">
+            <a:avLst/>
+          </a:prstGeom>
+          <a:noFill/>
+        </p:spPr>
+        <p:txBody>
+          <a:bodyPr wrap="square" rtlCol="0">
+            <a:spAutoFit/>
+          </a:bodyPr>
+          <a:lstStyle/>
+          <a:p>
+            <a:r>
+              <a:rPr lang="en-US" sz="2400" dirty="0" smtClean="0">
+                <a:sym typeface="Wingdings"/>
+              </a:rPr>
+              <a:t>Is the comment below relevant to the article?</a:t>
+            </a:r>
+            <a:endParaRPr lang="en-US" sz="2400" dirty="0">
+              <a:latin typeface="Wingdings"/>
+              <a:ea typeface="Wingdings"/>
+              <a:cs typeface="Wingdings"/>
+              <a:sym typeface="Wingdings"/>
+            </a:endParaRPr>
+          </a:p>
+        </p:txBody>
+      </p:sp>
+      <p:sp>
+        <p:nvSpPr>
+          <p:cNvPr id="17" name="TextBox 16"/>
+          <p:cNvSpPr txBox="1"/>
+          <p:nvPr/>
+        </p:nvSpPr>
+        <p:spPr>
+          <a:xfrm>
+            <a:off x="4145846" y="5840586"/>
+            <a:ext cx="3714043" cy="461665"/>
+          </a:xfrm>
+          <a:prstGeom prst="rect">
+            <a:avLst/>
+          </a:prstGeom>
+          <a:noFill/>
+        </p:spPr>
+        <p:txBody>
+          <a:bodyPr wrap="square" rtlCol="0">
+            <a:spAutoFit/>
+          </a:bodyPr>
+          <a:lstStyle/>
+          <a:p>
+            <a:pPr algn="ctr"/>
+            <a:r>
+              <a:rPr lang="en-US" sz="2400" dirty="0" smtClean="0">
+                <a:solidFill>
+                  <a:srgbClr val="FF6600"/>
+                </a:solidFill>
+              </a:rPr>
+              <a:t>Annotated by Worker #2</a:t>
+            </a:r>
+            <a:endParaRPr lang="en-US" sz="2400" dirty="0">
+              <a:solidFill>
+                <a:srgbClr val="FF6600"/>
+              </a:solidFill>
+            </a:endParaRPr>
+          </a:p>
+        </p:txBody>
+      </p:sp>
+      <p:sp>
+        <p:nvSpPr>
+          <p:cNvPr id="19" name="Rectangle 18"/>
+          <p:cNvSpPr/>
+          <p:nvPr/>
+        </p:nvSpPr>
+        <p:spPr>
+          <a:xfrm>
+            <a:off x="180624" y="550331"/>
+            <a:ext cx="3739444" cy="5825068"/>
+          </a:xfrm>
+          <a:prstGeom prst="rect">
+            <a:avLst/>
+          </a:prstGeom>
+          <a:solidFill>
+            <a:schemeClr val="lt1">
+              <a:alpha val="0"/>
+            </a:schemeClr>
+          </a:solidFill>
+          <a:ln w="38100" cmpd="sng">
+            <a:solidFill>
+              <a:srgbClr val="FF0000"/>
+            </a:solidFill>
+            <a:prstDash val="sysDash"/>
+          </a:ln>
+        </p:spPr>
+        <p:style>
+          <a:lnRef idx="2">
+            <a:schemeClr val="accent1"/>
+          </a:lnRef>
+          <a:fillRef idx="1">
+            <a:schemeClr val="lt1"/>
+          </a:fillRef>
+          <a:effectRef idx="0">
+            <a:schemeClr val="accent1"/>
+          </a:effectRef>
+          <a:fontRef idx="minor">
+            <a:schemeClr val="dk1"/>
+          </a:fontRef>
+        </p:style>
+        <p:txBody>
+          <a:bodyPr rtlCol="0" anchor="ctr"/>
+          <a:lstStyle/>
+          <a:p>
+            <a:pPr algn="ctr"/>
+            <a:endParaRPr lang="en-US" sz="2400">
+              <a:ln w="57150" cmpd="sng">
+                <a:solidFill>
+                  <a:srgbClr val="000000"/>
+                </a:solidFill>
+                <a:prstDash val="sysDash"/>
+              </a:ln>
+              <a:noFill/>
+            </a:endParaRPr>
+          </a:p>
+        </p:txBody>
+      </p:sp>
+      <p:pic>
+        <p:nvPicPr>
+          <p:cNvPr id="20" name="Picture 19" descr="Document.png"/>
+          <p:cNvPicPr>
+            <a:picLocks noChangeAspect="1"/>
+          </p:cNvPicPr>
+          <p:nvPr/>
+        </p:nvPicPr>
+        <p:blipFill>
+          <a:blip r:embed="rId2">
+            <a:extLst>
+              <a:ext uri="{28A0092B-C50C-407E-A947-70E740481C1C}">
+                <a14:useLocalDpi xmlns:a14="http://schemas.microsoft.com/office/drawing/2010/main" val="0"/>
+              </a:ext>
+            </a:extLst>
+          </a:blip>
+          <a:stretch>
+            <a:fillRect/>
+          </a:stretch>
+        </p:blipFill>
+        <p:spPr>
+          <a:xfrm>
+            <a:off x="531990" y="644877"/>
+            <a:ext cx="3005667" cy="3005667"/>
+          </a:xfrm>
+          <a:prstGeom prst="rect">
+            <a:avLst/>
+          </a:prstGeom>
+        </p:spPr>
+      </p:pic>
+      <p:sp>
+        <p:nvSpPr>
+          <p:cNvPr id="21" name="TextBox 20"/>
+          <p:cNvSpPr txBox="1"/>
+          <p:nvPr/>
+        </p:nvSpPr>
+        <p:spPr>
+          <a:xfrm>
+            <a:off x="578555" y="4508919"/>
+            <a:ext cx="2793999" cy="830997"/>
+          </a:xfrm>
+          <a:prstGeom prst="rect">
+            <a:avLst/>
+          </a:prstGeom>
+          <a:noFill/>
+        </p:spPr>
+        <p:txBody>
+          <a:bodyPr wrap="square" rtlCol="0">
+            <a:spAutoFit/>
+          </a:bodyPr>
+          <a:lstStyle/>
+          <a:p>
+            <a:pPr marL="457200" indent="-457200">
+              <a:buFont typeface="Wingdings" charset="0"/>
+              <a:buChar char="þ"/>
+            </a:pPr>
+            <a:r>
+              <a:rPr lang="en-US" sz="2400" dirty="0">
+                <a:solidFill>
+                  <a:srgbClr val="FF0000"/>
+                </a:solidFill>
+                <a:sym typeface="Wingdings"/>
+              </a:rPr>
+              <a:t>“This idea </a:t>
+            </a:r>
+            <a:r>
+              <a:rPr lang="en-US" sz="2400" dirty="0" smtClean="0">
+                <a:solidFill>
+                  <a:srgbClr val="FF0000"/>
+                </a:solidFill>
+                <a:sym typeface="Wingdings"/>
+              </a:rPr>
+              <a:t>is cool</a:t>
+            </a:r>
+            <a:r>
+              <a:rPr lang="en-US" sz="2400" dirty="0">
+                <a:solidFill>
+                  <a:srgbClr val="FF0000"/>
+                </a:solidFill>
+                <a:sym typeface="Wingdings"/>
+              </a:rPr>
+              <a:t>.  </a:t>
+            </a:r>
+            <a:r>
+              <a:rPr lang="en-US" sz="2400" dirty="0" smtClean="0">
+                <a:solidFill>
+                  <a:srgbClr val="FF0000"/>
+                </a:solidFill>
+                <a:sym typeface="Wingdings"/>
+              </a:rPr>
+              <a:t>Isn’t it?”</a:t>
+            </a:r>
+            <a:endParaRPr lang="en-US" sz="2400" dirty="0">
+              <a:solidFill>
+                <a:srgbClr val="FF0000"/>
+              </a:solidFill>
+              <a:latin typeface="Wingdings"/>
+              <a:ea typeface="Wingdings"/>
+              <a:cs typeface="Wingdings"/>
+              <a:sym typeface="Wingdings"/>
+            </a:endParaRPr>
+          </a:p>
+        </p:txBody>
+      </p:sp>
+      <p:sp>
+        <p:nvSpPr>
+          <p:cNvPr id="22" name="TextBox 21"/>
+          <p:cNvSpPr txBox="1"/>
+          <p:nvPr/>
+        </p:nvSpPr>
+        <p:spPr>
+          <a:xfrm>
+            <a:off x="488953" y="3543720"/>
+            <a:ext cx="3232850" cy="830997"/>
+          </a:xfrm>
+          <a:prstGeom prst="rect">
+            <a:avLst/>
+          </a:prstGeom>
+          <a:noFill/>
+        </p:spPr>
+        <p:txBody>
+          <a:bodyPr wrap="square" rtlCol="0">
+            <a:spAutoFit/>
+          </a:bodyPr>
+          <a:lstStyle/>
+          <a:p>
+            <a:r>
+              <a:rPr lang="en-US" sz="2400" dirty="0" smtClean="0">
+                <a:sym typeface="Wingdings"/>
+              </a:rPr>
+              <a:t>Is the comment below relevant to the article?</a:t>
+            </a:r>
+            <a:endParaRPr lang="en-US" sz="2400" dirty="0">
+              <a:latin typeface="Wingdings"/>
+              <a:ea typeface="Wingdings"/>
+              <a:cs typeface="Wingdings"/>
+              <a:sym typeface="Wingdings"/>
+            </a:endParaRPr>
+          </a:p>
+        </p:txBody>
+      </p:sp>
+      <p:sp>
+        <p:nvSpPr>
+          <p:cNvPr id="23" name="TextBox 22"/>
+          <p:cNvSpPr txBox="1"/>
+          <p:nvPr/>
+        </p:nvSpPr>
+        <p:spPr>
+          <a:xfrm>
+            <a:off x="177802" y="5837763"/>
+            <a:ext cx="3714043" cy="461665"/>
+          </a:xfrm>
+          <a:prstGeom prst="rect">
+            <a:avLst/>
+          </a:prstGeom>
+          <a:noFill/>
+        </p:spPr>
+        <p:txBody>
+          <a:bodyPr wrap="square" rtlCol="0">
+            <a:spAutoFit/>
+          </a:bodyPr>
+          <a:lstStyle/>
+          <a:p>
+            <a:pPr algn="ctr"/>
+            <a:r>
+              <a:rPr lang="en-US" sz="2400" dirty="0" smtClean="0">
+                <a:solidFill>
+                  <a:srgbClr val="FF0000"/>
+                </a:solidFill>
+              </a:rPr>
+              <a:t>Annotated by Worker #1</a:t>
+            </a:r>
+            <a:endParaRPr lang="en-US" sz="2400" dirty="0">
+              <a:solidFill>
+                <a:srgbClr val="FF0000"/>
+              </a:solidFill>
+            </a:endParaRPr>
+          </a:p>
+        </p:txBody>
+      </p:sp>
+      <p:sp>
+        <p:nvSpPr>
+          <p:cNvPr id="24" name="Rectangle 23"/>
+          <p:cNvSpPr/>
+          <p:nvPr/>
+        </p:nvSpPr>
+        <p:spPr>
+          <a:xfrm>
+            <a:off x="8178802" y="547509"/>
+            <a:ext cx="3739444" cy="5825068"/>
+          </a:xfrm>
+          <a:prstGeom prst="rect">
+            <a:avLst/>
+          </a:prstGeom>
+          <a:solidFill>
+            <a:schemeClr val="lt1">
+              <a:alpha val="0"/>
+            </a:schemeClr>
+          </a:solidFill>
+          <a:ln w="38100" cmpd="sng">
+            <a:solidFill>
+              <a:schemeClr val="tx2"/>
+            </a:solidFill>
+            <a:prstDash val="sysDash"/>
+          </a:ln>
+        </p:spPr>
+        <p:style>
+          <a:lnRef idx="2">
+            <a:schemeClr val="accent1"/>
+          </a:lnRef>
+          <a:fillRef idx="1">
+            <a:schemeClr val="lt1"/>
+          </a:fillRef>
+          <a:effectRef idx="0">
+            <a:schemeClr val="accent1"/>
+          </a:effectRef>
+          <a:fontRef idx="minor">
+            <a:schemeClr val="dk1"/>
+          </a:fontRef>
+        </p:style>
+        <p:txBody>
+          <a:bodyPr rtlCol="0" anchor="ctr"/>
+          <a:lstStyle/>
+          <a:p>
+            <a:pPr algn="ctr"/>
+            <a:endParaRPr lang="en-US" sz="2400">
+              <a:ln w="57150" cmpd="sng">
+                <a:solidFill>
+                  <a:srgbClr val="000000"/>
+                </a:solidFill>
+                <a:prstDash val="sysDash"/>
+              </a:ln>
+              <a:noFill/>
+            </a:endParaRPr>
+          </a:p>
+        </p:txBody>
+      </p:sp>
+      <p:pic>
+        <p:nvPicPr>
+          <p:cNvPr id="25" name="Picture 24" descr="Document.png"/>
+          <p:cNvPicPr>
+            <a:picLocks noChangeAspect="1"/>
+          </p:cNvPicPr>
+          <p:nvPr/>
+        </p:nvPicPr>
+        <p:blipFill>
+          <a:blip r:embed="rId2">
+            <a:extLst>
+              <a:ext uri="{28A0092B-C50C-407E-A947-70E740481C1C}">
+                <a14:useLocalDpi xmlns:a14="http://schemas.microsoft.com/office/drawing/2010/main" val="0"/>
+              </a:ext>
+            </a:extLst>
+          </a:blip>
+          <a:stretch>
+            <a:fillRect/>
+          </a:stretch>
+        </p:blipFill>
+        <p:spPr>
+          <a:xfrm>
+            <a:off x="8530168" y="642055"/>
+            <a:ext cx="3005667" cy="3005667"/>
+          </a:xfrm>
+          <a:prstGeom prst="rect">
+            <a:avLst/>
+          </a:prstGeom>
+        </p:spPr>
+      </p:pic>
+      <p:sp>
+        <p:nvSpPr>
+          <p:cNvPr id="26" name="TextBox 25"/>
+          <p:cNvSpPr txBox="1"/>
+          <p:nvPr/>
+        </p:nvSpPr>
+        <p:spPr>
+          <a:xfrm>
+            <a:off x="8576733" y="4506097"/>
+            <a:ext cx="2793999" cy="1200328"/>
+          </a:xfrm>
+          <a:prstGeom prst="rect">
+            <a:avLst/>
+          </a:prstGeom>
+          <a:noFill/>
+        </p:spPr>
+        <p:txBody>
+          <a:bodyPr wrap="square" rtlCol="0">
+            <a:spAutoFit/>
+          </a:bodyPr>
+          <a:lstStyle/>
+          <a:p>
+            <a:pPr marL="457200" indent="-457200">
+              <a:buFont typeface="Wingdings" charset="0"/>
+              <a:buChar char="þ"/>
+            </a:pPr>
+            <a:r>
+              <a:rPr lang="en-US" sz="2400" dirty="0">
+                <a:solidFill>
+                  <a:schemeClr val="tx2"/>
+                </a:solidFill>
+                <a:sym typeface="Wingdings"/>
+              </a:rPr>
+              <a:t>“This idea </a:t>
+            </a:r>
+            <a:r>
+              <a:rPr lang="en-US" sz="2400" dirty="0" smtClean="0">
+                <a:solidFill>
+                  <a:schemeClr val="tx2"/>
+                </a:solidFill>
+                <a:sym typeface="Wingdings"/>
+              </a:rPr>
+              <a:t>is cool</a:t>
+            </a:r>
+            <a:r>
+              <a:rPr lang="en-US" sz="2400" dirty="0">
+                <a:solidFill>
+                  <a:schemeClr val="tx2"/>
+                </a:solidFill>
+                <a:sym typeface="Wingdings"/>
+              </a:rPr>
+              <a:t>.  </a:t>
+            </a:r>
+            <a:r>
+              <a:rPr lang="en-US" sz="2400" dirty="0" smtClean="0">
+                <a:solidFill>
+                  <a:schemeClr val="tx2"/>
+                </a:solidFill>
+                <a:sym typeface="Wingdings"/>
+              </a:rPr>
+              <a:t>Isn’t it?</a:t>
+            </a:r>
+            <a:r>
+              <a:rPr lang="en-US" sz="2400" dirty="0">
+                <a:solidFill>
+                  <a:schemeClr val="tx2"/>
+                </a:solidFill>
+                <a:sym typeface="Wingdings"/>
+              </a:rPr>
+              <a:t>”</a:t>
+            </a:r>
+            <a:endParaRPr lang="en-US" sz="2400" dirty="0">
+              <a:solidFill>
+                <a:schemeClr val="tx2"/>
+              </a:solidFill>
+              <a:latin typeface="Wingdings"/>
+              <a:ea typeface="Wingdings"/>
+              <a:cs typeface="Wingdings"/>
+              <a:sym typeface="Wingdings"/>
+            </a:endParaRPr>
+          </a:p>
+          <a:p>
+            <a:pPr marL="457200" indent="-457200">
+              <a:buFont typeface="Wingdings" charset="0"/>
+              <a:buChar char="þ"/>
+            </a:pPr>
+            <a:r>
+              <a:rPr lang="en-US" sz="2400" dirty="0">
+                <a:solidFill>
+                  <a:schemeClr val="tx2"/>
+                </a:solidFill>
+                <a:sym typeface="Wingdings"/>
+              </a:rPr>
+              <a:t>“Indeed.”</a:t>
+            </a:r>
+            <a:endParaRPr lang="en-US" sz="2400" dirty="0">
+              <a:solidFill>
+                <a:schemeClr val="tx2"/>
+              </a:solidFill>
+            </a:endParaRPr>
+          </a:p>
+        </p:txBody>
+      </p:sp>
+      <p:sp>
+        <p:nvSpPr>
+          <p:cNvPr id="27" name="TextBox 26"/>
+          <p:cNvSpPr txBox="1"/>
+          <p:nvPr/>
+        </p:nvSpPr>
+        <p:spPr>
+          <a:xfrm>
+            <a:off x="8487131" y="3540898"/>
+            <a:ext cx="3232850" cy="830997"/>
+          </a:xfrm>
+          <a:prstGeom prst="rect">
+            <a:avLst/>
+          </a:prstGeom>
+          <a:noFill/>
+        </p:spPr>
+        <p:txBody>
+          <a:bodyPr wrap="square" rtlCol="0">
+            <a:spAutoFit/>
+          </a:bodyPr>
+          <a:lstStyle/>
+          <a:p>
+            <a:r>
+              <a:rPr lang="en-US" sz="2400" dirty="0" smtClean="0">
+                <a:sym typeface="Wingdings"/>
+              </a:rPr>
+              <a:t>Are comments below relevant to the article?</a:t>
+            </a:r>
+            <a:endParaRPr lang="en-US" sz="2400" dirty="0">
+              <a:latin typeface="Wingdings"/>
+              <a:ea typeface="Wingdings"/>
+              <a:cs typeface="Wingdings"/>
+              <a:sym typeface="Wingdings"/>
+            </a:endParaRPr>
+          </a:p>
+        </p:txBody>
+      </p:sp>
+      <p:sp>
+        <p:nvSpPr>
+          <p:cNvPr id="28" name="TextBox 27"/>
+          <p:cNvSpPr txBox="1"/>
+          <p:nvPr/>
+        </p:nvSpPr>
+        <p:spPr>
+          <a:xfrm>
+            <a:off x="8175980" y="5834941"/>
+            <a:ext cx="3714043" cy="461665"/>
+          </a:xfrm>
+          <a:prstGeom prst="rect">
+            <a:avLst/>
+          </a:prstGeom>
+          <a:noFill/>
+        </p:spPr>
+        <p:txBody>
+          <a:bodyPr wrap="square" rtlCol="0">
+            <a:spAutoFit/>
+          </a:bodyPr>
+          <a:lstStyle/>
+          <a:p>
+            <a:pPr algn="ctr"/>
+            <a:r>
+              <a:rPr lang="en-US" sz="2400" dirty="0" smtClean="0">
+                <a:solidFill>
+                  <a:schemeClr val="tx2"/>
+                </a:solidFill>
+              </a:rPr>
+              <a:t>Annotated by Worker #3</a:t>
+            </a:r>
+            <a:endParaRPr lang="en-US" sz="2400" dirty="0">
+              <a:solidFill>
+                <a:schemeClr val="tx2"/>
+              </a:solidFill>
+            </a:endParaRPr>
+          </a:p>
+        </p:txBody>
+      </p:sp>
+    </p:spTree>
+    <p:extLst>
+      <p:ext uri="{BB962C8B-B14F-4D97-AF65-F5344CB8AC3E}">
+        <p14:creationId xmlns:p14="http://schemas.microsoft.com/office/powerpoint/2010/main" val="164731202"/>
+      </p:ext>
+    </p:extLst>
+  </p:cSld>
+  <p:clrMapOvr>
+    <a:masterClrMapping/>
+  </p:clrMapOvr>
+  <p:timing>
+    <p:tnLst>
+      <p:par>
+        <p:cTn xmlns:p14="http://schemas.microsoft.com/office/powerpoint/2010/main" id="1" dur="indefinite" restart="never" nodeType="tmRoot"/>
+      </p:par>
+    </p:tnLst>
+  </p:timing>
 </p:sld>
 </file>
 

--- a/ranking/doc/figures/model.pptx
+++ b/ranking/doc/figures/model.pptx
@@ -10,6 +10,12 @@
     <p:sldId id="259" r:id="rId4"/>
     <p:sldId id="260" r:id="rId5"/>
     <p:sldId id="261" r:id="rId6"/>
+    <p:sldId id="262" r:id="rId7"/>
+    <p:sldId id="263" r:id="rId8"/>
+    <p:sldId id="264" r:id="rId9"/>
+    <p:sldId id="265" r:id="rId10"/>
+    <p:sldId id="267" r:id="rId11"/>
+    <p:sldId id="266" r:id="rId12"/>
   </p:sldIdLst>
   <p:sldSz cx="12192000" cy="6858000"/>
   <p:notesSz cx="6858000" cy="9144000"/>
@@ -242,7 +248,7 @@
           <a:p>
             <a:fld id="{A664AB76-67E9-4026-A148-F7D6834C8ED3}" type="datetimeFigureOut">
               <a:rPr lang="en-US" smtClean="0"/>
-              <a:t>1/26/15</a:t>
+              <a:t>2/8/15</a:t>
             </a:fld>
             <a:endParaRPr lang="en-US"/>
           </a:p>
@@ -412,7 +418,7 @@
           <a:p>
             <a:fld id="{A664AB76-67E9-4026-A148-F7D6834C8ED3}" type="datetimeFigureOut">
               <a:rPr lang="en-US" smtClean="0"/>
-              <a:t>1/26/15</a:t>
+              <a:t>2/8/15</a:t>
             </a:fld>
             <a:endParaRPr lang="en-US"/>
           </a:p>
@@ -592,7 +598,7 @@
           <a:p>
             <a:fld id="{A664AB76-67E9-4026-A148-F7D6834C8ED3}" type="datetimeFigureOut">
               <a:rPr lang="en-US" smtClean="0"/>
-              <a:t>1/26/15</a:t>
+              <a:t>2/8/15</a:t>
             </a:fld>
             <a:endParaRPr lang="en-US"/>
           </a:p>
@@ -762,7 +768,7 @@
           <a:p>
             <a:fld id="{A664AB76-67E9-4026-A148-F7D6834C8ED3}" type="datetimeFigureOut">
               <a:rPr lang="en-US" smtClean="0"/>
-              <a:t>1/26/15</a:t>
+              <a:t>2/8/15</a:t>
             </a:fld>
             <a:endParaRPr lang="en-US"/>
           </a:p>
@@ -1008,7 +1014,7 @@
           <a:p>
             <a:fld id="{A664AB76-67E9-4026-A148-F7D6834C8ED3}" type="datetimeFigureOut">
               <a:rPr lang="en-US" smtClean="0"/>
-              <a:t>1/26/15</a:t>
+              <a:t>2/8/15</a:t>
             </a:fld>
             <a:endParaRPr lang="en-US"/>
           </a:p>
@@ -1240,7 +1246,7 @@
           <a:p>
             <a:fld id="{A664AB76-67E9-4026-A148-F7D6834C8ED3}" type="datetimeFigureOut">
               <a:rPr lang="en-US" smtClean="0"/>
-              <a:t>1/26/15</a:t>
+              <a:t>2/8/15</a:t>
             </a:fld>
             <a:endParaRPr lang="en-US"/>
           </a:p>
@@ -1607,7 +1613,7 @@
           <a:p>
             <a:fld id="{A664AB76-67E9-4026-A148-F7D6834C8ED3}" type="datetimeFigureOut">
               <a:rPr lang="en-US" smtClean="0"/>
-              <a:t>1/26/15</a:t>
+              <a:t>2/8/15</a:t>
             </a:fld>
             <a:endParaRPr lang="en-US"/>
           </a:p>
@@ -1725,7 +1731,7 @@
           <a:p>
             <a:fld id="{A664AB76-67E9-4026-A148-F7D6834C8ED3}" type="datetimeFigureOut">
               <a:rPr lang="en-US" smtClean="0"/>
-              <a:t>1/26/15</a:t>
+              <a:t>2/8/15</a:t>
             </a:fld>
             <a:endParaRPr lang="en-US"/>
           </a:p>
@@ -1820,7 +1826,7 @@
           <a:p>
             <a:fld id="{A664AB76-67E9-4026-A148-F7D6834C8ED3}" type="datetimeFigureOut">
               <a:rPr lang="en-US" smtClean="0"/>
-              <a:t>1/26/15</a:t>
+              <a:t>2/8/15</a:t>
             </a:fld>
             <a:endParaRPr lang="en-US"/>
           </a:p>
@@ -2097,7 +2103,7 @@
           <a:p>
             <a:fld id="{A664AB76-67E9-4026-A148-F7D6834C8ED3}" type="datetimeFigureOut">
               <a:rPr lang="en-US" smtClean="0"/>
-              <a:t>1/26/15</a:t>
+              <a:t>2/8/15</a:t>
             </a:fld>
             <a:endParaRPr lang="en-US"/>
           </a:p>
@@ -2350,7 +2356,7 @@
           <a:p>
             <a:fld id="{A664AB76-67E9-4026-A148-F7D6834C8ED3}" type="datetimeFigureOut">
               <a:rPr lang="en-US" smtClean="0"/>
-              <a:t>1/26/15</a:t>
+              <a:t>2/8/15</a:t>
             </a:fld>
             <a:endParaRPr lang="en-US"/>
           </a:p>
@@ -2563,7 +2569,7 @@
           <a:p>
             <a:fld id="{A664AB76-67E9-4026-A148-F7D6834C8ED3}" type="datetimeFigureOut">
               <a:rPr lang="en-US" smtClean="0"/>
-              <a:t>1/26/15</a:t>
+              <a:t>2/8/15</a:t>
             </a:fld>
             <a:endParaRPr lang="en-US"/>
           </a:p>
@@ -3450,7 +3456,7 @@
           <a:graphicData uri="http://schemas.openxmlformats.org/presentationml/2006/ole">
             <mc:AlternateContent xmlns:mc="http://schemas.openxmlformats.org/markup-compatibility/2006">
               <mc:Choice xmlns:v="urn:schemas-microsoft-com:vml" Requires="v">
-                <p:oleObj spid="_x0000_s1104" name="Equation" r:id="rId3" imgW="215640" imgH="228600" progId="Equation.DSMT4">
+                <p:oleObj spid="_x0000_s1160" name="Equation" r:id="rId3" imgW="215640" imgH="228600" progId="Equation.DSMT4">
                   <p:embed/>
                 </p:oleObj>
               </mc:Choice>
@@ -3515,7 +3521,7 @@
           <a:graphicData uri="http://schemas.openxmlformats.org/presentationml/2006/ole">
             <mc:AlternateContent xmlns:mc="http://schemas.openxmlformats.org/markup-compatibility/2006">
               <mc:Choice xmlns:v="urn:schemas-microsoft-com:vml" Requires="v">
-                <p:oleObj spid="_x0000_s1105" name="Equation" r:id="rId5" imgW="228600" imgH="228600" progId="Equation.DSMT4">
+                <p:oleObj spid="_x0000_s1161" name="Equation" r:id="rId5" imgW="228600" imgH="228600" progId="Equation.DSMT4">
                   <p:embed/>
                 </p:oleObj>
               </mc:Choice>
@@ -3580,7 +3586,7 @@
           <a:graphicData uri="http://schemas.openxmlformats.org/presentationml/2006/ole">
             <mc:AlternateContent xmlns:mc="http://schemas.openxmlformats.org/markup-compatibility/2006">
               <mc:Choice xmlns:v="urn:schemas-microsoft-com:vml" Requires="v">
-                <p:oleObj spid="_x0000_s1106" name="Equation" r:id="rId7" imgW="215640" imgH="228600" progId="Equation.DSMT4">
+                <p:oleObj spid="_x0000_s1162" name="Equation" r:id="rId7" imgW="215640" imgH="228600" progId="Equation.DSMT4">
                   <p:embed/>
                 </p:oleObj>
               </mc:Choice>
@@ -3645,7 +3651,7 @@
           <a:graphicData uri="http://schemas.openxmlformats.org/presentationml/2006/ole">
             <mc:AlternateContent xmlns:mc="http://schemas.openxmlformats.org/markup-compatibility/2006">
               <mc:Choice xmlns:v="urn:schemas-microsoft-com:vml" Requires="v">
-                <p:oleObj spid="_x0000_s1107" name="Equation" r:id="rId9" imgW="228600" imgH="228600" progId="Equation.DSMT4">
+                <p:oleObj spid="_x0000_s1163" name="Equation" r:id="rId9" imgW="228600" imgH="228600" progId="Equation.DSMT4">
                   <p:embed/>
                 </p:oleObj>
               </mc:Choice>
@@ -3710,7 +3716,7 @@
           <a:graphicData uri="http://schemas.openxmlformats.org/presentationml/2006/ole">
             <mc:AlternateContent xmlns:mc="http://schemas.openxmlformats.org/markup-compatibility/2006">
               <mc:Choice xmlns:v="urn:schemas-microsoft-com:vml" Requires="v">
-                <p:oleObj spid="_x0000_s1108" name="Equation" r:id="rId11" imgW="228600" imgH="228600" progId="Equation.DSMT4">
+                <p:oleObj spid="_x0000_s1164" name="Equation" r:id="rId11" imgW="228600" imgH="228600" progId="Equation.DSMT4">
                   <p:embed/>
                 </p:oleObj>
               </mc:Choice>
@@ -3773,6 +3779,511 @@
 </p:sld>
 </file>
 
+<file path=ppt/slides/slide10.xml><?xml version="1.0" encoding="utf-8"?>
+<p:sld xmlns:a="http://schemas.openxmlformats.org/drawingml/2006/main" xmlns:r="http://schemas.openxmlformats.org/officeDocument/2006/relationships" xmlns:p="http://schemas.openxmlformats.org/presentationml/2006/main">
+  <p:cSld>
+    <p:spTree>
+      <p:nvGrpSpPr>
+        <p:cNvPr id="1" name=""/>
+        <p:cNvGrpSpPr/>
+        <p:nvPr/>
+      </p:nvGrpSpPr>
+      <p:grpSpPr>
+        <a:xfrm>
+          <a:off x="0" y="0"/>
+          <a:ext cx="0" cy="0"/>
+          <a:chOff x="0" y="0"/>
+          <a:chExt cx="0" cy="0"/>
+        </a:xfrm>
+      </p:grpSpPr>
+      <p:sp>
+        <p:nvSpPr>
+          <p:cNvPr id="11" name="Rectangle 10"/>
+          <p:cNvSpPr/>
+          <p:nvPr/>
+        </p:nvSpPr>
+        <p:spPr>
+          <a:xfrm>
+            <a:off x="0" y="0"/>
+            <a:ext cx="12192000" cy="6858000"/>
+          </a:xfrm>
+          <a:prstGeom prst="rect">
+            <a:avLst/>
+          </a:prstGeom>
+          <a:solidFill>
+            <a:schemeClr val="lt1">
+              <a:alpha val="0"/>
+            </a:schemeClr>
+          </a:solidFill>
+          <a:ln w="76200" cmpd="sng">
+            <a:solidFill>
+              <a:schemeClr val="tx2"/>
+            </a:solidFill>
+            <a:prstDash val="sysDash"/>
+          </a:ln>
+        </p:spPr>
+        <p:style>
+          <a:lnRef idx="2">
+            <a:schemeClr val="accent1"/>
+          </a:lnRef>
+          <a:fillRef idx="1">
+            <a:schemeClr val="lt1"/>
+          </a:fillRef>
+          <a:effectRef idx="0">
+            <a:schemeClr val="accent1"/>
+          </a:effectRef>
+          <a:fontRef idx="minor">
+            <a:schemeClr val="dk1"/>
+          </a:fontRef>
+        </p:style>
+        <p:txBody>
+          <a:bodyPr rtlCol="0" anchor="ctr"/>
+          <a:lstStyle/>
+          <a:p>
+            <a:pPr algn="ctr"/>
+            <a:endParaRPr lang="en-US" sz="2400">
+              <a:ln w="57150" cmpd="sng">
+                <a:solidFill>
+                  <a:srgbClr val="FF0000"/>
+                </a:solidFill>
+                <a:prstDash val="sysDash"/>
+              </a:ln>
+              <a:noFill/>
+            </a:endParaRPr>
+          </a:p>
+        </p:txBody>
+      </p:sp>
+      <p:pic>
+        <p:nvPicPr>
+          <p:cNvPr id="5" name="Picture 4"/>
+          <p:cNvPicPr>
+            <a:picLocks noChangeAspect="1"/>
+          </p:cNvPicPr>
+          <p:nvPr/>
+        </p:nvPicPr>
+        <p:blipFill>
+          <a:blip r:embed="rId2"/>
+          <a:stretch>
+            <a:fillRect/>
+          </a:stretch>
+        </p:blipFill>
+        <p:spPr>
+          <a:xfrm>
+            <a:off x="192222" y="169332"/>
+            <a:ext cx="4266887" cy="6406445"/>
+          </a:xfrm>
+          <a:prstGeom prst="rect">
+            <a:avLst/>
+          </a:prstGeom>
+        </p:spPr>
+      </p:pic>
+      <p:sp>
+        <p:nvSpPr>
+          <p:cNvPr id="8" name="TextBox 7"/>
+          <p:cNvSpPr txBox="1"/>
+          <p:nvPr/>
+        </p:nvSpPr>
+        <p:spPr>
+          <a:xfrm>
+            <a:off x="4679952" y="254000"/>
+            <a:ext cx="7004048" cy="2308324"/>
+          </a:xfrm>
+          <a:prstGeom prst="rect">
+            <a:avLst/>
+          </a:prstGeom>
+          <a:noFill/>
+        </p:spPr>
+        <p:txBody>
+          <a:bodyPr wrap="square" rtlCol="0">
+            <a:spAutoFit/>
+          </a:bodyPr>
+          <a:lstStyle/>
+          <a:p>
+            <a:r>
+              <a:rPr lang="en-US" sz="4800" dirty="0" smtClean="0">
+                <a:sym typeface="Wingdings"/>
+              </a:rPr>
+              <a:t>Label positive reviews on the movie “The Imitation Game”</a:t>
+            </a:r>
+          </a:p>
+        </p:txBody>
+      </p:sp>
+      <p:sp>
+        <p:nvSpPr>
+          <p:cNvPr id="10" name="TextBox 9"/>
+          <p:cNvSpPr txBox="1"/>
+          <p:nvPr/>
+        </p:nvSpPr>
+        <p:spPr>
+          <a:xfrm>
+            <a:off x="4581176" y="2666008"/>
+            <a:ext cx="6919380" cy="2308324"/>
+          </a:xfrm>
+          <a:prstGeom prst="rect">
+            <a:avLst/>
+          </a:prstGeom>
+          <a:noFill/>
+        </p:spPr>
+        <p:txBody>
+          <a:bodyPr wrap="square" rtlCol="0">
+            <a:spAutoFit/>
+          </a:bodyPr>
+          <a:lstStyle/>
+          <a:p>
+            <a:r>
+              <a:rPr lang="en-US" sz="4800" dirty="0">
+                <a:solidFill>
+                  <a:srgbClr val="44546A"/>
+                </a:solidFill>
+                <a:latin typeface="Wingdings"/>
+                <a:ea typeface="Wingdings"/>
+                <a:cs typeface="Wingdings"/>
+                <a:sym typeface="Wingdings"/>
+              </a:rPr>
+              <a:t></a:t>
+            </a:r>
+            <a:r>
+              <a:rPr lang="en-US" sz="4800" dirty="0" smtClean="0">
+                <a:solidFill>
+                  <a:srgbClr val="44546A"/>
+                </a:solidFill>
+                <a:latin typeface="Wingdings"/>
+                <a:ea typeface="Wingdings"/>
+                <a:cs typeface="Wingdings"/>
+                <a:sym typeface="Wingdings"/>
+              </a:rPr>
+              <a:t> </a:t>
+            </a:r>
+            <a:r>
+              <a:rPr lang="en-US" sz="4800" dirty="0">
+                <a:solidFill>
+                  <a:srgbClr val="44546A"/>
+                </a:solidFill>
+                <a:sym typeface="Wingdings"/>
+              </a:rPr>
+              <a:t>Stack of Lies</a:t>
+            </a:r>
+            <a:endParaRPr lang="en-US" sz="4800" dirty="0">
+              <a:solidFill>
+                <a:srgbClr val="44546A"/>
+              </a:solidFill>
+              <a:latin typeface="Wingdings"/>
+              <a:ea typeface="Wingdings"/>
+              <a:cs typeface="Wingdings"/>
+              <a:sym typeface="Wingdings"/>
+            </a:endParaRPr>
+          </a:p>
+          <a:p>
+            <a:r>
+              <a:rPr lang="en-US" sz="4800" dirty="0" smtClean="0">
+                <a:solidFill>
+                  <a:srgbClr val="44546A"/>
+                </a:solidFill>
+                <a:latin typeface="Wingdings"/>
+                <a:ea typeface="Wingdings"/>
+                <a:cs typeface="Wingdings"/>
+                <a:sym typeface="Wingdings"/>
+              </a:rPr>
+              <a:t> </a:t>
+            </a:r>
+            <a:r>
+              <a:rPr lang="en-US" sz="4800" dirty="0">
+                <a:solidFill>
+                  <a:srgbClr val="44546A"/>
+                </a:solidFill>
+                <a:sym typeface="Wingdings"/>
+              </a:rPr>
+              <a:t>Average In The Extreme</a:t>
+            </a:r>
+            <a:endParaRPr lang="en-US" sz="4800" dirty="0">
+              <a:solidFill>
+                <a:srgbClr val="44546A"/>
+              </a:solidFill>
+              <a:latin typeface="Wingdings"/>
+              <a:ea typeface="Wingdings"/>
+              <a:cs typeface="Wingdings"/>
+              <a:sym typeface="Wingdings"/>
+            </a:endParaRPr>
+          </a:p>
+        </p:txBody>
+      </p:sp>
+    </p:spTree>
+    <p:extLst>
+      <p:ext uri="{BB962C8B-B14F-4D97-AF65-F5344CB8AC3E}">
+        <p14:creationId xmlns:p14="http://schemas.microsoft.com/office/powerpoint/2010/main" val="3166338454"/>
+      </p:ext>
+    </p:extLst>
+  </p:cSld>
+  <p:clrMapOvr>
+    <a:masterClrMapping/>
+  </p:clrMapOvr>
+  <p:timing>
+    <p:tnLst>
+      <p:par>
+        <p:cTn xmlns:p14="http://schemas.microsoft.com/office/powerpoint/2010/main" id="1" dur="indefinite" restart="never" nodeType="tmRoot"/>
+      </p:par>
+    </p:tnLst>
+  </p:timing>
+</p:sld>
+</file>
+
+<file path=ppt/slides/slide11.xml><?xml version="1.0" encoding="utf-8"?>
+<p:sld xmlns:a="http://schemas.openxmlformats.org/drawingml/2006/main" xmlns:r="http://schemas.openxmlformats.org/officeDocument/2006/relationships" xmlns:p="http://schemas.openxmlformats.org/presentationml/2006/main">
+  <p:cSld>
+    <p:spTree>
+      <p:nvGrpSpPr>
+        <p:cNvPr id="1" name=""/>
+        <p:cNvGrpSpPr/>
+        <p:nvPr/>
+      </p:nvGrpSpPr>
+      <p:grpSpPr>
+        <a:xfrm>
+          <a:off x="0" y="0"/>
+          <a:ext cx="0" cy="0"/>
+          <a:chOff x="0" y="0"/>
+          <a:chExt cx="0" cy="0"/>
+        </a:xfrm>
+      </p:grpSpPr>
+      <p:sp>
+        <p:nvSpPr>
+          <p:cNvPr id="11" name="Rectangle 10"/>
+          <p:cNvSpPr/>
+          <p:nvPr/>
+        </p:nvSpPr>
+        <p:spPr>
+          <a:xfrm>
+            <a:off x="0" y="0"/>
+            <a:ext cx="12192000" cy="6858000"/>
+          </a:xfrm>
+          <a:prstGeom prst="rect">
+            <a:avLst/>
+          </a:prstGeom>
+          <a:solidFill>
+            <a:schemeClr val="lt1">
+              <a:alpha val="0"/>
+            </a:schemeClr>
+          </a:solidFill>
+          <a:ln w="76200" cmpd="sng">
+            <a:solidFill>
+              <a:schemeClr val="tx2"/>
+            </a:solidFill>
+            <a:prstDash val="sysDash"/>
+          </a:ln>
+        </p:spPr>
+        <p:style>
+          <a:lnRef idx="2">
+            <a:schemeClr val="accent1"/>
+          </a:lnRef>
+          <a:fillRef idx="1">
+            <a:schemeClr val="lt1"/>
+          </a:fillRef>
+          <a:effectRef idx="0">
+            <a:schemeClr val="accent1"/>
+          </a:effectRef>
+          <a:fontRef idx="minor">
+            <a:schemeClr val="dk1"/>
+          </a:fontRef>
+        </p:style>
+        <p:txBody>
+          <a:bodyPr rtlCol="0" anchor="ctr"/>
+          <a:lstStyle/>
+          <a:p>
+            <a:pPr algn="ctr"/>
+            <a:endParaRPr lang="en-US" sz="2400">
+              <a:ln w="57150" cmpd="sng">
+                <a:solidFill>
+                  <a:srgbClr val="FF0000"/>
+                </a:solidFill>
+                <a:prstDash val="sysDash"/>
+              </a:ln>
+              <a:noFill/>
+            </a:endParaRPr>
+          </a:p>
+        </p:txBody>
+      </p:sp>
+      <p:pic>
+        <p:nvPicPr>
+          <p:cNvPr id="5" name="Picture 4"/>
+          <p:cNvPicPr>
+            <a:picLocks noChangeAspect="1"/>
+          </p:cNvPicPr>
+          <p:nvPr/>
+        </p:nvPicPr>
+        <p:blipFill>
+          <a:blip r:embed="rId2"/>
+          <a:stretch>
+            <a:fillRect/>
+          </a:stretch>
+        </p:blipFill>
+        <p:spPr>
+          <a:xfrm>
+            <a:off x="192222" y="169332"/>
+            <a:ext cx="4266887" cy="6406445"/>
+          </a:xfrm>
+          <a:prstGeom prst="rect">
+            <a:avLst/>
+          </a:prstGeom>
+        </p:spPr>
+      </p:pic>
+      <p:sp>
+        <p:nvSpPr>
+          <p:cNvPr id="8" name="TextBox 7"/>
+          <p:cNvSpPr txBox="1"/>
+          <p:nvPr/>
+        </p:nvSpPr>
+        <p:spPr>
+          <a:xfrm>
+            <a:off x="4679952" y="254000"/>
+            <a:ext cx="7004048" cy="2308324"/>
+          </a:xfrm>
+          <a:prstGeom prst="rect">
+            <a:avLst/>
+          </a:prstGeom>
+          <a:noFill/>
+        </p:spPr>
+        <p:txBody>
+          <a:bodyPr wrap="square" rtlCol="0">
+            <a:spAutoFit/>
+          </a:bodyPr>
+          <a:lstStyle/>
+          <a:p>
+            <a:r>
+              <a:rPr lang="en-US" sz="4800" dirty="0" smtClean="0">
+                <a:sym typeface="Wingdings"/>
+              </a:rPr>
+              <a:t>Label positive reviews on the movie “The Imitation Game”</a:t>
+            </a:r>
+          </a:p>
+        </p:txBody>
+      </p:sp>
+      <p:sp>
+        <p:nvSpPr>
+          <p:cNvPr id="10" name="TextBox 9"/>
+          <p:cNvSpPr txBox="1"/>
+          <p:nvPr/>
+        </p:nvSpPr>
+        <p:spPr>
+          <a:xfrm>
+            <a:off x="4581176" y="2666008"/>
+            <a:ext cx="6919380" cy="3046988"/>
+          </a:xfrm>
+          <a:prstGeom prst="rect">
+            <a:avLst/>
+          </a:prstGeom>
+          <a:noFill/>
+        </p:spPr>
+        <p:txBody>
+          <a:bodyPr wrap="square" rtlCol="0">
+            <a:spAutoFit/>
+          </a:bodyPr>
+          <a:lstStyle/>
+          <a:p>
+            <a:r>
+              <a:rPr lang="en-US" sz="4800" dirty="0">
+                <a:solidFill>
+                  <a:srgbClr val="44546A"/>
+                </a:solidFill>
+                <a:latin typeface="Wingdings"/>
+                <a:ea typeface="Wingdings"/>
+                <a:cs typeface="Wingdings"/>
+                <a:sym typeface="Wingdings"/>
+              </a:rPr>
+              <a:t></a:t>
+            </a:r>
+            <a:r>
+              <a:rPr lang="en-US" sz="4800" dirty="0" smtClean="0">
+                <a:solidFill>
+                  <a:srgbClr val="44546A"/>
+                </a:solidFill>
+                <a:latin typeface="Wingdings"/>
+                <a:ea typeface="Wingdings"/>
+                <a:cs typeface="Wingdings"/>
+                <a:sym typeface="Wingdings"/>
+              </a:rPr>
+              <a:t> </a:t>
+            </a:r>
+            <a:r>
+              <a:rPr lang="en-US" sz="4800" dirty="0">
+                <a:solidFill>
+                  <a:srgbClr val="44546A"/>
+                </a:solidFill>
+                <a:sym typeface="Wingdings"/>
+              </a:rPr>
+              <a:t>Good enough but historically </a:t>
+            </a:r>
+            <a:r>
+              <a:rPr lang="en-US" sz="4800" dirty="0" smtClean="0">
+                <a:solidFill>
+                  <a:srgbClr val="44546A"/>
+                </a:solidFill>
+                <a:sym typeface="Wingdings"/>
+              </a:rPr>
+              <a:t>sketchy</a:t>
+            </a:r>
+            <a:endParaRPr lang="en-US" sz="4800" dirty="0" smtClean="0">
+              <a:solidFill>
+                <a:srgbClr val="44546A"/>
+              </a:solidFill>
+              <a:latin typeface="Wingdings"/>
+              <a:ea typeface="Wingdings"/>
+              <a:cs typeface="Wingdings"/>
+              <a:sym typeface="Wingdings"/>
+            </a:endParaRPr>
+          </a:p>
+          <a:p>
+            <a:r>
+              <a:rPr lang="en-US" sz="4800" dirty="0" smtClean="0">
+                <a:solidFill>
+                  <a:srgbClr val="44546A"/>
+                </a:solidFill>
+                <a:latin typeface="Wingdings"/>
+                <a:ea typeface="Wingdings"/>
+                <a:cs typeface="Wingdings"/>
+                <a:sym typeface="Wingdings"/>
+              </a:rPr>
+              <a:t> </a:t>
+            </a:r>
+            <a:r>
+              <a:rPr lang="en-US" sz="4800" dirty="0" smtClean="0">
+                <a:solidFill>
+                  <a:srgbClr val="44546A"/>
+                </a:solidFill>
+                <a:sym typeface="Wingdings"/>
+              </a:rPr>
+              <a:t>Great movie, worth a watch</a:t>
+            </a:r>
+            <a:endParaRPr lang="en-US" sz="4800" dirty="0">
+              <a:solidFill>
+                <a:srgbClr val="44546A"/>
+              </a:solidFill>
+              <a:latin typeface="Wingdings"/>
+              <a:ea typeface="Wingdings"/>
+              <a:cs typeface="Wingdings"/>
+              <a:sym typeface="Wingdings"/>
+            </a:endParaRPr>
+          </a:p>
+        </p:txBody>
+      </p:sp>
+    </p:spTree>
+    <p:extLst>
+      <p:ext uri="{BB962C8B-B14F-4D97-AF65-F5344CB8AC3E}">
+        <p14:creationId xmlns:p14="http://schemas.microsoft.com/office/powerpoint/2010/main" val="3927967008"/>
+      </p:ext>
+    </p:extLst>
+  </p:cSld>
+  <p:clrMapOvr>
+    <a:masterClrMapping/>
+  </p:clrMapOvr>
+  <p:timing>
+    <p:tnLst>
+      <p:par>
+        <p:cTn xmlns:p14="http://schemas.microsoft.com/office/powerpoint/2010/main" id="1" dur="indefinite" restart="never" nodeType="tmRoot"/>
+      </p:par>
+    </p:tnLst>
+  </p:timing>
+</p:sld>
+</file>
+
 <file path=ppt/slides/slide2.xml><?xml version="1.0" encoding="utf-8"?>
 <p:sld xmlns:a="http://schemas.openxmlformats.org/drawingml/2006/main" xmlns:r="http://schemas.openxmlformats.org/officeDocument/2006/relationships" xmlns:p="http://schemas.openxmlformats.org/presentationml/2006/main">
   <p:cSld>
@@ -3986,7 +4497,7 @@
           <a:graphicData uri="http://schemas.openxmlformats.org/presentationml/2006/ole">
             <mc:AlternateContent xmlns:mc="http://schemas.openxmlformats.org/markup-compatibility/2006">
               <mc:Choice xmlns:v="urn:schemas-microsoft-com:vml" Requires="v">
-                <p:oleObj spid="_x0000_s2095" name="Equation" r:id="rId3" imgW="215640" imgH="228600" progId="Equation.DSMT4">
+                <p:oleObj spid="_x0000_s2151" name="Equation" r:id="rId3" imgW="215640" imgH="228600" progId="Equation.DSMT4">
                   <p:embed/>
                 </p:oleObj>
               </mc:Choice>
@@ -4051,7 +4562,7 @@
           <a:graphicData uri="http://schemas.openxmlformats.org/presentationml/2006/ole">
             <mc:AlternateContent xmlns:mc="http://schemas.openxmlformats.org/markup-compatibility/2006">
               <mc:Choice xmlns:v="urn:schemas-microsoft-com:vml" Requires="v">
-                <p:oleObj spid="_x0000_s2096" name="Equation" r:id="rId5" imgW="228600" imgH="228600" progId="Equation.DSMT4">
+                <p:oleObj spid="_x0000_s2152" name="Equation" r:id="rId5" imgW="228600" imgH="228600" progId="Equation.DSMT4">
                   <p:embed/>
                 </p:oleObj>
               </mc:Choice>
@@ -4335,7 +4846,7 @@
           <a:graphicData uri="http://schemas.openxmlformats.org/presentationml/2006/ole">
             <mc:AlternateContent xmlns:mc="http://schemas.openxmlformats.org/markup-compatibility/2006">
               <mc:Choice xmlns:v="urn:schemas-microsoft-com:vml" Requires="v">
-                <p:oleObj spid="_x0000_s2097" name="Equation" r:id="rId7" imgW="215640" imgH="228600" progId="Equation.DSMT4">
+                <p:oleObj spid="_x0000_s2153" name="Equation" r:id="rId7" imgW="215640" imgH="228600" progId="Equation.DSMT4">
                   <p:embed/>
                 </p:oleObj>
               </mc:Choice>
@@ -4400,7 +4911,7 @@
           <a:graphicData uri="http://schemas.openxmlformats.org/presentationml/2006/ole">
             <mc:AlternateContent xmlns:mc="http://schemas.openxmlformats.org/markup-compatibility/2006">
               <mc:Choice xmlns:v="urn:schemas-microsoft-com:vml" Requires="v">
-                <p:oleObj spid="_x0000_s2098" name="Equation" r:id="rId9" imgW="228600" imgH="228600" progId="Equation.DSMT4">
+                <p:oleObj spid="_x0000_s2154" name="Equation" r:id="rId9" imgW="228600" imgH="228600" progId="Equation.DSMT4">
                   <p:embed/>
                 </p:oleObj>
               </mc:Choice>
@@ -4465,7 +4976,7 @@
           <a:graphicData uri="http://schemas.openxmlformats.org/presentationml/2006/ole">
             <mc:AlternateContent xmlns:mc="http://schemas.openxmlformats.org/markup-compatibility/2006">
               <mc:Choice xmlns:v="urn:schemas-microsoft-com:vml" Requires="v">
-                <p:oleObj spid="_x0000_s2099" name="Equation" r:id="rId11" imgW="228600" imgH="228600" progId="Equation.DSMT4">
+                <p:oleObj spid="_x0000_s2155" name="Equation" r:id="rId11" imgW="228600" imgH="228600" progId="Equation.DSMT4">
                   <p:embed/>
                 </p:oleObj>
               </mc:Choice>
@@ -4818,7 +5329,7 @@
           <a:graphicData uri="http://schemas.openxmlformats.org/presentationml/2006/ole">
             <mc:AlternateContent xmlns:mc="http://schemas.openxmlformats.org/markup-compatibility/2006">
               <mc:Choice xmlns:v="urn:schemas-microsoft-com:vml" Requires="v">
-                <p:oleObj spid="_x0000_s3109" name="Equation" r:id="rId3" imgW="215640" imgH="228600" progId="Equation.DSMT4">
+                <p:oleObj spid="_x0000_s3165" name="Equation" r:id="rId3" imgW="215640" imgH="228600" progId="Equation.DSMT4">
                   <p:embed/>
                 </p:oleObj>
               </mc:Choice>
@@ -4883,7 +5394,7 @@
           <a:graphicData uri="http://schemas.openxmlformats.org/presentationml/2006/ole">
             <mc:AlternateContent xmlns:mc="http://schemas.openxmlformats.org/markup-compatibility/2006">
               <mc:Choice xmlns:v="urn:schemas-microsoft-com:vml" Requires="v">
-                <p:oleObj spid="_x0000_s3110" name="Equation" r:id="rId5" imgW="228600" imgH="228600" progId="Equation.DSMT4">
+                <p:oleObj spid="_x0000_s3166" name="Equation" r:id="rId5" imgW="228600" imgH="228600" progId="Equation.DSMT4">
                   <p:embed/>
                 </p:oleObj>
               </mc:Choice>
@@ -5083,7 +5594,7 @@
           <a:graphicData uri="http://schemas.openxmlformats.org/presentationml/2006/ole">
             <mc:AlternateContent xmlns:mc="http://schemas.openxmlformats.org/markup-compatibility/2006">
               <mc:Choice xmlns:v="urn:schemas-microsoft-com:vml" Requires="v">
-                <p:oleObj spid="_x0000_s3111" name="Equation" r:id="rId7" imgW="215640" imgH="228600" progId="Equation.DSMT4">
+                <p:oleObj spid="_x0000_s3167" name="Equation" r:id="rId7" imgW="215640" imgH="228600" progId="Equation.DSMT4">
                   <p:embed/>
                 </p:oleObj>
               </mc:Choice>
@@ -5148,7 +5659,7 @@
           <a:graphicData uri="http://schemas.openxmlformats.org/presentationml/2006/ole">
             <mc:AlternateContent xmlns:mc="http://schemas.openxmlformats.org/markup-compatibility/2006">
               <mc:Choice xmlns:v="urn:schemas-microsoft-com:vml" Requires="v">
-                <p:oleObj spid="_x0000_s3112" name="Equation" r:id="rId9" imgW="228600" imgH="228600" progId="Equation.DSMT4">
+                <p:oleObj spid="_x0000_s3168" name="Equation" r:id="rId9" imgW="228600" imgH="228600" progId="Equation.DSMT4">
                   <p:embed/>
                 </p:oleObj>
               </mc:Choice>
@@ -5213,7 +5724,7 @@
           <a:graphicData uri="http://schemas.openxmlformats.org/presentationml/2006/ole">
             <mc:AlternateContent xmlns:mc="http://schemas.openxmlformats.org/markup-compatibility/2006">
               <mc:Choice xmlns:v="urn:schemas-microsoft-com:vml" Requires="v">
-                <p:oleObj spid="_x0000_s3113" name="Equation" r:id="rId11" imgW="228600" imgH="228600" progId="Equation.DSMT4">
+                <p:oleObj spid="_x0000_s3169" name="Equation" r:id="rId11" imgW="228600" imgH="228600" progId="Equation.DSMT4">
                   <p:embed/>
                 </p:oleObj>
               </mc:Choice>
@@ -6374,7 +6885,7 @@
         <p:spPr>
           <a:xfrm>
             <a:off x="488953" y="3543720"/>
-            <a:ext cx="3232850" cy="830997"/>
+            <a:ext cx="3232850" cy="1200328"/>
           </a:xfrm>
           <a:prstGeom prst="rect">
             <a:avLst/>
@@ -6391,8 +6902,16 @@
               <a:rPr lang="en-US" sz="2400" dirty="0" smtClean="0">
                 <a:sym typeface="Wingdings"/>
               </a:rPr>
-              <a:t>Is the comment below relevant to the article?</a:t>
-            </a:r>
+              <a:t>Is the comment below relevant to the article</a:t>
+            </a:r>
+            <a:r>
+              <a:rPr lang="en-US" sz="2400" dirty="0" smtClean="0">
+                <a:sym typeface="Wingdings"/>
+              </a:rPr>
+              <a:t>?</a:t>
+            </a:r>
+          </a:p>
+          <a:p>
             <a:endParaRPr lang="en-US" sz="2400" dirty="0">
               <a:latin typeface="Wingdings"/>
               <a:ea typeface="Wingdings"/>
@@ -6711,6 +7230,867 @@
     <p:extLst>
       <p:ext uri="{BB962C8B-B14F-4D97-AF65-F5344CB8AC3E}">
         <p14:creationId xmlns:p14="http://schemas.microsoft.com/office/powerpoint/2010/main" val="164731202"/>
+      </p:ext>
+    </p:extLst>
+  </p:cSld>
+  <p:clrMapOvr>
+    <a:masterClrMapping/>
+  </p:clrMapOvr>
+  <p:timing>
+    <p:tnLst>
+      <p:par>
+        <p:cTn xmlns:p14="http://schemas.microsoft.com/office/powerpoint/2010/main" id="1" dur="indefinite" restart="never" nodeType="tmRoot"/>
+      </p:par>
+    </p:tnLst>
+  </p:timing>
+</p:sld>
+</file>
+
+<file path=ppt/slides/slide6.xml><?xml version="1.0" encoding="utf-8"?>
+<p:sld xmlns:a="http://schemas.openxmlformats.org/drawingml/2006/main" xmlns:r="http://schemas.openxmlformats.org/officeDocument/2006/relationships" xmlns:p="http://schemas.openxmlformats.org/presentationml/2006/main">
+  <p:cSld>
+    <p:spTree>
+      <p:nvGrpSpPr>
+        <p:cNvPr id="1" name=""/>
+        <p:cNvGrpSpPr/>
+        <p:nvPr/>
+      </p:nvGrpSpPr>
+      <p:grpSpPr>
+        <a:xfrm>
+          <a:off x="0" y="0"/>
+          <a:ext cx="0" cy="0"/>
+          <a:chOff x="0" y="0"/>
+          <a:chExt cx="0" cy="0"/>
+        </a:xfrm>
+      </p:grpSpPr>
+      <p:sp>
+        <p:nvSpPr>
+          <p:cNvPr id="11" name="Rectangle 10"/>
+          <p:cNvSpPr/>
+          <p:nvPr/>
+        </p:nvSpPr>
+        <p:spPr>
+          <a:xfrm>
+            <a:off x="0" y="0"/>
+            <a:ext cx="12192000" cy="6858000"/>
+          </a:xfrm>
+          <a:prstGeom prst="rect">
+            <a:avLst/>
+          </a:prstGeom>
+          <a:solidFill>
+            <a:schemeClr val="lt1">
+              <a:alpha val="0"/>
+            </a:schemeClr>
+          </a:solidFill>
+          <a:ln w="76200" cmpd="sng">
+            <a:solidFill>
+              <a:srgbClr val="FF0000"/>
+            </a:solidFill>
+            <a:prstDash val="sysDash"/>
+          </a:ln>
+        </p:spPr>
+        <p:style>
+          <a:lnRef idx="2">
+            <a:schemeClr val="accent1"/>
+          </a:lnRef>
+          <a:fillRef idx="1">
+            <a:schemeClr val="lt1"/>
+          </a:fillRef>
+          <a:effectRef idx="0">
+            <a:schemeClr val="accent1"/>
+          </a:effectRef>
+          <a:fontRef idx="minor">
+            <a:schemeClr val="dk1"/>
+          </a:fontRef>
+        </p:style>
+        <p:txBody>
+          <a:bodyPr rtlCol="0" anchor="ctr"/>
+          <a:lstStyle/>
+          <a:p>
+            <a:pPr algn="ctr"/>
+            <a:endParaRPr lang="en-US" sz="2400">
+              <a:ln w="57150" cmpd="sng">
+                <a:solidFill>
+                  <a:srgbClr val="FF0000"/>
+                </a:solidFill>
+                <a:prstDash val="sysDash"/>
+              </a:ln>
+              <a:noFill/>
+            </a:endParaRPr>
+          </a:p>
+        </p:txBody>
+      </p:sp>
+      <p:pic>
+        <p:nvPicPr>
+          <p:cNvPr id="5" name="Picture 4"/>
+          <p:cNvPicPr>
+            <a:picLocks noChangeAspect="1"/>
+          </p:cNvPicPr>
+          <p:nvPr/>
+        </p:nvPicPr>
+        <p:blipFill>
+          <a:blip r:embed="rId2"/>
+          <a:stretch>
+            <a:fillRect/>
+          </a:stretch>
+        </p:blipFill>
+        <p:spPr>
+          <a:xfrm>
+            <a:off x="192222" y="169332"/>
+            <a:ext cx="4266887" cy="6406445"/>
+          </a:xfrm>
+          <a:prstGeom prst="rect">
+            <a:avLst/>
+          </a:prstGeom>
+        </p:spPr>
+      </p:pic>
+      <p:sp>
+        <p:nvSpPr>
+          <p:cNvPr id="8" name="TextBox 7"/>
+          <p:cNvSpPr txBox="1"/>
+          <p:nvPr/>
+        </p:nvSpPr>
+        <p:spPr>
+          <a:xfrm>
+            <a:off x="4679952" y="254000"/>
+            <a:ext cx="7004048" cy="2308324"/>
+          </a:xfrm>
+          <a:prstGeom prst="rect">
+            <a:avLst/>
+          </a:prstGeom>
+          <a:noFill/>
+        </p:spPr>
+        <p:txBody>
+          <a:bodyPr wrap="square" rtlCol="0">
+            <a:spAutoFit/>
+          </a:bodyPr>
+          <a:lstStyle/>
+          <a:p>
+            <a:r>
+              <a:rPr lang="en-US" sz="4800" dirty="0" smtClean="0">
+                <a:sym typeface="Wingdings"/>
+              </a:rPr>
+              <a:t>Label positive reviews on the movie “The Imitation Game”</a:t>
+            </a:r>
+          </a:p>
+        </p:txBody>
+      </p:sp>
+      <p:sp>
+        <p:nvSpPr>
+          <p:cNvPr id="10" name="TextBox 9"/>
+          <p:cNvSpPr txBox="1"/>
+          <p:nvPr/>
+        </p:nvSpPr>
+        <p:spPr>
+          <a:xfrm>
+            <a:off x="4581176" y="2666008"/>
+            <a:ext cx="6919380" cy="830997"/>
+          </a:xfrm>
+          <a:prstGeom prst="rect">
+            <a:avLst/>
+          </a:prstGeom>
+          <a:noFill/>
+        </p:spPr>
+        <p:txBody>
+          <a:bodyPr wrap="square" rtlCol="0">
+            <a:spAutoFit/>
+          </a:bodyPr>
+          <a:lstStyle/>
+          <a:p>
+            <a:r>
+              <a:rPr lang="en-US" sz="4800" dirty="0" smtClean="0">
+                <a:solidFill>
+                  <a:srgbClr val="FF0000"/>
+                </a:solidFill>
+                <a:latin typeface="Wingdings"/>
+                <a:ea typeface="Wingdings"/>
+                <a:cs typeface="Wingdings"/>
+                <a:sym typeface="Wingdings"/>
+              </a:rPr>
+              <a:t> </a:t>
+            </a:r>
+            <a:r>
+              <a:rPr lang="en-US" sz="4800" dirty="0" smtClean="0">
+                <a:solidFill>
+                  <a:srgbClr val="FF0000"/>
+                </a:solidFill>
+                <a:sym typeface="Wingdings"/>
+              </a:rPr>
+              <a:t>Stack of Lies</a:t>
+            </a:r>
+            <a:endParaRPr lang="en-US" sz="4800" dirty="0">
+              <a:solidFill>
+                <a:srgbClr val="FF0000"/>
+              </a:solidFill>
+              <a:latin typeface="Wingdings"/>
+              <a:ea typeface="Wingdings"/>
+              <a:cs typeface="Wingdings"/>
+              <a:sym typeface="Wingdings"/>
+            </a:endParaRPr>
+          </a:p>
+        </p:txBody>
+      </p:sp>
+    </p:spTree>
+    <p:extLst>
+      <p:ext uri="{BB962C8B-B14F-4D97-AF65-F5344CB8AC3E}">
+        <p14:creationId xmlns:p14="http://schemas.microsoft.com/office/powerpoint/2010/main" val="2044067188"/>
+      </p:ext>
+    </p:extLst>
+  </p:cSld>
+  <p:clrMapOvr>
+    <a:masterClrMapping/>
+  </p:clrMapOvr>
+  <p:timing>
+    <p:tnLst>
+      <p:par>
+        <p:cTn xmlns:p14="http://schemas.microsoft.com/office/powerpoint/2010/main" id="1" dur="indefinite" restart="never" nodeType="tmRoot"/>
+      </p:par>
+    </p:tnLst>
+  </p:timing>
+</p:sld>
+</file>
+
+<file path=ppt/slides/slide7.xml><?xml version="1.0" encoding="utf-8"?>
+<p:sld xmlns:a="http://schemas.openxmlformats.org/drawingml/2006/main" xmlns:r="http://schemas.openxmlformats.org/officeDocument/2006/relationships" xmlns:p="http://schemas.openxmlformats.org/presentationml/2006/main">
+  <p:cSld>
+    <p:spTree>
+      <p:nvGrpSpPr>
+        <p:cNvPr id="1" name=""/>
+        <p:cNvGrpSpPr/>
+        <p:nvPr/>
+      </p:nvGrpSpPr>
+      <p:grpSpPr>
+        <a:xfrm>
+          <a:off x="0" y="0"/>
+          <a:ext cx="0" cy="0"/>
+          <a:chOff x="0" y="0"/>
+          <a:chExt cx="0" cy="0"/>
+        </a:xfrm>
+      </p:grpSpPr>
+      <p:sp>
+        <p:nvSpPr>
+          <p:cNvPr id="11" name="Rectangle 10"/>
+          <p:cNvSpPr/>
+          <p:nvPr/>
+        </p:nvSpPr>
+        <p:spPr>
+          <a:xfrm>
+            <a:off x="0" y="0"/>
+            <a:ext cx="12192000" cy="6858000"/>
+          </a:xfrm>
+          <a:prstGeom prst="rect">
+            <a:avLst/>
+          </a:prstGeom>
+          <a:solidFill>
+            <a:schemeClr val="lt1">
+              <a:alpha val="0"/>
+            </a:schemeClr>
+          </a:solidFill>
+          <a:ln w="76200" cmpd="sng">
+            <a:solidFill>
+              <a:srgbClr val="FF0000"/>
+            </a:solidFill>
+            <a:prstDash val="sysDash"/>
+          </a:ln>
+        </p:spPr>
+        <p:style>
+          <a:lnRef idx="2">
+            <a:schemeClr val="accent1"/>
+          </a:lnRef>
+          <a:fillRef idx="1">
+            <a:schemeClr val="lt1"/>
+          </a:fillRef>
+          <a:effectRef idx="0">
+            <a:schemeClr val="accent1"/>
+          </a:effectRef>
+          <a:fontRef idx="minor">
+            <a:schemeClr val="dk1"/>
+          </a:fontRef>
+        </p:style>
+        <p:txBody>
+          <a:bodyPr rtlCol="0" anchor="ctr"/>
+          <a:lstStyle/>
+          <a:p>
+            <a:pPr algn="ctr"/>
+            <a:endParaRPr lang="en-US" sz="2400">
+              <a:ln w="57150" cmpd="sng">
+                <a:solidFill>
+                  <a:srgbClr val="FF0000"/>
+                </a:solidFill>
+                <a:prstDash val="sysDash"/>
+              </a:ln>
+              <a:noFill/>
+            </a:endParaRPr>
+          </a:p>
+        </p:txBody>
+      </p:sp>
+      <p:pic>
+        <p:nvPicPr>
+          <p:cNvPr id="5" name="Picture 4"/>
+          <p:cNvPicPr>
+            <a:picLocks noChangeAspect="1"/>
+          </p:cNvPicPr>
+          <p:nvPr/>
+        </p:nvPicPr>
+        <p:blipFill>
+          <a:blip r:embed="rId2"/>
+          <a:stretch>
+            <a:fillRect/>
+          </a:stretch>
+        </p:blipFill>
+        <p:spPr>
+          <a:xfrm>
+            <a:off x="192222" y="169332"/>
+            <a:ext cx="4266887" cy="6406445"/>
+          </a:xfrm>
+          <a:prstGeom prst="rect">
+            <a:avLst/>
+          </a:prstGeom>
+        </p:spPr>
+      </p:pic>
+      <p:sp>
+        <p:nvSpPr>
+          <p:cNvPr id="8" name="TextBox 7"/>
+          <p:cNvSpPr txBox="1"/>
+          <p:nvPr/>
+        </p:nvSpPr>
+        <p:spPr>
+          <a:xfrm>
+            <a:off x="4679952" y="254000"/>
+            <a:ext cx="7004048" cy="2308324"/>
+          </a:xfrm>
+          <a:prstGeom prst="rect">
+            <a:avLst/>
+          </a:prstGeom>
+          <a:noFill/>
+        </p:spPr>
+        <p:txBody>
+          <a:bodyPr wrap="square" rtlCol="0">
+            <a:spAutoFit/>
+          </a:bodyPr>
+          <a:lstStyle/>
+          <a:p>
+            <a:r>
+              <a:rPr lang="en-US" sz="4800" dirty="0" smtClean="0">
+                <a:sym typeface="Wingdings"/>
+              </a:rPr>
+              <a:t>Label positive reviews on the movie “The Imitation Game”</a:t>
+            </a:r>
+          </a:p>
+        </p:txBody>
+      </p:sp>
+      <p:sp>
+        <p:nvSpPr>
+          <p:cNvPr id="10" name="TextBox 9"/>
+          <p:cNvSpPr txBox="1"/>
+          <p:nvPr/>
+        </p:nvSpPr>
+        <p:spPr>
+          <a:xfrm>
+            <a:off x="4581176" y="2666008"/>
+            <a:ext cx="6919380" cy="1569660"/>
+          </a:xfrm>
+          <a:prstGeom prst="rect">
+            <a:avLst/>
+          </a:prstGeom>
+          <a:noFill/>
+        </p:spPr>
+        <p:txBody>
+          <a:bodyPr wrap="square" rtlCol="0">
+            <a:spAutoFit/>
+          </a:bodyPr>
+          <a:lstStyle/>
+          <a:p>
+            <a:r>
+              <a:rPr lang="en-US" sz="4800" dirty="0" smtClean="0">
+                <a:solidFill>
+                  <a:srgbClr val="FF0000"/>
+                </a:solidFill>
+                <a:latin typeface="Wingdings"/>
+                <a:ea typeface="Wingdings"/>
+                <a:cs typeface="Wingdings"/>
+                <a:sym typeface="Wingdings"/>
+              </a:rPr>
+              <a:t> </a:t>
+            </a:r>
+            <a:r>
+              <a:rPr lang="en-US" sz="4800" dirty="0">
+                <a:solidFill>
+                  <a:srgbClr val="FF0000"/>
+                </a:solidFill>
+                <a:sym typeface="Wingdings"/>
+              </a:rPr>
+              <a:t>A</a:t>
+            </a:r>
+            <a:r>
+              <a:rPr lang="en-US" sz="4800" dirty="0" smtClean="0">
+                <a:solidFill>
+                  <a:srgbClr val="FF0000"/>
+                </a:solidFill>
+                <a:sym typeface="Wingdings"/>
+              </a:rPr>
+              <a:t>verage </a:t>
+            </a:r>
+            <a:r>
+              <a:rPr lang="en-US" sz="4800" dirty="0">
+                <a:solidFill>
+                  <a:srgbClr val="FF0000"/>
+                </a:solidFill>
+                <a:sym typeface="Wingdings"/>
+              </a:rPr>
+              <a:t>I</a:t>
+            </a:r>
+            <a:r>
+              <a:rPr lang="en-US" sz="4800" dirty="0" smtClean="0">
+                <a:solidFill>
+                  <a:srgbClr val="FF0000"/>
+                </a:solidFill>
+                <a:sym typeface="Wingdings"/>
+              </a:rPr>
+              <a:t>n </a:t>
+            </a:r>
+            <a:r>
+              <a:rPr lang="en-US" sz="4800" dirty="0">
+                <a:solidFill>
+                  <a:srgbClr val="FF0000"/>
+                </a:solidFill>
+                <a:sym typeface="Wingdings"/>
+              </a:rPr>
+              <a:t>T</a:t>
+            </a:r>
+            <a:r>
+              <a:rPr lang="en-US" sz="4800" dirty="0" smtClean="0">
+                <a:solidFill>
+                  <a:srgbClr val="FF0000"/>
+                </a:solidFill>
+                <a:sym typeface="Wingdings"/>
+              </a:rPr>
+              <a:t>he Extreme</a:t>
+            </a:r>
+            <a:endParaRPr lang="en-US" sz="4800" dirty="0">
+              <a:solidFill>
+                <a:srgbClr val="FF0000"/>
+              </a:solidFill>
+              <a:latin typeface="Wingdings"/>
+              <a:ea typeface="Wingdings"/>
+              <a:cs typeface="Wingdings"/>
+              <a:sym typeface="Wingdings"/>
+            </a:endParaRPr>
+          </a:p>
+        </p:txBody>
+      </p:sp>
+    </p:spTree>
+    <p:extLst>
+      <p:ext uri="{BB962C8B-B14F-4D97-AF65-F5344CB8AC3E}">
+        <p14:creationId xmlns:p14="http://schemas.microsoft.com/office/powerpoint/2010/main" val="1011964291"/>
+      </p:ext>
+    </p:extLst>
+  </p:cSld>
+  <p:clrMapOvr>
+    <a:masterClrMapping/>
+  </p:clrMapOvr>
+  <p:timing>
+    <p:tnLst>
+      <p:par>
+        <p:cTn xmlns:p14="http://schemas.microsoft.com/office/powerpoint/2010/main" id="1" dur="indefinite" restart="never" nodeType="tmRoot"/>
+      </p:par>
+    </p:tnLst>
+  </p:timing>
+</p:sld>
+</file>
+
+<file path=ppt/slides/slide8.xml><?xml version="1.0" encoding="utf-8"?>
+<p:sld xmlns:a="http://schemas.openxmlformats.org/drawingml/2006/main" xmlns:r="http://schemas.openxmlformats.org/officeDocument/2006/relationships" xmlns:p="http://schemas.openxmlformats.org/presentationml/2006/main">
+  <p:cSld>
+    <p:spTree>
+      <p:nvGrpSpPr>
+        <p:cNvPr id="1" name=""/>
+        <p:cNvGrpSpPr/>
+        <p:nvPr/>
+      </p:nvGrpSpPr>
+      <p:grpSpPr>
+        <a:xfrm>
+          <a:off x="0" y="0"/>
+          <a:ext cx="0" cy="0"/>
+          <a:chOff x="0" y="0"/>
+          <a:chExt cx="0" cy="0"/>
+        </a:xfrm>
+      </p:grpSpPr>
+      <p:sp>
+        <p:nvSpPr>
+          <p:cNvPr id="11" name="Rectangle 10"/>
+          <p:cNvSpPr/>
+          <p:nvPr/>
+        </p:nvSpPr>
+        <p:spPr>
+          <a:xfrm>
+            <a:off x="0" y="0"/>
+            <a:ext cx="12192000" cy="6858000"/>
+          </a:xfrm>
+          <a:prstGeom prst="rect">
+            <a:avLst/>
+          </a:prstGeom>
+          <a:solidFill>
+            <a:schemeClr val="lt1">
+              <a:alpha val="0"/>
+            </a:schemeClr>
+          </a:solidFill>
+          <a:ln w="76200" cmpd="sng">
+            <a:solidFill>
+              <a:srgbClr val="FF0000"/>
+            </a:solidFill>
+            <a:prstDash val="sysDash"/>
+          </a:ln>
+        </p:spPr>
+        <p:style>
+          <a:lnRef idx="2">
+            <a:schemeClr val="accent1"/>
+          </a:lnRef>
+          <a:fillRef idx="1">
+            <a:schemeClr val="lt1"/>
+          </a:fillRef>
+          <a:effectRef idx="0">
+            <a:schemeClr val="accent1"/>
+          </a:effectRef>
+          <a:fontRef idx="minor">
+            <a:schemeClr val="dk1"/>
+          </a:fontRef>
+        </p:style>
+        <p:txBody>
+          <a:bodyPr rtlCol="0" anchor="ctr"/>
+          <a:lstStyle/>
+          <a:p>
+            <a:pPr algn="ctr"/>
+            <a:endParaRPr lang="en-US" sz="2400">
+              <a:ln w="57150" cmpd="sng">
+                <a:solidFill>
+                  <a:srgbClr val="FF0000"/>
+                </a:solidFill>
+                <a:prstDash val="sysDash"/>
+              </a:ln>
+              <a:noFill/>
+            </a:endParaRPr>
+          </a:p>
+        </p:txBody>
+      </p:sp>
+      <p:pic>
+        <p:nvPicPr>
+          <p:cNvPr id="5" name="Picture 4"/>
+          <p:cNvPicPr>
+            <a:picLocks noChangeAspect="1"/>
+          </p:cNvPicPr>
+          <p:nvPr/>
+        </p:nvPicPr>
+        <p:blipFill>
+          <a:blip r:embed="rId2"/>
+          <a:stretch>
+            <a:fillRect/>
+          </a:stretch>
+        </p:blipFill>
+        <p:spPr>
+          <a:xfrm>
+            <a:off x="192222" y="169332"/>
+            <a:ext cx="4266887" cy="6406445"/>
+          </a:xfrm>
+          <a:prstGeom prst="rect">
+            <a:avLst/>
+          </a:prstGeom>
+        </p:spPr>
+      </p:pic>
+      <p:sp>
+        <p:nvSpPr>
+          <p:cNvPr id="8" name="TextBox 7"/>
+          <p:cNvSpPr txBox="1"/>
+          <p:nvPr/>
+        </p:nvSpPr>
+        <p:spPr>
+          <a:xfrm>
+            <a:off x="4679952" y="254000"/>
+            <a:ext cx="7004048" cy="2308324"/>
+          </a:xfrm>
+          <a:prstGeom prst="rect">
+            <a:avLst/>
+          </a:prstGeom>
+          <a:noFill/>
+        </p:spPr>
+        <p:txBody>
+          <a:bodyPr wrap="square" rtlCol="0">
+            <a:spAutoFit/>
+          </a:bodyPr>
+          <a:lstStyle/>
+          <a:p>
+            <a:r>
+              <a:rPr lang="en-US" sz="4800" dirty="0" smtClean="0">
+                <a:sym typeface="Wingdings"/>
+              </a:rPr>
+              <a:t>Label positive reviews on the movie “The Imitation Game”</a:t>
+            </a:r>
+          </a:p>
+        </p:txBody>
+      </p:sp>
+      <p:sp>
+        <p:nvSpPr>
+          <p:cNvPr id="10" name="TextBox 9"/>
+          <p:cNvSpPr txBox="1"/>
+          <p:nvPr/>
+        </p:nvSpPr>
+        <p:spPr>
+          <a:xfrm>
+            <a:off x="4581176" y="2666008"/>
+            <a:ext cx="6919380" cy="1569660"/>
+          </a:xfrm>
+          <a:prstGeom prst="rect">
+            <a:avLst/>
+          </a:prstGeom>
+          <a:noFill/>
+        </p:spPr>
+        <p:txBody>
+          <a:bodyPr wrap="square" rtlCol="0">
+            <a:spAutoFit/>
+          </a:bodyPr>
+          <a:lstStyle/>
+          <a:p>
+            <a:r>
+              <a:rPr lang="en-US" sz="4800" dirty="0" smtClean="0">
+                <a:solidFill>
+                  <a:srgbClr val="FF0000"/>
+                </a:solidFill>
+                <a:latin typeface="Wingdings"/>
+                <a:ea typeface="Wingdings"/>
+                <a:cs typeface="Wingdings"/>
+                <a:sym typeface="Wingdings"/>
+              </a:rPr>
+              <a:t> </a:t>
+            </a:r>
+            <a:r>
+              <a:rPr lang="en-US" sz="4800" dirty="0" smtClean="0">
+                <a:solidFill>
+                  <a:srgbClr val="FF0000"/>
+                </a:solidFill>
+                <a:sym typeface="Wingdings"/>
+              </a:rPr>
+              <a:t>Good enough but historically sketchy</a:t>
+            </a:r>
+            <a:endParaRPr lang="en-US" sz="4800" dirty="0">
+              <a:solidFill>
+                <a:srgbClr val="FF0000"/>
+              </a:solidFill>
+              <a:latin typeface="Wingdings"/>
+              <a:ea typeface="Wingdings"/>
+              <a:cs typeface="Wingdings"/>
+              <a:sym typeface="Wingdings"/>
+            </a:endParaRPr>
+          </a:p>
+        </p:txBody>
+      </p:sp>
+    </p:spTree>
+    <p:extLst>
+      <p:ext uri="{BB962C8B-B14F-4D97-AF65-F5344CB8AC3E}">
+        <p14:creationId xmlns:p14="http://schemas.microsoft.com/office/powerpoint/2010/main" val="1011964291"/>
+      </p:ext>
+    </p:extLst>
+  </p:cSld>
+  <p:clrMapOvr>
+    <a:masterClrMapping/>
+  </p:clrMapOvr>
+  <p:timing>
+    <p:tnLst>
+      <p:par>
+        <p:cTn xmlns:p14="http://schemas.microsoft.com/office/powerpoint/2010/main" id="1" dur="indefinite" restart="never" nodeType="tmRoot"/>
+      </p:par>
+    </p:tnLst>
+  </p:timing>
+</p:sld>
+</file>
+
+<file path=ppt/slides/slide9.xml><?xml version="1.0" encoding="utf-8"?>
+<p:sld xmlns:a="http://schemas.openxmlformats.org/drawingml/2006/main" xmlns:r="http://schemas.openxmlformats.org/officeDocument/2006/relationships" xmlns:p="http://schemas.openxmlformats.org/presentationml/2006/main">
+  <p:cSld>
+    <p:spTree>
+      <p:nvGrpSpPr>
+        <p:cNvPr id="1" name=""/>
+        <p:cNvGrpSpPr/>
+        <p:nvPr/>
+      </p:nvGrpSpPr>
+      <p:grpSpPr>
+        <a:xfrm>
+          <a:off x="0" y="0"/>
+          <a:ext cx="0" cy="0"/>
+          <a:chOff x="0" y="0"/>
+          <a:chExt cx="0" cy="0"/>
+        </a:xfrm>
+      </p:grpSpPr>
+      <p:sp>
+        <p:nvSpPr>
+          <p:cNvPr id="11" name="Rectangle 10"/>
+          <p:cNvSpPr/>
+          <p:nvPr/>
+        </p:nvSpPr>
+        <p:spPr>
+          <a:xfrm>
+            <a:off x="0" y="0"/>
+            <a:ext cx="12192000" cy="6858000"/>
+          </a:xfrm>
+          <a:prstGeom prst="rect">
+            <a:avLst/>
+          </a:prstGeom>
+          <a:solidFill>
+            <a:schemeClr val="lt1">
+              <a:alpha val="0"/>
+            </a:schemeClr>
+          </a:solidFill>
+          <a:ln w="76200" cmpd="sng">
+            <a:solidFill>
+              <a:srgbClr val="FF0000"/>
+            </a:solidFill>
+            <a:prstDash val="sysDash"/>
+          </a:ln>
+        </p:spPr>
+        <p:style>
+          <a:lnRef idx="2">
+            <a:schemeClr val="accent1"/>
+          </a:lnRef>
+          <a:fillRef idx="1">
+            <a:schemeClr val="lt1"/>
+          </a:fillRef>
+          <a:effectRef idx="0">
+            <a:schemeClr val="accent1"/>
+          </a:effectRef>
+          <a:fontRef idx="minor">
+            <a:schemeClr val="dk1"/>
+          </a:fontRef>
+        </p:style>
+        <p:txBody>
+          <a:bodyPr rtlCol="0" anchor="ctr"/>
+          <a:lstStyle/>
+          <a:p>
+            <a:pPr algn="ctr"/>
+            <a:endParaRPr lang="en-US" sz="2400">
+              <a:ln w="57150" cmpd="sng">
+                <a:solidFill>
+                  <a:srgbClr val="FF0000"/>
+                </a:solidFill>
+                <a:prstDash val="sysDash"/>
+              </a:ln>
+              <a:noFill/>
+            </a:endParaRPr>
+          </a:p>
+        </p:txBody>
+      </p:sp>
+      <p:pic>
+        <p:nvPicPr>
+          <p:cNvPr id="5" name="Picture 4"/>
+          <p:cNvPicPr>
+            <a:picLocks noChangeAspect="1"/>
+          </p:cNvPicPr>
+          <p:nvPr/>
+        </p:nvPicPr>
+        <p:blipFill>
+          <a:blip r:embed="rId2"/>
+          <a:stretch>
+            <a:fillRect/>
+          </a:stretch>
+        </p:blipFill>
+        <p:spPr>
+          <a:xfrm>
+            <a:off x="192222" y="169332"/>
+            <a:ext cx="4266887" cy="6406445"/>
+          </a:xfrm>
+          <a:prstGeom prst="rect">
+            <a:avLst/>
+          </a:prstGeom>
+        </p:spPr>
+      </p:pic>
+      <p:sp>
+        <p:nvSpPr>
+          <p:cNvPr id="8" name="TextBox 7"/>
+          <p:cNvSpPr txBox="1"/>
+          <p:nvPr/>
+        </p:nvSpPr>
+        <p:spPr>
+          <a:xfrm>
+            <a:off x="4679952" y="254000"/>
+            <a:ext cx="7004048" cy="2308324"/>
+          </a:xfrm>
+          <a:prstGeom prst="rect">
+            <a:avLst/>
+          </a:prstGeom>
+          <a:noFill/>
+        </p:spPr>
+        <p:txBody>
+          <a:bodyPr wrap="square" rtlCol="0">
+            <a:spAutoFit/>
+          </a:bodyPr>
+          <a:lstStyle/>
+          <a:p>
+            <a:r>
+              <a:rPr lang="en-US" sz="4800" dirty="0" smtClean="0">
+                <a:sym typeface="Wingdings"/>
+              </a:rPr>
+              <a:t>Label positive reviews on the movie “The Imitation Game”</a:t>
+            </a:r>
+          </a:p>
+        </p:txBody>
+      </p:sp>
+      <p:sp>
+        <p:nvSpPr>
+          <p:cNvPr id="10" name="TextBox 9"/>
+          <p:cNvSpPr txBox="1"/>
+          <p:nvPr/>
+        </p:nvSpPr>
+        <p:spPr>
+          <a:xfrm>
+            <a:off x="4581176" y="2666008"/>
+            <a:ext cx="6919380" cy="1569660"/>
+          </a:xfrm>
+          <a:prstGeom prst="rect">
+            <a:avLst/>
+          </a:prstGeom>
+          <a:noFill/>
+        </p:spPr>
+        <p:txBody>
+          <a:bodyPr wrap="square" rtlCol="0">
+            <a:spAutoFit/>
+          </a:bodyPr>
+          <a:lstStyle/>
+          <a:p>
+            <a:r>
+              <a:rPr lang="en-US" sz="4800" dirty="0" smtClean="0">
+                <a:solidFill>
+                  <a:srgbClr val="FF0000"/>
+                </a:solidFill>
+                <a:latin typeface="Wingdings"/>
+                <a:ea typeface="Wingdings"/>
+                <a:cs typeface="Wingdings"/>
+                <a:sym typeface="Wingdings"/>
+              </a:rPr>
+              <a:t> </a:t>
+            </a:r>
+            <a:r>
+              <a:rPr lang="en-US" sz="4800" dirty="0" smtClean="0">
+                <a:solidFill>
+                  <a:srgbClr val="FF0000"/>
+                </a:solidFill>
+                <a:sym typeface="Wingdings"/>
+              </a:rPr>
+              <a:t>Great movie, worth a watch</a:t>
+            </a:r>
+            <a:endParaRPr lang="en-US" sz="4800" dirty="0">
+              <a:solidFill>
+                <a:srgbClr val="FF0000"/>
+              </a:solidFill>
+              <a:latin typeface="Wingdings"/>
+              <a:ea typeface="Wingdings"/>
+              <a:cs typeface="Wingdings"/>
+              <a:sym typeface="Wingdings"/>
+            </a:endParaRPr>
+          </a:p>
+        </p:txBody>
+      </p:sp>
+    </p:spTree>
+    <p:extLst>
+      <p:ext uri="{BB962C8B-B14F-4D97-AF65-F5344CB8AC3E}">
+        <p14:creationId xmlns:p14="http://schemas.microsoft.com/office/powerpoint/2010/main" val="3127282479"/>
       </p:ext>
     </p:extLst>
   </p:cSld>
@@ -6982,7 +8362,7 @@
   <a:extraClrSchemeLst/>
   <a:extLst>
     <a:ext uri="{05A4C25C-085E-4340-85A3-A5531E510DB2}">
-      <thm15:themeFamily xmlns="" xmlns:thm15="http://schemas.microsoft.com/office/thememl/2012/main" name="Office Theme" id="{62F939B6-93AF-4DB8-9C6B-D6C7DFDC589F}" vid="{4A3C46E8-61CC-4603-A589-7422A47A8E4A}"/>
+      <thm15:themeFamily xmlns:thm15="http://schemas.microsoft.com/office/thememl/2012/main" xmlns="" name="Office Theme" id="{62F939B6-93AF-4DB8-9C6B-D6C7DFDC589F}" vid="{4A3C46E8-61CC-4603-A589-7422A47A8E4A}"/>
     </a:ext>
   </a:extLst>
 </a:theme>

--- a/ranking/doc/figures/model.pptx
+++ b/ranking/doc/figures/model.pptx
@@ -3456,7 +3456,7 @@
           <a:graphicData uri="http://schemas.openxmlformats.org/presentationml/2006/ole">
             <mc:AlternateContent xmlns:mc="http://schemas.openxmlformats.org/markup-compatibility/2006">
               <mc:Choice xmlns:v="urn:schemas-microsoft-com:vml" Requires="v">
-                <p:oleObj spid="_x0000_s1160" name="Equation" r:id="rId3" imgW="215640" imgH="228600" progId="Equation.DSMT4">
+                <p:oleObj spid="_x0000_s1170" name="Equation" r:id="rId3" imgW="215640" imgH="228600" progId="Equation.DSMT4">
                   <p:embed/>
                 </p:oleObj>
               </mc:Choice>
@@ -3521,7 +3521,7 @@
           <a:graphicData uri="http://schemas.openxmlformats.org/presentationml/2006/ole">
             <mc:AlternateContent xmlns:mc="http://schemas.openxmlformats.org/markup-compatibility/2006">
               <mc:Choice xmlns:v="urn:schemas-microsoft-com:vml" Requires="v">
-                <p:oleObj spid="_x0000_s1161" name="Equation" r:id="rId5" imgW="228600" imgH="228600" progId="Equation.DSMT4">
+                <p:oleObj spid="_x0000_s1171" name="Equation" r:id="rId5" imgW="228600" imgH="228600" progId="Equation.DSMT4">
                   <p:embed/>
                 </p:oleObj>
               </mc:Choice>
@@ -3586,7 +3586,7 @@
           <a:graphicData uri="http://schemas.openxmlformats.org/presentationml/2006/ole">
             <mc:AlternateContent xmlns:mc="http://schemas.openxmlformats.org/markup-compatibility/2006">
               <mc:Choice xmlns:v="urn:schemas-microsoft-com:vml" Requires="v">
-                <p:oleObj spid="_x0000_s1162" name="Equation" r:id="rId7" imgW="215640" imgH="228600" progId="Equation.DSMT4">
+                <p:oleObj spid="_x0000_s1172" name="Equation" r:id="rId7" imgW="215640" imgH="228600" progId="Equation.DSMT4">
                   <p:embed/>
                 </p:oleObj>
               </mc:Choice>
@@ -3651,7 +3651,7 @@
           <a:graphicData uri="http://schemas.openxmlformats.org/presentationml/2006/ole">
             <mc:AlternateContent xmlns:mc="http://schemas.openxmlformats.org/markup-compatibility/2006">
               <mc:Choice xmlns:v="urn:schemas-microsoft-com:vml" Requires="v">
-                <p:oleObj spid="_x0000_s1163" name="Equation" r:id="rId9" imgW="228600" imgH="228600" progId="Equation.DSMT4">
+                <p:oleObj spid="_x0000_s1173" name="Equation" r:id="rId9" imgW="228600" imgH="228600" progId="Equation.DSMT4">
                   <p:embed/>
                 </p:oleObj>
               </mc:Choice>
@@ -3716,7 +3716,7 @@
           <a:graphicData uri="http://schemas.openxmlformats.org/presentationml/2006/ole">
             <mc:AlternateContent xmlns:mc="http://schemas.openxmlformats.org/markup-compatibility/2006">
               <mc:Choice xmlns:v="urn:schemas-microsoft-com:vml" Requires="v">
-                <p:oleObj spid="_x0000_s1164" name="Equation" r:id="rId11" imgW="228600" imgH="228600" progId="Equation.DSMT4">
+                <p:oleObj spid="_x0000_s1174" name="Equation" r:id="rId11" imgW="228600" imgH="228600" progId="Equation.DSMT4">
                   <p:embed/>
                 </p:oleObj>
               </mc:Choice>
@@ -4497,7 +4497,7 @@
           <a:graphicData uri="http://schemas.openxmlformats.org/presentationml/2006/ole">
             <mc:AlternateContent xmlns:mc="http://schemas.openxmlformats.org/markup-compatibility/2006">
               <mc:Choice xmlns:v="urn:schemas-microsoft-com:vml" Requires="v">
-                <p:oleObj spid="_x0000_s2151" name="Equation" r:id="rId3" imgW="215640" imgH="228600" progId="Equation.DSMT4">
+                <p:oleObj spid="_x0000_s2161" name="Equation" r:id="rId3" imgW="215640" imgH="228600" progId="Equation.DSMT4">
                   <p:embed/>
                 </p:oleObj>
               </mc:Choice>
@@ -4562,7 +4562,7 @@
           <a:graphicData uri="http://schemas.openxmlformats.org/presentationml/2006/ole">
             <mc:AlternateContent xmlns:mc="http://schemas.openxmlformats.org/markup-compatibility/2006">
               <mc:Choice xmlns:v="urn:schemas-microsoft-com:vml" Requires="v">
-                <p:oleObj spid="_x0000_s2152" name="Equation" r:id="rId5" imgW="228600" imgH="228600" progId="Equation.DSMT4">
+                <p:oleObj spid="_x0000_s2162" name="Equation" r:id="rId5" imgW="228600" imgH="228600" progId="Equation.DSMT4">
                   <p:embed/>
                 </p:oleObj>
               </mc:Choice>
@@ -4846,7 +4846,7 @@
           <a:graphicData uri="http://schemas.openxmlformats.org/presentationml/2006/ole">
             <mc:AlternateContent xmlns:mc="http://schemas.openxmlformats.org/markup-compatibility/2006">
               <mc:Choice xmlns:v="urn:schemas-microsoft-com:vml" Requires="v">
-                <p:oleObj spid="_x0000_s2153" name="Equation" r:id="rId7" imgW="215640" imgH="228600" progId="Equation.DSMT4">
+                <p:oleObj spid="_x0000_s2163" name="Equation" r:id="rId7" imgW="215640" imgH="228600" progId="Equation.DSMT4">
                   <p:embed/>
                 </p:oleObj>
               </mc:Choice>
@@ -4911,7 +4911,7 @@
           <a:graphicData uri="http://schemas.openxmlformats.org/presentationml/2006/ole">
             <mc:AlternateContent xmlns:mc="http://schemas.openxmlformats.org/markup-compatibility/2006">
               <mc:Choice xmlns:v="urn:schemas-microsoft-com:vml" Requires="v">
-                <p:oleObj spid="_x0000_s2154" name="Equation" r:id="rId9" imgW="228600" imgH="228600" progId="Equation.DSMT4">
+                <p:oleObj spid="_x0000_s2164" name="Equation" r:id="rId9" imgW="228600" imgH="228600" progId="Equation.DSMT4">
                   <p:embed/>
                 </p:oleObj>
               </mc:Choice>
@@ -4976,7 +4976,7 @@
           <a:graphicData uri="http://schemas.openxmlformats.org/presentationml/2006/ole">
             <mc:AlternateContent xmlns:mc="http://schemas.openxmlformats.org/markup-compatibility/2006">
               <mc:Choice xmlns:v="urn:schemas-microsoft-com:vml" Requires="v">
-                <p:oleObj spid="_x0000_s2155" name="Equation" r:id="rId11" imgW="228600" imgH="228600" progId="Equation.DSMT4">
+                <p:oleObj spid="_x0000_s2165" name="Equation" r:id="rId11" imgW="228600" imgH="228600" progId="Equation.DSMT4">
                   <p:embed/>
                 </p:oleObj>
               </mc:Choice>
@@ -5329,7 +5329,7 @@
           <a:graphicData uri="http://schemas.openxmlformats.org/presentationml/2006/ole">
             <mc:AlternateContent xmlns:mc="http://schemas.openxmlformats.org/markup-compatibility/2006">
               <mc:Choice xmlns:v="urn:schemas-microsoft-com:vml" Requires="v">
-                <p:oleObj spid="_x0000_s3165" name="Equation" r:id="rId3" imgW="215640" imgH="228600" progId="Equation.DSMT4">
+                <p:oleObj spid="_x0000_s3175" name="Equation" r:id="rId3" imgW="215640" imgH="228600" progId="Equation.DSMT4">
                   <p:embed/>
                 </p:oleObj>
               </mc:Choice>
@@ -5394,7 +5394,7 @@
           <a:graphicData uri="http://schemas.openxmlformats.org/presentationml/2006/ole">
             <mc:AlternateContent xmlns:mc="http://schemas.openxmlformats.org/markup-compatibility/2006">
               <mc:Choice xmlns:v="urn:schemas-microsoft-com:vml" Requires="v">
-                <p:oleObj spid="_x0000_s3166" name="Equation" r:id="rId5" imgW="228600" imgH="228600" progId="Equation.DSMT4">
+                <p:oleObj spid="_x0000_s3176" name="Equation" r:id="rId5" imgW="228600" imgH="228600" progId="Equation.DSMT4">
                   <p:embed/>
                 </p:oleObj>
               </mc:Choice>
@@ -5594,7 +5594,7 @@
           <a:graphicData uri="http://schemas.openxmlformats.org/presentationml/2006/ole">
             <mc:AlternateContent xmlns:mc="http://schemas.openxmlformats.org/markup-compatibility/2006">
               <mc:Choice xmlns:v="urn:schemas-microsoft-com:vml" Requires="v">
-                <p:oleObj spid="_x0000_s3167" name="Equation" r:id="rId7" imgW="215640" imgH="228600" progId="Equation.DSMT4">
+                <p:oleObj spid="_x0000_s3177" name="Equation" r:id="rId7" imgW="215640" imgH="228600" progId="Equation.DSMT4">
                   <p:embed/>
                 </p:oleObj>
               </mc:Choice>
@@ -5659,7 +5659,7 @@
           <a:graphicData uri="http://schemas.openxmlformats.org/presentationml/2006/ole">
             <mc:AlternateContent xmlns:mc="http://schemas.openxmlformats.org/markup-compatibility/2006">
               <mc:Choice xmlns:v="urn:schemas-microsoft-com:vml" Requires="v">
-                <p:oleObj spid="_x0000_s3168" name="Equation" r:id="rId9" imgW="228600" imgH="228600" progId="Equation.DSMT4">
+                <p:oleObj spid="_x0000_s3178" name="Equation" r:id="rId9" imgW="228600" imgH="228600" progId="Equation.DSMT4">
                   <p:embed/>
                 </p:oleObj>
               </mc:Choice>
@@ -5724,7 +5724,7 @@
           <a:graphicData uri="http://schemas.openxmlformats.org/presentationml/2006/ole">
             <mc:AlternateContent xmlns:mc="http://schemas.openxmlformats.org/markup-compatibility/2006">
               <mc:Choice xmlns:v="urn:schemas-microsoft-com:vml" Requires="v">
-                <p:oleObj spid="_x0000_s3169" name="Equation" r:id="rId11" imgW="228600" imgH="228600" progId="Equation.DSMT4">
+                <p:oleObj spid="_x0000_s3179" name="Equation" r:id="rId11" imgW="228600" imgH="228600" progId="Equation.DSMT4">
                   <p:embed/>
                 </p:oleObj>
               </mc:Choice>

--- a/ranking/doc/figures/model.pptx
+++ b/ranking/doc/figures/model.pptx
@@ -248,7 +248,7 @@
           <a:p>
             <a:fld id="{A664AB76-67E9-4026-A148-F7D6834C8ED3}" type="datetimeFigureOut">
               <a:rPr lang="en-US" smtClean="0"/>
-              <a:t>2/8/15</a:t>
+              <a:t>2/18/15</a:t>
             </a:fld>
             <a:endParaRPr lang="en-US"/>
           </a:p>
@@ -418,7 +418,7 @@
           <a:p>
             <a:fld id="{A664AB76-67E9-4026-A148-F7D6834C8ED3}" type="datetimeFigureOut">
               <a:rPr lang="en-US" smtClean="0"/>
-              <a:t>2/8/15</a:t>
+              <a:t>2/18/15</a:t>
             </a:fld>
             <a:endParaRPr lang="en-US"/>
           </a:p>
@@ -598,7 +598,7 @@
           <a:p>
             <a:fld id="{A664AB76-67E9-4026-A148-F7D6834C8ED3}" type="datetimeFigureOut">
               <a:rPr lang="en-US" smtClean="0"/>
-              <a:t>2/8/15</a:t>
+              <a:t>2/18/15</a:t>
             </a:fld>
             <a:endParaRPr lang="en-US"/>
           </a:p>
@@ -768,7 +768,7 @@
           <a:p>
             <a:fld id="{A664AB76-67E9-4026-A148-F7D6834C8ED3}" type="datetimeFigureOut">
               <a:rPr lang="en-US" smtClean="0"/>
-              <a:t>2/8/15</a:t>
+              <a:t>2/18/15</a:t>
             </a:fld>
             <a:endParaRPr lang="en-US"/>
           </a:p>
@@ -1014,7 +1014,7 @@
           <a:p>
             <a:fld id="{A664AB76-67E9-4026-A148-F7D6834C8ED3}" type="datetimeFigureOut">
               <a:rPr lang="en-US" smtClean="0"/>
-              <a:t>2/8/15</a:t>
+              <a:t>2/18/15</a:t>
             </a:fld>
             <a:endParaRPr lang="en-US"/>
           </a:p>
@@ -1246,7 +1246,7 @@
           <a:p>
             <a:fld id="{A664AB76-67E9-4026-A148-F7D6834C8ED3}" type="datetimeFigureOut">
               <a:rPr lang="en-US" smtClean="0"/>
-              <a:t>2/8/15</a:t>
+              <a:t>2/18/15</a:t>
             </a:fld>
             <a:endParaRPr lang="en-US"/>
           </a:p>
@@ -1613,7 +1613,7 @@
           <a:p>
             <a:fld id="{A664AB76-67E9-4026-A148-F7D6834C8ED3}" type="datetimeFigureOut">
               <a:rPr lang="en-US" smtClean="0"/>
-              <a:t>2/8/15</a:t>
+              <a:t>2/18/15</a:t>
             </a:fld>
             <a:endParaRPr lang="en-US"/>
           </a:p>
@@ -1731,7 +1731,7 @@
           <a:p>
             <a:fld id="{A664AB76-67E9-4026-A148-F7D6834C8ED3}" type="datetimeFigureOut">
               <a:rPr lang="en-US" smtClean="0"/>
-              <a:t>2/8/15</a:t>
+              <a:t>2/18/15</a:t>
             </a:fld>
             <a:endParaRPr lang="en-US"/>
           </a:p>
@@ -1826,7 +1826,7 @@
           <a:p>
             <a:fld id="{A664AB76-67E9-4026-A148-F7D6834C8ED3}" type="datetimeFigureOut">
               <a:rPr lang="en-US" smtClean="0"/>
-              <a:t>2/8/15</a:t>
+              <a:t>2/18/15</a:t>
             </a:fld>
             <a:endParaRPr lang="en-US"/>
           </a:p>
@@ -2103,7 +2103,7 @@
           <a:p>
             <a:fld id="{A664AB76-67E9-4026-A148-F7D6834C8ED3}" type="datetimeFigureOut">
               <a:rPr lang="en-US" smtClean="0"/>
-              <a:t>2/8/15</a:t>
+              <a:t>2/18/15</a:t>
             </a:fld>
             <a:endParaRPr lang="en-US"/>
           </a:p>
@@ -2356,7 +2356,7 @@
           <a:p>
             <a:fld id="{A664AB76-67E9-4026-A148-F7D6834C8ED3}" type="datetimeFigureOut">
               <a:rPr lang="en-US" smtClean="0"/>
-              <a:t>2/8/15</a:t>
+              <a:t>2/18/15</a:t>
             </a:fld>
             <a:endParaRPr lang="en-US"/>
           </a:p>
@@ -2569,7 +2569,7 @@
           <a:p>
             <a:fld id="{A664AB76-67E9-4026-A148-F7D6834C8ED3}" type="datetimeFigureOut">
               <a:rPr lang="en-US" smtClean="0"/>
-              <a:t>2/8/15</a:t>
+              <a:t>2/18/15</a:t>
             </a:fld>
             <a:endParaRPr lang="en-US"/>
           </a:p>
@@ -3456,7 +3456,7 @@
           <a:graphicData uri="http://schemas.openxmlformats.org/presentationml/2006/ole">
             <mc:AlternateContent xmlns:mc="http://schemas.openxmlformats.org/markup-compatibility/2006">
               <mc:Choice xmlns:v="urn:schemas-microsoft-com:vml" Requires="v">
-                <p:oleObj spid="_x0000_s1170" name="Equation" r:id="rId3" imgW="215640" imgH="228600" progId="Equation.DSMT4">
+                <p:oleObj spid="_x0000_s1176" name="Equation" r:id="rId3" imgW="215640" imgH="228600" progId="Equation.DSMT4">
                   <p:embed/>
                 </p:oleObj>
               </mc:Choice>
@@ -3521,7 +3521,7 @@
           <a:graphicData uri="http://schemas.openxmlformats.org/presentationml/2006/ole">
             <mc:AlternateContent xmlns:mc="http://schemas.openxmlformats.org/markup-compatibility/2006">
               <mc:Choice xmlns:v="urn:schemas-microsoft-com:vml" Requires="v">
-                <p:oleObj spid="_x0000_s1171" name="Equation" r:id="rId5" imgW="228600" imgH="228600" progId="Equation.DSMT4">
+                <p:oleObj spid="_x0000_s1177" name="Equation" r:id="rId5" imgW="228600" imgH="228600" progId="Equation.DSMT4">
                   <p:embed/>
                 </p:oleObj>
               </mc:Choice>
@@ -3586,7 +3586,7 @@
           <a:graphicData uri="http://schemas.openxmlformats.org/presentationml/2006/ole">
             <mc:AlternateContent xmlns:mc="http://schemas.openxmlformats.org/markup-compatibility/2006">
               <mc:Choice xmlns:v="urn:schemas-microsoft-com:vml" Requires="v">
-                <p:oleObj spid="_x0000_s1172" name="Equation" r:id="rId7" imgW="215640" imgH="228600" progId="Equation.DSMT4">
+                <p:oleObj spid="_x0000_s1178" name="Equation" r:id="rId7" imgW="215640" imgH="228600" progId="Equation.DSMT4">
                   <p:embed/>
                 </p:oleObj>
               </mc:Choice>
@@ -3651,7 +3651,7 @@
           <a:graphicData uri="http://schemas.openxmlformats.org/presentationml/2006/ole">
             <mc:AlternateContent xmlns:mc="http://schemas.openxmlformats.org/markup-compatibility/2006">
               <mc:Choice xmlns:v="urn:schemas-microsoft-com:vml" Requires="v">
-                <p:oleObj spid="_x0000_s1173" name="Equation" r:id="rId9" imgW="228600" imgH="228600" progId="Equation.DSMT4">
+                <p:oleObj spid="_x0000_s1179" name="Equation" r:id="rId9" imgW="228600" imgH="228600" progId="Equation.DSMT4">
                   <p:embed/>
                 </p:oleObj>
               </mc:Choice>
@@ -3716,7 +3716,7 @@
           <a:graphicData uri="http://schemas.openxmlformats.org/presentationml/2006/ole">
             <mc:AlternateContent xmlns:mc="http://schemas.openxmlformats.org/markup-compatibility/2006">
               <mc:Choice xmlns:v="urn:schemas-microsoft-com:vml" Requires="v">
-                <p:oleObj spid="_x0000_s1174" name="Equation" r:id="rId11" imgW="228600" imgH="228600" progId="Equation.DSMT4">
+                <p:oleObj spid="_x0000_s1180" name="Equation" r:id="rId11" imgW="228600" imgH="228600" progId="Equation.DSMT4">
                   <p:embed/>
                 </p:oleObj>
               </mc:Choice>
@@ -3853,9 +3853,139 @@
           </a:p>
         </p:txBody>
       </p:sp>
+      <p:sp>
+        <p:nvSpPr>
+          <p:cNvPr id="8" name="TextBox 7"/>
+          <p:cNvSpPr txBox="1"/>
+          <p:nvPr/>
+        </p:nvSpPr>
+        <p:spPr>
+          <a:xfrm>
+            <a:off x="4679952" y="254000"/>
+            <a:ext cx="7004048" cy="2308324"/>
+          </a:xfrm>
+          <a:prstGeom prst="rect">
+            <a:avLst/>
+          </a:prstGeom>
+          <a:noFill/>
+        </p:spPr>
+        <p:txBody>
+          <a:bodyPr wrap="square" rtlCol="0">
+            <a:spAutoFit/>
+          </a:bodyPr>
+          <a:lstStyle/>
+          <a:p>
+            <a:r>
+              <a:rPr lang="en-US" sz="4800" dirty="0" smtClean="0">
+                <a:sym typeface="Wingdings"/>
+              </a:rPr>
+              <a:t>Label positive reviews on the movie “The Imitation Game”</a:t>
+            </a:r>
+          </a:p>
+        </p:txBody>
+      </p:sp>
+      <p:sp>
+        <p:nvSpPr>
+          <p:cNvPr id="10" name="TextBox 9"/>
+          <p:cNvSpPr txBox="1"/>
+          <p:nvPr/>
+        </p:nvSpPr>
+        <p:spPr>
+          <a:xfrm>
+            <a:off x="4581176" y="2666008"/>
+            <a:ext cx="6919380" cy="2308324"/>
+          </a:xfrm>
+          <a:prstGeom prst="rect">
+            <a:avLst/>
+          </a:prstGeom>
+          <a:noFill/>
+        </p:spPr>
+        <p:txBody>
+          <a:bodyPr wrap="square" rtlCol="0">
+            <a:spAutoFit/>
+          </a:bodyPr>
+          <a:lstStyle/>
+          <a:p>
+            <a:r>
+              <a:rPr lang="en-US" sz="4800" dirty="0">
+                <a:solidFill>
+                  <a:srgbClr val="44546A"/>
+                </a:solidFill>
+                <a:latin typeface="Wingdings"/>
+                <a:ea typeface="Wingdings"/>
+                <a:cs typeface="Wingdings"/>
+                <a:sym typeface="Wingdings"/>
+              </a:rPr>
+              <a:t></a:t>
+            </a:r>
+            <a:r>
+              <a:rPr lang="en-US" sz="4800" dirty="0" smtClean="0">
+                <a:solidFill>
+                  <a:srgbClr val="44546A"/>
+                </a:solidFill>
+                <a:latin typeface="Wingdings"/>
+                <a:ea typeface="Wingdings"/>
+                <a:cs typeface="Wingdings"/>
+                <a:sym typeface="Wingdings"/>
+              </a:rPr>
+              <a:t> </a:t>
+            </a:r>
+            <a:r>
+              <a:rPr lang="en-US" sz="4800" dirty="0">
+                <a:solidFill>
+                  <a:srgbClr val="44546A"/>
+                </a:solidFill>
+                <a:sym typeface="Wingdings"/>
+              </a:rPr>
+              <a:t>Stack of Lies</a:t>
+            </a:r>
+            <a:endParaRPr lang="en-US" sz="4800" dirty="0">
+              <a:solidFill>
+                <a:srgbClr val="44546A"/>
+              </a:solidFill>
+              <a:latin typeface="Wingdings"/>
+              <a:ea typeface="Wingdings"/>
+              <a:cs typeface="Wingdings"/>
+              <a:sym typeface="Wingdings"/>
+            </a:endParaRPr>
+          </a:p>
+          <a:p>
+            <a:r>
+              <a:rPr lang="en-US" sz="4800" dirty="0" smtClean="0">
+                <a:solidFill>
+                  <a:srgbClr val="44546A"/>
+                </a:solidFill>
+                <a:latin typeface="Wingdings"/>
+                <a:ea typeface="Wingdings"/>
+                <a:cs typeface="Wingdings"/>
+                <a:sym typeface="Wingdings"/>
+              </a:rPr>
+              <a:t> </a:t>
+            </a:r>
+            <a:r>
+              <a:rPr lang="en-US" sz="4800" dirty="0">
+                <a:solidFill>
+                  <a:srgbClr val="44546A"/>
+                </a:solidFill>
+                <a:sym typeface="Wingdings"/>
+              </a:rPr>
+              <a:t>Average In The Extreme</a:t>
+            </a:r>
+            <a:endParaRPr lang="en-US" sz="4800" dirty="0">
+              <a:solidFill>
+                <a:srgbClr val="44546A"/>
+              </a:solidFill>
+              <a:latin typeface="Wingdings"/>
+              <a:ea typeface="Wingdings"/>
+              <a:cs typeface="Wingdings"/>
+              <a:sym typeface="Wingdings"/>
+            </a:endParaRPr>
+          </a:p>
+        </p:txBody>
+      </p:sp>
       <p:pic>
         <p:nvPicPr>
-          <p:cNvPr id="5" name="Picture 4"/>
+          <p:cNvPr id="6" name="Picture 5"/>
           <p:cNvPicPr>
             <a:picLocks noChangeAspect="1"/>
           </p:cNvPicPr>
@@ -3869,144 +3999,14 @@
         </p:blipFill>
         <p:spPr>
           <a:xfrm>
-            <a:off x="192222" y="169332"/>
-            <a:ext cx="4266887" cy="6406445"/>
+            <a:off x="352777" y="541239"/>
+            <a:ext cx="3908778" cy="5776305"/>
           </a:xfrm>
           <a:prstGeom prst="rect">
             <a:avLst/>
           </a:prstGeom>
         </p:spPr>
       </p:pic>
-      <p:sp>
-        <p:nvSpPr>
-          <p:cNvPr id="8" name="TextBox 7"/>
-          <p:cNvSpPr txBox="1"/>
-          <p:nvPr/>
-        </p:nvSpPr>
-        <p:spPr>
-          <a:xfrm>
-            <a:off x="4679952" y="254000"/>
-            <a:ext cx="7004048" cy="2308324"/>
-          </a:xfrm>
-          <a:prstGeom prst="rect">
-            <a:avLst/>
-          </a:prstGeom>
-          <a:noFill/>
-        </p:spPr>
-        <p:txBody>
-          <a:bodyPr wrap="square" rtlCol="0">
-            <a:spAutoFit/>
-          </a:bodyPr>
-          <a:lstStyle/>
-          <a:p>
-            <a:r>
-              <a:rPr lang="en-US" sz="4800" dirty="0" smtClean="0">
-                <a:sym typeface="Wingdings"/>
-              </a:rPr>
-              <a:t>Label positive reviews on the movie “The Imitation Game”</a:t>
-            </a:r>
-          </a:p>
-        </p:txBody>
-      </p:sp>
-      <p:sp>
-        <p:nvSpPr>
-          <p:cNvPr id="10" name="TextBox 9"/>
-          <p:cNvSpPr txBox="1"/>
-          <p:nvPr/>
-        </p:nvSpPr>
-        <p:spPr>
-          <a:xfrm>
-            <a:off x="4581176" y="2666008"/>
-            <a:ext cx="6919380" cy="2308324"/>
-          </a:xfrm>
-          <a:prstGeom prst="rect">
-            <a:avLst/>
-          </a:prstGeom>
-          <a:noFill/>
-        </p:spPr>
-        <p:txBody>
-          <a:bodyPr wrap="square" rtlCol="0">
-            <a:spAutoFit/>
-          </a:bodyPr>
-          <a:lstStyle/>
-          <a:p>
-            <a:r>
-              <a:rPr lang="en-US" sz="4800" dirty="0">
-                <a:solidFill>
-                  <a:srgbClr val="44546A"/>
-                </a:solidFill>
-                <a:latin typeface="Wingdings"/>
-                <a:ea typeface="Wingdings"/>
-                <a:cs typeface="Wingdings"/>
-                <a:sym typeface="Wingdings"/>
-              </a:rPr>
-              <a:t></a:t>
-            </a:r>
-            <a:r>
-              <a:rPr lang="en-US" sz="4800" dirty="0" smtClean="0">
-                <a:solidFill>
-                  <a:srgbClr val="44546A"/>
-                </a:solidFill>
-                <a:latin typeface="Wingdings"/>
-                <a:ea typeface="Wingdings"/>
-                <a:cs typeface="Wingdings"/>
-                <a:sym typeface="Wingdings"/>
-              </a:rPr>
-              <a:t> </a:t>
-            </a:r>
-            <a:r>
-              <a:rPr lang="en-US" sz="4800" dirty="0">
-                <a:solidFill>
-                  <a:srgbClr val="44546A"/>
-                </a:solidFill>
-                <a:sym typeface="Wingdings"/>
-              </a:rPr>
-              <a:t>Stack of Lies</a:t>
-            </a:r>
-            <a:endParaRPr lang="en-US" sz="4800" dirty="0">
-              <a:solidFill>
-                <a:srgbClr val="44546A"/>
-              </a:solidFill>
-              <a:latin typeface="Wingdings"/>
-              <a:ea typeface="Wingdings"/>
-              <a:cs typeface="Wingdings"/>
-              <a:sym typeface="Wingdings"/>
-            </a:endParaRPr>
-          </a:p>
-          <a:p>
-            <a:r>
-              <a:rPr lang="en-US" sz="4800" dirty="0" smtClean="0">
-                <a:solidFill>
-                  <a:srgbClr val="44546A"/>
-                </a:solidFill>
-                <a:latin typeface="Wingdings"/>
-                <a:ea typeface="Wingdings"/>
-                <a:cs typeface="Wingdings"/>
-                <a:sym typeface="Wingdings"/>
-              </a:rPr>
-              <a:t> </a:t>
-            </a:r>
-            <a:r>
-              <a:rPr lang="en-US" sz="4800" dirty="0">
-                <a:solidFill>
-                  <a:srgbClr val="44546A"/>
-                </a:solidFill>
-                <a:sym typeface="Wingdings"/>
-              </a:rPr>
-              <a:t>Average In The Extreme</a:t>
-            </a:r>
-            <a:endParaRPr lang="en-US" sz="4800" dirty="0">
-              <a:solidFill>
-                <a:srgbClr val="44546A"/>
-              </a:solidFill>
-              <a:latin typeface="Wingdings"/>
-              <a:ea typeface="Wingdings"/>
-              <a:cs typeface="Wingdings"/>
-              <a:sym typeface="Wingdings"/>
-            </a:endParaRPr>
-          </a:p>
-        </p:txBody>
-      </p:sp>
     </p:spTree>
     <p:extLst>
       <p:ext uri="{BB962C8B-B14F-4D97-AF65-F5344CB8AC3E}">
@@ -4101,9 +4101,148 @@
           </a:p>
         </p:txBody>
       </p:sp>
+      <p:sp>
+        <p:nvSpPr>
+          <p:cNvPr id="8" name="TextBox 7"/>
+          <p:cNvSpPr txBox="1"/>
+          <p:nvPr/>
+        </p:nvSpPr>
+        <p:spPr>
+          <a:xfrm>
+            <a:off x="4679952" y="254000"/>
+            <a:ext cx="7004048" cy="2308324"/>
+          </a:xfrm>
+          <a:prstGeom prst="rect">
+            <a:avLst/>
+          </a:prstGeom>
+          <a:noFill/>
+        </p:spPr>
+        <p:txBody>
+          <a:bodyPr wrap="square" rtlCol="0">
+            <a:spAutoFit/>
+          </a:bodyPr>
+          <a:lstStyle/>
+          <a:p>
+            <a:r>
+              <a:rPr lang="en-US" sz="4800" dirty="0" smtClean="0">
+                <a:sym typeface="Wingdings"/>
+              </a:rPr>
+              <a:t>Label positive reviews on the movie “The Imitation Game”</a:t>
+            </a:r>
+          </a:p>
+        </p:txBody>
+      </p:sp>
+      <p:sp>
+        <p:nvSpPr>
+          <p:cNvPr id="10" name="TextBox 9"/>
+          <p:cNvSpPr txBox="1"/>
+          <p:nvPr/>
+        </p:nvSpPr>
+        <p:spPr>
+          <a:xfrm>
+            <a:off x="4581176" y="2666008"/>
+            <a:ext cx="6919380" cy="3046988"/>
+          </a:xfrm>
+          <a:prstGeom prst="rect">
+            <a:avLst/>
+          </a:prstGeom>
+          <a:noFill/>
+        </p:spPr>
+        <p:txBody>
+          <a:bodyPr wrap="square" rtlCol="0">
+            <a:spAutoFit/>
+          </a:bodyPr>
+          <a:lstStyle/>
+          <a:p>
+            <a:r>
+              <a:rPr lang="en-US" sz="4800" dirty="0">
+                <a:solidFill>
+                  <a:srgbClr val="44546A"/>
+                </a:solidFill>
+                <a:latin typeface="Wingdings"/>
+                <a:ea typeface="Wingdings"/>
+                <a:cs typeface="Wingdings"/>
+                <a:sym typeface="Wingdings"/>
+              </a:rPr>
+              <a:t></a:t>
+            </a:r>
+            <a:r>
+              <a:rPr lang="en-US" sz="4800" dirty="0" smtClean="0">
+                <a:solidFill>
+                  <a:srgbClr val="44546A"/>
+                </a:solidFill>
+                <a:latin typeface="Wingdings"/>
+                <a:ea typeface="Wingdings"/>
+                <a:cs typeface="Wingdings"/>
+                <a:sym typeface="Wingdings"/>
+              </a:rPr>
+              <a:t> </a:t>
+            </a:r>
+            <a:r>
+              <a:rPr lang="en-US" sz="4800" dirty="0">
+                <a:solidFill>
+                  <a:srgbClr val="44546A"/>
+                </a:solidFill>
+                <a:sym typeface="Wingdings"/>
+              </a:rPr>
+              <a:t>Good enough but historically </a:t>
+            </a:r>
+            <a:r>
+              <a:rPr lang="en-US" sz="4800" dirty="0" smtClean="0">
+                <a:solidFill>
+                  <a:srgbClr val="44546A"/>
+                </a:solidFill>
+                <a:sym typeface="Wingdings"/>
+              </a:rPr>
+              <a:t>sketchy</a:t>
+            </a:r>
+            <a:endParaRPr lang="en-US" sz="4800" dirty="0" smtClean="0">
+              <a:solidFill>
+                <a:srgbClr val="44546A"/>
+              </a:solidFill>
+              <a:latin typeface="Wingdings"/>
+              <a:ea typeface="Wingdings"/>
+              <a:cs typeface="Wingdings"/>
+              <a:sym typeface="Wingdings"/>
+            </a:endParaRPr>
+          </a:p>
+          <a:p>
+            <a:r>
+              <a:rPr lang="en-US" sz="4800" dirty="0" smtClean="0">
+                <a:solidFill>
+                  <a:srgbClr val="44546A"/>
+                </a:solidFill>
+                <a:latin typeface="Wingdings"/>
+                <a:ea typeface="Wingdings"/>
+                <a:cs typeface="Wingdings"/>
+                <a:sym typeface="Wingdings"/>
+              </a:rPr>
+              <a:t> </a:t>
+            </a:r>
+            <a:r>
+              <a:rPr lang="en-US" sz="4800" dirty="0" smtClean="0">
+                <a:solidFill>
+                  <a:srgbClr val="44546A"/>
+                </a:solidFill>
+                <a:sym typeface="Wingdings"/>
+              </a:rPr>
+              <a:t>Great movie, worth a watch</a:t>
+            </a:r>
+            <a:endParaRPr lang="en-US" sz="4800" dirty="0">
+              <a:solidFill>
+                <a:srgbClr val="44546A"/>
+              </a:solidFill>
+              <a:latin typeface="Wingdings"/>
+              <a:ea typeface="Wingdings"/>
+              <a:cs typeface="Wingdings"/>
+              <a:sym typeface="Wingdings"/>
+            </a:endParaRPr>
+          </a:p>
+        </p:txBody>
+      </p:sp>
       <p:pic>
         <p:nvPicPr>
-          <p:cNvPr id="5" name="Picture 4"/>
+          <p:cNvPr id="6" name="Picture 5"/>
           <p:cNvPicPr>
             <a:picLocks noChangeAspect="1"/>
           </p:cNvPicPr>
@@ -4117,153 +4256,14 @@
         </p:blipFill>
         <p:spPr>
           <a:xfrm>
-            <a:off x="192222" y="169332"/>
-            <a:ext cx="4266887" cy="6406445"/>
+            <a:off x="352777" y="541239"/>
+            <a:ext cx="3908778" cy="5776305"/>
           </a:xfrm>
           <a:prstGeom prst="rect">
             <a:avLst/>
           </a:prstGeom>
         </p:spPr>
       </p:pic>
-      <p:sp>
-        <p:nvSpPr>
-          <p:cNvPr id="8" name="TextBox 7"/>
-          <p:cNvSpPr txBox="1"/>
-          <p:nvPr/>
-        </p:nvSpPr>
-        <p:spPr>
-          <a:xfrm>
-            <a:off x="4679952" y="254000"/>
-            <a:ext cx="7004048" cy="2308324"/>
-          </a:xfrm>
-          <a:prstGeom prst="rect">
-            <a:avLst/>
-          </a:prstGeom>
-          <a:noFill/>
-        </p:spPr>
-        <p:txBody>
-          <a:bodyPr wrap="square" rtlCol="0">
-            <a:spAutoFit/>
-          </a:bodyPr>
-          <a:lstStyle/>
-          <a:p>
-            <a:r>
-              <a:rPr lang="en-US" sz="4800" dirty="0" smtClean="0">
-                <a:sym typeface="Wingdings"/>
-              </a:rPr>
-              <a:t>Label positive reviews on the movie “The Imitation Game”</a:t>
-            </a:r>
-          </a:p>
-        </p:txBody>
-      </p:sp>
-      <p:sp>
-        <p:nvSpPr>
-          <p:cNvPr id="10" name="TextBox 9"/>
-          <p:cNvSpPr txBox="1"/>
-          <p:nvPr/>
-        </p:nvSpPr>
-        <p:spPr>
-          <a:xfrm>
-            <a:off x="4581176" y="2666008"/>
-            <a:ext cx="6919380" cy="3046988"/>
-          </a:xfrm>
-          <a:prstGeom prst="rect">
-            <a:avLst/>
-          </a:prstGeom>
-          <a:noFill/>
-        </p:spPr>
-        <p:txBody>
-          <a:bodyPr wrap="square" rtlCol="0">
-            <a:spAutoFit/>
-          </a:bodyPr>
-          <a:lstStyle/>
-          <a:p>
-            <a:r>
-              <a:rPr lang="en-US" sz="4800" dirty="0">
-                <a:solidFill>
-                  <a:srgbClr val="44546A"/>
-                </a:solidFill>
-                <a:latin typeface="Wingdings"/>
-                <a:ea typeface="Wingdings"/>
-                <a:cs typeface="Wingdings"/>
-                <a:sym typeface="Wingdings"/>
-              </a:rPr>
-              <a:t></a:t>
-            </a:r>
-            <a:r>
-              <a:rPr lang="en-US" sz="4800" dirty="0" smtClean="0">
-                <a:solidFill>
-                  <a:srgbClr val="44546A"/>
-                </a:solidFill>
-                <a:latin typeface="Wingdings"/>
-                <a:ea typeface="Wingdings"/>
-                <a:cs typeface="Wingdings"/>
-                <a:sym typeface="Wingdings"/>
-              </a:rPr>
-              <a:t> </a:t>
-            </a:r>
-            <a:r>
-              <a:rPr lang="en-US" sz="4800" dirty="0">
-                <a:solidFill>
-                  <a:srgbClr val="44546A"/>
-                </a:solidFill>
-                <a:sym typeface="Wingdings"/>
-              </a:rPr>
-              <a:t>Good enough but historically </a:t>
-            </a:r>
-            <a:r>
-              <a:rPr lang="en-US" sz="4800" dirty="0" smtClean="0">
-                <a:solidFill>
-                  <a:srgbClr val="44546A"/>
-                </a:solidFill>
-                <a:sym typeface="Wingdings"/>
-              </a:rPr>
-              <a:t>sketchy</a:t>
-            </a:r>
-            <a:endParaRPr lang="en-US" sz="4800" dirty="0" smtClean="0">
-              <a:solidFill>
-                <a:srgbClr val="44546A"/>
-              </a:solidFill>
-              <a:latin typeface="Wingdings"/>
-              <a:ea typeface="Wingdings"/>
-              <a:cs typeface="Wingdings"/>
-              <a:sym typeface="Wingdings"/>
-            </a:endParaRPr>
-          </a:p>
-          <a:p>
-            <a:r>
-              <a:rPr lang="en-US" sz="4800" dirty="0" smtClean="0">
-                <a:solidFill>
-                  <a:srgbClr val="44546A"/>
-                </a:solidFill>
-                <a:latin typeface="Wingdings"/>
-                <a:ea typeface="Wingdings"/>
-                <a:cs typeface="Wingdings"/>
-                <a:sym typeface="Wingdings"/>
-              </a:rPr>
-              <a:t> </a:t>
-            </a:r>
-            <a:r>
-              <a:rPr lang="en-US" sz="4800" dirty="0" smtClean="0">
-                <a:solidFill>
-                  <a:srgbClr val="44546A"/>
-                </a:solidFill>
-                <a:sym typeface="Wingdings"/>
-              </a:rPr>
-              <a:t>Great movie, worth a watch</a:t>
-            </a:r>
-            <a:endParaRPr lang="en-US" sz="4800" dirty="0">
-              <a:solidFill>
-                <a:srgbClr val="44546A"/>
-              </a:solidFill>
-              <a:latin typeface="Wingdings"/>
-              <a:ea typeface="Wingdings"/>
-              <a:cs typeface="Wingdings"/>
-              <a:sym typeface="Wingdings"/>
-            </a:endParaRPr>
-          </a:p>
-        </p:txBody>
-      </p:sp>
     </p:spTree>
     <p:extLst>
       <p:ext uri="{BB962C8B-B14F-4D97-AF65-F5344CB8AC3E}">
@@ -4497,7 +4497,7 @@
           <a:graphicData uri="http://schemas.openxmlformats.org/presentationml/2006/ole">
             <mc:AlternateContent xmlns:mc="http://schemas.openxmlformats.org/markup-compatibility/2006">
               <mc:Choice xmlns:v="urn:schemas-microsoft-com:vml" Requires="v">
-                <p:oleObj spid="_x0000_s2161" name="Equation" r:id="rId3" imgW="215640" imgH="228600" progId="Equation.DSMT4">
+                <p:oleObj spid="_x0000_s2167" name="Equation" r:id="rId3" imgW="215640" imgH="228600" progId="Equation.DSMT4">
                   <p:embed/>
                 </p:oleObj>
               </mc:Choice>
@@ -4562,7 +4562,7 @@
           <a:graphicData uri="http://schemas.openxmlformats.org/presentationml/2006/ole">
             <mc:AlternateContent xmlns:mc="http://schemas.openxmlformats.org/markup-compatibility/2006">
               <mc:Choice xmlns:v="urn:schemas-microsoft-com:vml" Requires="v">
-                <p:oleObj spid="_x0000_s2162" name="Equation" r:id="rId5" imgW="228600" imgH="228600" progId="Equation.DSMT4">
+                <p:oleObj spid="_x0000_s2168" name="Equation" r:id="rId5" imgW="228600" imgH="228600" progId="Equation.DSMT4">
                   <p:embed/>
                 </p:oleObj>
               </mc:Choice>
@@ -4846,7 +4846,7 @@
           <a:graphicData uri="http://schemas.openxmlformats.org/presentationml/2006/ole">
             <mc:AlternateContent xmlns:mc="http://schemas.openxmlformats.org/markup-compatibility/2006">
               <mc:Choice xmlns:v="urn:schemas-microsoft-com:vml" Requires="v">
-                <p:oleObj spid="_x0000_s2163" name="Equation" r:id="rId7" imgW="215640" imgH="228600" progId="Equation.DSMT4">
+                <p:oleObj spid="_x0000_s2169" name="Equation" r:id="rId7" imgW="215640" imgH="228600" progId="Equation.DSMT4">
                   <p:embed/>
                 </p:oleObj>
               </mc:Choice>
@@ -4911,7 +4911,7 @@
           <a:graphicData uri="http://schemas.openxmlformats.org/presentationml/2006/ole">
             <mc:AlternateContent xmlns:mc="http://schemas.openxmlformats.org/markup-compatibility/2006">
               <mc:Choice xmlns:v="urn:schemas-microsoft-com:vml" Requires="v">
-                <p:oleObj spid="_x0000_s2164" name="Equation" r:id="rId9" imgW="228600" imgH="228600" progId="Equation.DSMT4">
+                <p:oleObj spid="_x0000_s2170" name="Equation" r:id="rId9" imgW="228600" imgH="228600" progId="Equation.DSMT4">
                   <p:embed/>
                 </p:oleObj>
               </mc:Choice>
@@ -4976,7 +4976,7 @@
           <a:graphicData uri="http://schemas.openxmlformats.org/presentationml/2006/ole">
             <mc:AlternateContent xmlns:mc="http://schemas.openxmlformats.org/markup-compatibility/2006">
               <mc:Choice xmlns:v="urn:schemas-microsoft-com:vml" Requires="v">
-                <p:oleObj spid="_x0000_s2165" name="Equation" r:id="rId11" imgW="228600" imgH="228600" progId="Equation.DSMT4">
+                <p:oleObj spid="_x0000_s2171" name="Equation" r:id="rId11" imgW="228600" imgH="228600" progId="Equation.DSMT4">
                   <p:embed/>
                 </p:oleObj>
               </mc:Choice>
@@ -5329,7 +5329,7 @@
           <a:graphicData uri="http://schemas.openxmlformats.org/presentationml/2006/ole">
             <mc:AlternateContent xmlns:mc="http://schemas.openxmlformats.org/markup-compatibility/2006">
               <mc:Choice xmlns:v="urn:schemas-microsoft-com:vml" Requires="v">
-                <p:oleObj spid="_x0000_s3175" name="Equation" r:id="rId3" imgW="215640" imgH="228600" progId="Equation.DSMT4">
+                <p:oleObj spid="_x0000_s3181" name="Equation" r:id="rId3" imgW="215640" imgH="228600" progId="Equation.DSMT4">
                   <p:embed/>
                 </p:oleObj>
               </mc:Choice>
@@ -5394,7 +5394,7 @@
           <a:graphicData uri="http://schemas.openxmlformats.org/presentationml/2006/ole">
             <mc:AlternateContent xmlns:mc="http://schemas.openxmlformats.org/markup-compatibility/2006">
               <mc:Choice xmlns:v="urn:schemas-microsoft-com:vml" Requires="v">
-                <p:oleObj spid="_x0000_s3176" name="Equation" r:id="rId5" imgW="228600" imgH="228600" progId="Equation.DSMT4">
+                <p:oleObj spid="_x0000_s3182" name="Equation" r:id="rId5" imgW="228600" imgH="228600" progId="Equation.DSMT4">
                   <p:embed/>
                 </p:oleObj>
               </mc:Choice>
@@ -5594,7 +5594,7 @@
           <a:graphicData uri="http://schemas.openxmlformats.org/presentationml/2006/ole">
             <mc:AlternateContent xmlns:mc="http://schemas.openxmlformats.org/markup-compatibility/2006">
               <mc:Choice xmlns:v="urn:schemas-microsoft-com:vml" Requires="v">
-                <p:oleObj spid="_x0000_s3177" name="Equation" r:id="rId7" imgW="215640" imgH="228600" progId="Equation.DSMT4">
+                <p:oleObj spid="_x0000_s3183" name="Equation" r:id="rId7" imgW="215640" imgH="228600" progId="Equation.DSMT4">
                   <p:embed/>
                 </p:oleObj>
               </mc:Choice>
@@ -5659,7 +5659,7 @@
           <a:graphicData uri="http://schemas.openxmlformats.org/presentationml/2006/ole">
             <mc:AlternateContent xmlns:mc="http://schemas.openxmlformats.org/markup-compatibility/2006">
               <mc:Choice xmlns:v="urn:schemas-microsoft-com:vml" Requires="v">
-                <p:oleObj spid="_x0000_s3178" name="Equation" r:id="rId9" imgW="228600" imgH="228600" progId="Equation.DSMT4">
+                <p:oleObj spid="_x0000_s3184" name="Equation" r:id="rId9" imgW="228600" imgH="228600" progId="Equation.DSMT4">
                   <p:embed/>
                 </p:oleObj>
               </mc:Choice>
@@ -5724,7 +5724,7 @@
           <a:graphicData uri="http://schemas.openxmlformats.org/presentationml/2006/ole">
             <mc:AlternateContent xmlns:mc="http://schemas.openxmlformats.org/markup-compatibility/2006">
               <mc:Choice xmlns:v="urn:schemas-microsoft-com:vml" Requires="v">
-                <p:oleObj spid="_x0000_s3179" name="Equation" r:id="rId11" imgW="228600" imgH="228600" progId="Equation.DSMT4">
+                <p:oleObj spid="_x0000_s3185" name="Equation" r:id="rId11" imgW="228600" imgH="228600" progId="Equation.DSMT4">
                   <p:embed/>
                 </p:oleObj>
               </mc:Choice>
@@ -6902,13 +6902,7 @@
               <a:rPr lang="en-US" sz="2400" dirty="0" smtClean="0">
                 <a:sym typeface="Wingdings"/>
               </a:rPr>
-              <a:t>Is the comment below relevant to the article</a:t>
-            </a:r>
-            <a:r>
-              <a:rPr lang="en-US" sz="2400" dirty="0" smtClean="0">
-                <a:sym typeface="Wingdings"/>
-              </a:rPr>
-              <a:t>?</a:t>
+              <a:t>Is the comment below relevant to the article?</a:t>
             </a:r>
           </a:p>
           <a:p>
@@ -7320,9 +7314,95 @@
           </a:p>
         </p:txBody>
       </p:sp>
+      <p:sp>
+        <p:nvSpPr>
+          <p:cNvPr id="8" name="TextBox 7"/>
+          <p:cNvSpPr txBox="1"/>
+          <p:nvPr/>
+        </p:nvSpPr>
+        <p:spPr>
+          <a:xfrm>
+            <a:off x="4679952" y="254000"/>
+            <a:ext cx="7004048" cy="2308324"/>
+          </a:xfrm>
+          <a:prstGeom prst="rect">
+            <a:avLst/>
+          </a:prstGeom>
+          <a:noFill/>
+        </p:spPr>
+        <p:txBody>
+          <a:bodyPr wrap="square" rtlCol="0">
+            <a:spAutoFit/>
+          </a:bodyPr>
+          <a:lstStyle/>
+          <a:p>
+            <a:r>
+              <a:rPr lang="en-US" sz="4800" dirty="0" smtClean="0">
+                <a:sym typeface="Wingdings"/>
+              </a:rPr>
+              <a:t>Label positive reviews on the movie “The Imitation Game”</a:t>
+            </a:r>
+          </a:p>
+        </p:txBody>
+      </p:sp>
+      <p:sp>
+        <p:nvSpPr>
+          <p:cNvPr id="10" name="TextBox 9"/>
+          <p:cNvSpPr txBox="1"/>
+          <p:nvPr/>
+        </p:nvSpPr>
+        <p:spPr>
+          <a:xfrm>
+            <a:off x="4581176" y="2666008"/>
+            <a:ext cx="6919380" cy="830997"/>
+          </a:xfrm>
+          <a:prstGeom prst="rect">
+            <a:avLst/>
+          </a:prstGeom>
+          <a:noFill/>
+        </p:spPr>
+        <p:txBody>
+          <a:bodyPr wrap="square" rtlCol="0">
+            <a:spAutoFit/>
+          </a:bodyPr>
+          <a:lstStyle/>
+          <a:p>
+            <a:r>
+              <a:rPr lang="en-US" sz="4800" dirty="0" smtClean="0">
+                <a:solidFill>
+                  <a:srgbClr val="FF0000"/>
+                </a:solidFill>
+                <a:latin typeface="Wingdings"/>
+                <a:ea typeface="Wingdings"/>
+                <a:cs typeface="Wingdings"/>
+                <a:sym typeface="Wingdings"/>
+              </a:rPr>
+              <a:t> </a:t>
+            </a:r>
+            <a:r>
+              <a:rPr lang="en-US" sz="4800" dirty="0" smtClean="0">
+                <a:solidFill>
+                  <a:srgbClr val="FF0000"/>
+                </a:solidFill>
+                <a:sym typeface="Wingdings"/>
+              </a:rPr>
+              <a:t>Stack of Lies</a:t>
+            </a:r>
+            <a:endParaRPr lang="en-US" sz="4800" dirty="0">
+              <a:solidFill>
+                <a:srgbClr val="FF0000"/>
+              </a:solidFill>
+              <a:latin typeface="Wingdings"/>
+              <a:ea typeface="Wingdings"/>
+              <a:cs typeface="Wingdings"/>
+              <a:sym typeface="Wingdings"/>
+            </a:endParaRPr>
+          </a:p>
+        </p:txBody>
+      </p:sp>
       <p:pic>
         <p:nvPicPr>
-          <p:cNvPr id="5" name="Picture 4"/>
+          <p:cNvPr id="2" name="Picture 1"/>
           <p:cNvPicPr>
             <a:picLocks noChangeAspect="1"/>
           </p:cNvPicPr>
@@ -7336,100 +7416,14 @@
         </p:blipFill>
         <p:spPr>
           <a:xfrm>
-            <a:off x="192222" y="169332"/>
-            <a:ext cx="4266887" cy="6406445"/>
+            <a:off x="352777" y="541239"/>
+            <a:ext cx="3908778" cy="5776305"/>
           </a:xfrm>
           <a:prstGeom prst="rect">
             <a:avLst/>
           </a:prstGeom>
         </p:spPr>
       </p:pic>
-      <p:sp>
-        <p:nvSpPr>
-          <p:cNvPr id="8" name="TextBox 7"/>
-          <p:cNvSpPr txBox="1"/>
-          <p:nvPr/>
-        </p:nvSpPr>
-        <p:spPr>
-          <a:xfrm>
-            <a:off x="4679952" y="254000"/>
-            <a:ext cx="7004048" cy="2308324"/>
-          </a:xfrm>
-          <a:prstGeom prst="rect">
-            <a:avLst/>
-          </a:prstGeom>
-          <a:noFill/>
-        </p:spPr>
-        <p:txBody>
-          <a:bodyPr wrap="square" rtlCol="0">
-            <a:spAutoFit/>
-          </a:bodyPr>
-          <a:lstStyle/>
-          <a:p>
-            <a:r>
-              <a:rPr lang="en-US" sz="4800" dirty="0" smtClean="0">
-                <a:sym typeface="Wingdings"/>
-              </a:rPr>
-              <a:t>Label positive reviews on the movie “The Imitation Game”</a:t>
-            </a:r>
-          </a:p>
-        </p:txBody>
-      </p:sp>
-      <p:sp>
-        <p:nvSpPr>
-          <p:cNvPr id="10" name="TextBox 9"/>
-          <p:cNvSpPr txBox="1"/>
-          <p:nvPr/>
-        </p:nvSpPr>
-        <p:spPr>
-          <a:xfrm>
-            <a:off x="4581176" y="2666008"/>
-            <a:ext cx="6919380" cy="830997"/>
-          </a:xfrm>
-          <a:prstGeom prst="rect">
-            <a:avLst/>
-          </a:prstGeom>
-          <a:noFill/>
-        </p:spPr>
-        <p:txBody>
-          <a:bodyPr wrap="square" rtlCol="0">
-            <a:spAutoFit/>
-          </a:bodyPr>
-          <a:lstStyle/>
-          <a:p>
-            <a:r>
-              <a:rPr lang="en-US" sz="4800" dirty="0" smtClean="0">
-                <a:solidFill>
-                  <a:srgbClr val="FF0000"/>
-                </a:solidFill>
-                <a:latin typeface="Wingdings"/>
-                <a:ea typeface="Wingdings"/>
-                <a:cs typeface="Wingdings"/>
-                <a:sym typeface="Wingdings"/>
-              </a:rPr>
-              <a:t> </a:t>
-            </a:r>
-            <a:r>
-              <a:rPr lang="en-US" sz="4800" dirty="0" smtClean="0">
-                <a:solidFill>
-                  <a:srgbClr val="FF0000"/>
-                </a:solidFill>
-                <a:sym typeface="Wingdings"/>
-              </a:rPr>
-              <a:t>Stack of Lies</a:t>
-            </a:r>
-            <a:endParaRPr lang="en-US" sz="4800" dirty="0">
-              <a:solidFill>
-                <a:srgbClr val="FF0000"/>
-              </a:solidFill>
-              <a:latin typeface="Wingdings"/>
-              <a:ea typeface="Wingdings"/>
-              <a:cs typeface="Wingdings"/>
-              <a:sym typeface="Wingdings"/>
-            </a:endParaRPr>
-          </a:p>
-        </p:txBody>
-      </p:sp>
     </p:spTree>
     <p:extLst>
       <p:ext uri="{BB962C8B-B14F-4D97-AF65-F5344CB8AC3E}">
@@ -7524,9 +7518,140 @@
           </a:p>
         </p:txBody>
       </p:sp>
+      <p:sp>
+        <p:nvSpPr>
+          <p:cNvPr id="8" name="TextBox 7"/>
+          <p:cNvSpPr txBox="1"/>
+          <p:nvPr/>
+        </p:nvSpPr>
+        <p:spPr>
+          <a:xfrm>
+            <a:off x="4679952" y="254000"/>
+            <a:ext cx="7004048" cy="2308324"/>
+          </a:xfrm>
+          <a:prstGeom prst="rect">
+            <a:avLst/>
+          </a:prstGeom>
+          <a:noFill/>
+        </p:spPr>
+        <p:txBody>
+          <a:bodyPr wrap="square" rtlCol="0">
+            <a:spAutoFit/>
+          </a:bodyPr>
+          <a:lstStyle/>
+          <a:p>
+            <a:r>
+              <a:rPr lang="en-US" sz="4800" dirty="0" smtClean="0">
+                <a:sym typeface="Wingdings"/>
+              </a:rPr>
+              <a:t>Label positive reviews on the movie “The Imitation Game”</a:t>
+            </a:r>
+          </a:p>
+        </p:txBody>
+      </p:sp>
+      <p:sp>
+        <p:nvSpPr>
+          <p:cNvPr id="10" name="TextBox 9"/>
+          <p:cNvSpPr txBox="1"/>
+          <p:nvPr/>
+        </p:nvSpPr>
+        <p:spPr>
+          <a:xfrm>
+            <a:off x="4581176" y="2666008"/>
+            <a:ext cx="6919380" cy="1569660"/>
+          </a:xfrm>
+          <a:prstGeom prst="rect">
+            <a:avLst/>
+          </a:prstGeom>
+          <a:noFill/>
+        </p:spPr>
+        <p:txBody>
+          <a:bodyPr wrap="square" rtlCol="0">
+            <a:spAutoFit/>
+          </a:bodyPr>
+          <a:lstStyle/>
+          <a:p>
+            <a:r>
+              <a:rPr lang="en-US" sz="4800" dirty="0" smtClean="0">
+                <a:solidFill>
+                  <a:srgbClr val="FF0000"/>
+                </a:solidFill>
+                <a:latin typeface="Wingdings"/>
+                <a:ea typeface="Wingdings"/>
+                <a:cs typeface="Wingdings"/>
+                <a:sym typeface="Wingdings"/>
+              </a:rPr>
+              <a:t> </a:t>
+            </a:r>
+            <a:r>
+              <a:rPr lang="en-US" sz="4800" dirty="0">
+                <a:solidFill>
+                  <a:srgbClr val="FF0000"/>
+                </a:solidFill>
+                <a:sym typeface="Wingdings"/>
+              </a:rPr>
+              <a:t>A</a:t>
+            </a:r>
+            <a:r>
+              <a:rPr lang="en-US" sz="4800" dirty="0" smtClean="0">
+                <a:solidFill>
+                  <a:srgbClr val="FF0000"/>
+                </a:solidFill>
+                <a:sym typeface="Wingdings"/>
+              </a:rPr>
+              <a:t>verage </a:t>
+            </a:r>
+            <a:r>
+              <a:rPr lang="en-US" sz="4800" dirty="0">
+                <a:solidFill>
+                  <a:srgbClr val="FF0000"/>
+                </a:solidFill>
+                <a:sym typeface="Wingdings"/>
+              </a:rPr>
+              <a:t>I</a:t>
+            </a:r>
+            <a:r>
+              <a:rPr lang="en-US" sz="4800" dirty="0" smtClean="0">
+                <a:solidFill>
+                  <a:srgbClr val="FF0000"/>
+                </a:solidFill>
+                <a:sym typeface="Wingdings"/>
+              </a:rPr>
+              <a:t>n </a:t>
+            </a:r>
+            <a:r>
+              <a:rPr lang="en-US" sz="4800" dirty="0">
+                <a:solidFill>
+                  <a:srgbClr val="FF0000"/>
+                </a:solidFill>
+                <a:sym typeface="Wingdings"/>
+              </a:rPr>
+              <a:t>T</a:t>
+            </a:r>
+            <a:r>
+              <a:rPr lang="en-US" sz="4800" dirty="0" smtClean="0">
+                <a:solidFill>
+                  <a:srgbClr val="FF0000"/>
+                </a:solidFill>
+                <a:sym typeface="Wingdings"/>
+              </a:rPr>
+              <a:t>he Extreme</a:t>
+            </a:r>
+            <a:endParaRPr lang="en-US" sz="4800" dirty="0">
+              <a:solidFill>
+                <a:srgbClr val="FF0000"/>
+              </a:solidFill>
+              <a:latin typeface="Wingdings"/>
+              <a:ea typeface="Wingdings"/>
+              <a:cs typeface="Wingdings"/>
+              <a:sym typeface="Wingdings"/>
+            </a:endParaRPr>
+          </a:p>
+        </p:txBody>
+      </p:sp>
       <p:pic>
         <p:nvPicPr>
-          <p:cNvPr id="5" name="Picture 4"/>
+          <p:cNvPr id="6" name="Picture 5"/>
           <p:cNvPicPr>
             <a:picLocks noChangeAspect="1"/>
           </p:cNvPicPr>
@@ -7540,145 +7665,14 @@
         </p:blipFill>
         <p:spPr>
           <a:xfrm>
-            <a:off x="192222" y="169332"/>
-            <a:ext cx="4266887" cy="6406445"/>
+            <a:off x="352777" y="541239"/>
+            <a:ext cx="3908778" cy="5776305"/>
           </a:xfrm>
           <a:prstGeom prst="rect">
             <a:avLst/>
           </a:prstGeom>
         </p:spPr>
       </p:pic>
-      <p:sp>
-        <p:nvSpPr>
-          <p:cNvPr id="8" name="TextBox 7"/>
-          <p:cNvSpPr txBox="1"/>
-          <p:nvPr/>
-        </p:nvSpPr>
-        <p:spPr>
-          <a:xfrm>
-            <a:off x="4679952" y="254000"/>
-            <a:ext cx="7004048" cy="2308324"/>
-          </a:xfrm>
-          <a:prstGeom prst="rect">
-            <a:avLst/>
-          </a:prstGeom>
-          <a:noFill/>
-        </p:spPr>
-        <p:txBody>
-          <a:bodyPr wrap="square" rtlCol="0">
-            <a:spAutoFit/>
-          </a:bodyPr>
-          <a:lstStyle/>
-          <a:p>
-            <a:r>
-              <a:rPr lang="en-US" sz="4800" dirty="0" smtClean="0">
-                <a:sym typeface="Wingdings"/>
-              </a:rPr>
-              <a:t>Label positive reviews on the movie “The Imitation Game”</a:t>
-            </a:r>
-          </a:p>
-        </p:txBody>
-      </p:sp>
-      <p:sp>
-        <p:nvSpPr>
-          <p:cNvPr id="10" name="TextBox 9"/>
-          <p:cNvSpPr txBox="1"/>
-          <p:nvPr/>
-        </p:nvSpPr>
-        <p:spPr>
-          <a:xfrm>
-            <a:off x="4581176" y="2666008"/>
-            <a:ext cx="6919380" cy="1569660"/>
-          </a:xfrm>
-          <a:prstGeom prst="rect">
-            <a:avLst/>
-          </a:prstGeom>
-          <a:noFill/>
-        </p:spPr>
-        <p:txBody>
-          <a:bodyPr wrap="square" rtlCol="0">
-            <a:spAutoFit/>
-          </a:bodyPr>
-          <a:lstStyle/>
-          <a:p>
-            <a:r>
-              <a:rPr lang="en-US" sz="4800" dirty="0" smtClean="0">
-                <a:solidFill>
-                  <a:srgbClr val="FF0000"/>
-                </a:solidFill>
-                <a:latin typeface="Wingdings"/>
-                <a:ea typeface="Wingdings"/>
-                <a:cs typeface="Wingdings"/>
-                <a:sym typeface="Wingdings"/>
-              </a:rPr>
-              <a:t> </a:t>
-            </a:r>
-            <a:r>
-              <a:rPr lang="en-US" sz="4800" dirty="0">
-                <a:solidFill>
-                  <a:srgbClr val="FF0000"/>
-                </a:solidFill>
-                <a:sym typeface="Wingdings"/>
-              </a:rPr>
-              <a:t>A</a:t>
-            </a:r>
-            <a:r>
-              <a:rPr lang="en-US" sz="4800" dirty="0" smtClean="0">
-                <a:solidFill>
-                  <a:srgbClr val="FF0000"/>
-                </a:solidFill>
-                <a:sym typeface="Wingdings"/>
-              </a:rPr>
-              <a:t>verage </a:t>
-            </a:r>
-            <a:r>
-              <a:rPr lang="en-US" sz="4800" dirty="0">
-                <a:solidFill>
-                  <a:srgbClr val="FF0000"/>
-                </a:solidFill>
-                <a:sym typeface="Wingdings"/>
-              </a:rPr>
-              <a:t>I</a:t>
-            </a:r>
-            <a:r>
-              <a:rPr lang="en-US" sz="4800" dirty="0" smtClean="0">
-                <a:solidFill>
-                  <a:srgbClr val="FF0000"/>
-                </a:solidFill>
-                <a:sym typeface="Wingdings"/>
-              </a:rPr>
-              <a:t>n </a:t>
-            </a:r>
-            <a:r>
-              <a:rPr lang="en-US" sz="4800" dirty="0">
-                <a:solidFill>
-                  <a:srgbClr val="FF0000"/>
-                </a:solidFill>
-                <a:sym typeface="Wingdings"/>
-              </a:rPr>
-              <a:t>T</a:t>
-            </a:r>
-            <a:r>
-              <a:rPr lang="en-US" sz="4800" dirty="0" smtClean="0">
-                <a:solidFill>
-                  <a:srgbClr val="FF0000"/>
-                </a:solidFill>
-                <a:sym typeface="Wingdings"/>
-              </a:rPr>
-              <a:t>he Extreme</a:t>
-            </a:r>
-            <a:endParaRPr lang="en-US" sz="4800" dirty="0">
-              <a:solidFill>
-                <a:srgbClr val="FF0000"/>
-              </a:solidFill>
-              <a:latin typeface="Wingdings"/>
-              <a:ea typeface="Wingdings"/>
-              <a:cs typeface="Wingdings"/>
-              <a:sym typeface="Wingdings"/>
-            </a:endParaRPr>
-          </a:p>
-        </p:txBody>
-      </p:sp>
     </p:spTree>
     <p:extLst>
       <p:ext uri="{BB962C8B-B14F-4D97-AF65-F5344CB8AC3E}">
@@ -7773,9 +7767,95 @@
           </a:p>
         </p:txBody>
       </p:sp>
+      <p:sp>
+        <p:nvSpPr>
+          <p:cNvPr id="8" name="TextBox 7"/>
+          <p:cNvSpPr txBox="1"/>
+          <p:nvPr/>
+        </p:nvSpPr>
+        <p:spPr>
+          <a:xfrm>
+            <a:off x="4679952" y="254000"/>
+            <a:ext cx="7004048" cy="2308324"/>
+          </a:xfrm>
+          <a:prstGeom prst="rect">
+            <a:avLst/>
+          </a:prstGeom>
+          <a:noFill/>
+        </p:spPr>
+        <p:txBody>
+          <a:bodyPr wrap="square" rtlCol="0">
+            <a:spAutoFit/>
+          </a:bodyPr>
+          <a:lstStyle/>
+          <a:p>
+            <a:r>
+              <a:rPr lang="en-US" sz="4800" dirty="0" smtClean="0">
+                <a:sym typeface="Wingdings"/>
+              </a:rPr>
+              <a:t>Label positive reviews on the movie “The Imitation Game”</a:t>
+            </a:r>
+          </a:p>
+        </p:txBody>
+      </p:sp>
+      <p:sp>
+        <p:nvSpPr>
+          <p:cNvPr id="10" name="TextBox 9"/>
+          <p:cNvSpPr txBox="1"/>
+          <p:nvPr/>
+        </p:nvSpPr>
+        <p:spPr>
+          <a:xfrm>
+            <a:off x="4581176" y="2666008"/>
+            <a:ext cx="6919380" cy="1569660"/>
+          </a:xfrm>
+          <a:prstGeom prst="rect">
+            <a:avLst/>
+          </a:prstGeom>
+          <a:noFill/>
+        </p:spPr>
+        <p:txBody>
+          <a:bodyPr wrap="square" rtlCol="0">
+            <a:spAutoFit/>
+          </a:bodyPr>
+          <a:lstStyle/>
+          <a:p>
+            <a:r>
+              <a:rPr lang="en-US" sz="4800" dirty="0" smtClean="0">
+                <a:solidFill>
+                  <a:srgbClr val="FF0000"/>
+                </a:solidFill>
+                <a:latin typeface="Wingdings"/>
+                <a:ea typeface="Wingdings"/>
+                <a:cs typeface="Wingdings"/>
+                <a:sym typeface="Wingdings"/>
+              </a:rPr>
+              <a:t> </a:t>
+            </a:r>
+            <a:r>
+              <a:rPr lang="en-US" sz="4800" dirty="0" smtClean="0">
+                <a:solidFill>
+                  <a:srgbClr val="FF0000"/>
+                </a:solidFill>
+                <a:sym typeface="Wingdings"/>
+              </a:rPr>
+              <a:t>Good enough but historically sketchy</a:t>
+            </a:r>
+            <a:endParaRPr lang="en-US" sz="4800" dirty="0">
+              <a:solidFill>
+                <a:srgbClr val="FF0000"/>
+              </a:solidFill>
+              <a:latin typeface="Wingdings"/>
+              <a:ea typeface="Wingdings"/>
+              <a:cs typeface="Wingdings"/>
+              <a:sym typeface="Wingdings"/>
+            </a:endParaRPr>
+          </a:p>
+        </p:txBody>
+      </p:sp>
       <p:pic>
         <p:nvPicPr>
-          <p:cNvPr id="5" name="Picture 4"/>
+          <p:cNvPr id="6" name="Picture 5"/>
           <p:cNvPicPr>
             <a:picLocks noChangeAspect="1"/>
           </p:cNvPicPr>
@@ -7789,100 +7869,14 @@
         </p:blipFill>
         <p:spPr>
           <a:xfrm>
-            <a:off x="192222" y="169332"/>
-            <a:ext cx="4266887" cy="6406445"/>
+            <a:off x="352777" y="541239"/>
+            <a:ext cx="3908778" cy="5776305"/>
           </a:xfrm>
           <a:prstGeom prst="rect">
             <a:avLst/>
           </a:prstGeom>
         </p:spPr>
       </p:pic>
-      <p:sp>
-        <p:nvSpPr>
-          <p:cNvPr id="8" name="TextBox 7"/>
-          <p:cNvSpPr txBox="1"/>
-          <p:nvPr/>
-        </p:nvSpPr>
-        <p:spPr>
-          <a:xfrm>
-            <a:off x="4679952" y="254000"/>
-            <a:ext cx="7004048" cy="2308324"/>
-          </a:xfrm>
-          <a:prstGeom prst="rect">
-            <a:avLst/>
-          </a:prstGeom>
-          <a:noFill/>
-        </p:spPr>
-        <p:txBody>
-          <a:bodyPr wrap="square" rtlCol="0">
-            <a:spAutoFit/>
-          </a:bodyPr>
-          <a:lstStyle/>
-          <a:p>
-            <a:r>
-              <a:rPr lang="en-US" sz="4800" dirty="0" smtClean="0">
-                <a:sym typeface="Wingdings"/>
-              </a:rPr>
-              <a:t>Label positive reviews on the movie “The Imitation Game”</a:t>
-            </a:r>
-          </a:p>
-        </p:txBody>
-      </p:sp>
-      <p:sp>
-        <p:nvSpPr>
-          <p:cNvPr id="10" name="TextBox 9"/>
-          <p:cNvSpPr txBox="1"/>
-          <p:nvPr/>
-        </p:nvSpPr>
-        <p:spPr>
-          <a:xfrm>
-            <a:off x="4581176" y="2666008"/>
-            <a:ext cx="6919380" cy="1569660"/>
-          </a:xfrm>
-          <a:prstGeom prst="rect">
-            <a:avLst/>
-          </a:prstGeom>
-          <a:noFill/>
-        </p:spPr>
-        <p:txBody>
-          <a:bodyPr wrap="square" rtlCol="0">
-            <a:spAutoFit/>
-          </a:bodyPr>
-          <a:lstStyle/>
-          <a:p>
-            <a:r>
-              <a:rPr lang="en-US" sz="4800" dirty="0" smtClean="0">
-                <a:solidFill>
-                  <a:srgbClr val="FF0000"/>
-                </a:solidFill>
-                <a:latin typeface="Wingdings"/>
-                <a:ea typeface="Wingdings"/>
-                <a:cs typeface="Wingdings"/>
-                <a:sym typeface="Wingdings"/>
-              </a:rPr>
-              <a:t> </a:t>
-            </a:r>
-            <a:r>
-              <a:rPr lang="en-US" sz="4800" dirty="0" smtClean="0">
-                <a:solidFill>
-                  <a:srgbClr val="FF0000"/>
-                </a:solidFill>
-                <a:sym typeface="Wingdings"/>
-              </a:rPr>
-              <a:t>Good enough but historically sketchy</a:t>
-            </a:r>
-            <a:endParaRPr lang="en-US" sz="4800" dirty="0">
-              <a:solidFill>
-                <a:srgbClr val="FF0000"/>
-              </a:solidFill>
-              <a:latin typeface="Wingdings"/>
-              <a:ea typeface="Wingdings"/>
-              <a:cs typeface="Wingdings"/>
-              <a:sym typeface="Wingdings"/>
-            </a:endParaRPr>
-          </a:p>
-        </p:txBody>
-      </p:sp>
     </p:spTree>
     <p:extLst>
       <p:ext uri="{BB962C8B-B14F-4D97-AF65-F5344CB8AC3E}">
@@ -7977,9 +7971,95 @@
           </a:p>
         </p:txBody>
       </p:sp>
+      <p:sp>
+        <p:nvSpPr>
+          <p:cNvPr id="8" name="TextBox 7"/>
+          <p:cNvSpPr txBox="1"/>
+          <p:nvPr/>
+        </p:nvSpPr>
+        <p:spPr>
+          <a:xfrm>
+            <a:off x="4679952" y="254000"/>
+            <a:ext cx="7004048" cy="2308324"/>
+          </a:xfrm>
+          <a:prstGeom prst="rect">
+            <a:avLst/>
+          </a:prstGeom>
+          <a:noFill/>
+        </p:spPr>
+        <p:txBody>
+          <a:bodyPr wrap="square" rtlCol="0">
+            <a:spAutoFit/>
+          </a:bodyPr>
+          <a:lstStyle/>
+          <a:p>
+            <a:r>
+              <a:rPr lang="en-US" sz="4800" dirty="0" smtClean="0">
+                <a:sym typeface="Wingdings"/>
+              </a:rPr>
+              <a:t>Label positive reviews on the movie “The Imitation Game”</a:t>
+            </a:r>
+          </a:p>
+        </p:txBody>
+      </p:sp>
+      <p:sp>
+        <p:nvSpPr>
+          <p:cNvPr id="10" name="TextBox 9"/>
+          <p:cNvSpPr txBox="1"/>
+          <p:nvPr/>
+        </p:nvSpPr>
+        <p:spPr>
+          <a:xfrm>
+            <a:off x="4581176" y="2666008"/>
+            <a:ext cx="6919380" cy="1569660"/>
+          </a:xfrm>
+          <a:prstGeom prst="rect">
+            <a:avLst/>
+          </a:prstGeom>
+          <a:noFill/>
+        </p:spPr>
+        <p:txBody>
+          <a:bodyPr wrap="square" rtlCol="0">
+            <a:spAutoFit/>
+          </a:bodyPr>
+          <a:lstStyle/>
+          <a:p>
+            <a:r>
+              <a:rPr lang="en-US" sz="4800" dirty="0" smtClean="0">
+                <a:solidFill>
+                  <a:srgbClr val="FF0000"/>
+                </a:solidFill>
+                <a:latin typeface="Wingdings"/>
+                <a:ea typeface="Wingdings"/>
+                <a:cs typeface="Wingdings"/>
+                <a:sym typeface="Wingdings"/>
+              </a:rPr>
+              <a:t> </a:t>
+            </a:r>
+            <a:r>
+              <a:rPr lang="en-US" sz="4800" dirty="0" smtClean="0">
+                <a:solidFill>
+                  <a:srgbClr val="FF0000"/>
+                </a:solidFill>
+                <a:sym typeface="Wingdings"/>
+              </a:rPr>
+              <a:t>Great movie, worth a watch</a:t>
+            </a:r>
+            <a:endParaRPr lang="en-US" sz="4800" dirty="0">
+              <a:solidFill>
+                <a:srgbClr val="FF0000"/>
+              </a:solidFill>
+              <a:latin typeface="Wingdings"/>
+              <a:ea typeface="Wingdings"/>
+              <a:cs typeface="Wingdings"/>
+              <a:sym typeface="Wingdings"/>
+            </a:endParaRPr>
+          </a:p>
+        </p:txBody>
+      </p:sp>
       <p:pic>
         <p:nvPicPr>
-          <p:cNvPr id="5" name="Picture 4"/>
+          <p:cNvPr id="6" name="Picture 5"/>
           <p:cNvPicPr>
             <a:picLocks noChangeAspect="1"/>
           </p:cNvPicPr>
@@ -7993,100 +8073,14 @@
         </p:blipFill>
         <p:spPr>
           <a:xfrm>
-            <a:off x="192222" y="169332"/>
-            <a:ext cx="4266887" cy="6406445"/>
+            <a:off x="352777" y="541239"/>
+            <a:ext cx="3908778" cy="5776305"/>
           </a:xfrm>
           <a:prstGeom prst="rect">
             <a:avLst/>
           </a:prstGeom>
         </p:spPr>
       </p:pic>
-      <p:sp>
-        <p:nvSpPr>
-          <p:cNvPr id="8" name="TextBox 7"/>
-          <p:cNvSpPr txBox="1"/>
-          <p:nvPr/>
-        </p:nvSpPr>
-        <p:spPr>
-          <a:xfrm>
-            <a:off x="4679952" y="254000"/>
-            <a:ext cx="7004048" cy="2308324"/>
-          </a:xfrm>
-          <a:prstGeom prst="rect">
-            <a:avLst/>
-          </a:prstGeom>
-          <a:noFill/>
-        </p:spPr>
-        <p:txBody>
-          <a:bodyPr wrap="square" rtlCol="0">
-            <a:spAutoFit/>
-          </a:bodyPr>
-          <a:lstStyle/>
-          <a:p>
-            <a:r>
-              <a:rPr lang="en-US" sz="4800" dirty="0" smtClean="0">
-                <a:sym typeface="Wingdings"/>
-              </a:rPr>
-              <a:t>Label positive reviews on the movie “The Imitation Game”</a:t>
-            </a:r>
-          </a:p>
-        </p:txBody>
-      </p:sp>
-      <p:sp>
-        <p:nvSpPr>
-          <p:cNvPr id="10" name="TextBox 9"/>
-          <p:cNvSpPr txBox="1"/>
-          <p:nvPr/>
-        </p:nvSpPr>
-        <p:spPr>
-          <a:xfrm>
-            <a:off x="4581176" y="2666008"/>
-            <a:ext cx="6919380" cy="1569660"/>
-          </a:xfrm>
-          <a:prstGeom prst="rect">
-            <a:avLst/>
-          </a:prstGeom>
-          <a:noFill/>
-        </p:spPr>
-        <p:txBody>
-          <a:bodyPr wrap="square" rtlCol="0">
-            <a:spAutoFit/>
-          </a:bodyPr>
-          <a:lstStyle/>
-          <a:p>
-            <a:r>
-              <a:rPr lang="en-US" sz="4800" dirty="0" smtClean="0">
-                <a:solidFill>
-                  <a:srgbClr val="FF0000"/>
-                </a:solidFill>
-                <a:latin typeface="Wingdings"/>
-                <a:ea typeface="Wingdings"/>
-                <a:cs typeface="Wingdings"/>
-                <a:sym typeface="Wingdings"/>
-              </a:rPr>
-              <a:t> </a:t>
-            </a:r>
-            <a:r>
-              <a:rPr lang="en-US" sz="4800" dirty="0" smtClean="0">
-                <a:solidFill>
-                  <a:srgbClr val="FF0000"/>
-                </a:solidFill>
-                <a:sym typeface="Wingdings"/>
-              </a:rPr>
-              <a:t>Great movie, worth a watch</a:t>
-            </a:r>
-            <a:endParaRPr lang="en-US" sz="4800" dirty="0">
-              <a:solidFill>
-                <a:srgbClr val="FF0000"/>
-              </a:solidFill>
-              <a:latin typeface="Wingdings"/>
-              <a:ea typeface="Wingdings"/>
-              <a:cs typeface="Wingdings"/>
-              <a:sym typeface="Wingdings"/>
-            </a:endParaRPr>
-          </a:p>
-        </p:txBody>
-      </p:sp>
     </p:spTree>
     <p:extLst>
       <p:ext uri="{BB962C8B-B14F-4D97-AF65-F5344CB8AC3E}">
@@ -8362,7 +8356,7 @@
   <a:extraClrSchemeLst/>
   <a:extLst>
     <a:ext uri="{05A4C25C-085E-4340-85A3-A5531E510DB2}">
-      <thm15:themeFamily xmlns:thm15="http://schemas.microsoft.com/office/thememl/2012/main" xmlns="" name="Office Theme" id="{62F939B6-93AF-4DB8-9C6B-D6C7DFDC589F}" vid="{4A3C46E8-61CC-4603-A589-7422A47A8E4A}"/>
+      <thm15:themeFamily xmlns="" xmlns:thm15="http://schemas.microsoft.com/office/thememl/2012/main" name="Office Theme" id="{62F939B6-93AF-4DB8-9C6B-D6C7DFDC589F}" vid="{4A3C46E8-61CC-4603-A589-7422A47A8E4A}"/>
     </a:ext>
   </a:extLst>
 </a:theme>

--- a/ranking/doc/figures/model.pptx
+++ b/ranking/doc/figures/model.pptx
@@ -3456,7 +3456,7 @@
           <a:graphicData uri="http://schemas.openxmlformats.org/presentationml/2006/ole">
             <mc:AlternateContent xmlns:mc="http://schemas.openxmlformats.org/markup-compatibility/2006">
               <mc:Choice xmlns:v="urn:schemas-microsoft-com:vml" Requires="v">
-                <p:oleObj spid="_x0000_s1176" name="Equation" r:id="rId3" imgW="215640" imgH="228600" progId="Equation.DSMT4">
+                <p:oleObj spid="_x0000_s1186" name="Equation" r:id="rId3" imgW="215640" imgH="228600" progId="Equation.DSMT4">
                   <p:embed/>
                 </p:oleObj>
               </mc:Choice>
@@ -3521,7 +3521,7 @@
           <a:graphicData uri="http://schemas.openxmlformats.org/presentationml/2006/ole">
             <mc:AlternateContent xmlns:mc="http://schemas.openxmlformats.org/markup-compatibility/2006">
               <mc:Choice xmlns:v="urn:schemas-microsoft-com:vml" Requires="v">
-                <p:oleObj spid="_x0000_s1177" name="Equation" r:id="rId5" imgW="228600" imgH="228600" progId="Equation.DSMT4">
+                <p:oleObj spid="_x0000_s1187" name="Equation" r:id="rId5" imgW="228600" imgH="228600" progId="Equation.DSMT4">
                   <p:embed/>
                 </p:oleObj>
               </mc:Choice>
@@ -3586,7 +3586,7 @@
           <a:graphicData uri="http://schemas.openxmlformats.org/presentationml/2006/ole">
             <mc:AlternateContent xmlns:mc="http://schemas.openxmlformats.org/markup-compatibility/2006">
               <mc:Choice xmlns:v="urn:schemas-microsoft-com:vml" Requires="v">
-                <p:oleObj spid="_x0000_s1178" name="Equation" r:id="rId7" imgW="215640" imgH="228600" progId="Equation.DSMT4">
+                <p:oleObj spid="_x0000_s1188" name="Equation" r:id="rId7" imgW="215640" imgH="228600" progId="Equation.DSMT4">
                   <p:embed/>
                 </p:oleObj>
               </mc:Choice>
@@ -3651,7 +3651,7 @@
           <a:graphicData uri="http://schemas.openxmlformats.org/presentationml/2006/ole">
             <mc:AlternateContent xmlns:mc="http://schemas.openxmlformats.org/markup-compatibility/2006">
               <mc:Choice xmlns:v="urn:schemas-microsoft-com:vml" Requires="v">
-                <p:oleObj spid="_x0000_s1179" name="Equation" r:id="rId9" imgW="228600" imgH="228600" progId="Equation.DSMT4">
+                <p:oleObj spid="_x0000_s1189" name="Equation" r:id="rId9" imgW="228600" imgH="228600" progId="Equation.DSMT4">
                   <p:embed/>
                 </p:oleObj>
               </mc:Choice>
@@ -3716,7 +3716,7 @@
           <a:graphicData uri="http://schemas.openxmlformats.org/presentationml/2006/ole">
             <mc:AlternateContent xmlns:mc="http://schemas.openxmlformats.org/markup-compatibility/2006">
               <mc:Choice xmlns:v="urn:schemas-microsoft-com:vml" Requires="v">
-                <p:oleObj spid="_x0000_s1180" name="Equation" r:id="rId11" imgW="228600" imgH="228600" progId="Equation.DSMT4">
+                <p:oleObj spid="_x0000_s1190" name="Equation" r:id="rId11" imgW="228600" imgH="228600" progId="Equation.DSMT4">
                   <p:embed/>
                 </p:oleObj>
               </mc:Choice>
@@ -4497,7 +4497,7 @@
           <a:graphicData uri="http://schemas.openxmlformats.org/presentationml/2006/ole">
             <mc:AlternateContent xmlns:mc="http://schemas.openxmlformats.org/markup-compatibility/2006">
               <mc:Choice xmlns:v="urn:schemas-microsoft-com:vml" Requires="v">
-                <p:oleObj spid="_x0000_s2167" name="Equation" r:id="rId3" imgW="215640" imgH="228600" progId="Equation.DSMT4">
+                <p:oleObj spid="_x0000_s2177" name="Equation" r:id="rId3" imgW="215640" imgH="228600" progId="Equation.DSMT4">
                   <p:embed/>
                 </p:oleObj>
               </mc:Choice>
@@ -4562,7 +4562,7 @@
           <a:graphicData uri="http://schemas.openxmlformats.org/presentationml/2006/ole">
             <mc:AlternateContent xmlns:mc="http://schemas.openxmlformats.org/markup-compatibility/2006">
               <mc:Choice xmlns:v="urn:schemas-microsoft-com:vml" Requires="v">
-                <p:oleObj spid="_x0000_s2168" name="Equation" r:id="rId5" imgW="228600" imgH="228600" progId="Equation.DSMT4">
+                <p:oleObj spid="_x0000_s2178" name="Equation" r:id="rId5" imgW="228600" imgH="228600" progId="Equation.DSMT4">
                   <p:embed/>
                 </p:oleObj>
               </mc:Choice>
@@ -4846,7 +4846,7 @@
           <a:graphicData uri="http://schemas.openxmlformats.org/presentationml/2006/ole">
             <mc:AlternateContent xmlns:mc="http://schemas.openxmlformats.org/markup-compatibility/2006">
               <mc:Choice xmlns:v="urn:schemas-microsoft-com:vml" Requires="v">
-                <p:oleObj spid="_x0000_s2169" name="Equation" r:id="rId7" imgW="215640" imgH="228600" progId="Equation.DSMT4">
+                <p:oleObj spid="_x0000_s2179" name="Equation" r:id="rId7" imgW="215640" imgH="228600" progId="Equation.DSMT4">
                   <p:embed/>
                 </p:oleObj>
               </mc:Choice>
@@ -4911,7 +4911,7 @@
           <a:graphicData uri="http://schemas.openxmlformats.org/presentationml/2006/ole">
             <mc:AlternateContent xmlns:mc="http://schemas.openxmlformats.org/markup-compatibility/2006">
               <mc:Choice xmlns:v="urn:schemas-microsoft-com:vml" Requires="v">
-                <p:oleObj spid="_x0000_s2170" name="Equation" r:id="rId9" imgW="228600" imgH="228600" progId="Equation.DSMT4">
+                <p:oleObj spid="_x0000_s2180" name="Equation" r:id="rId9" imgW="228600" imgH="228600" progId="Equation.DSMT4">
                   <p:embed/>
                 </p:oleObj>
               </mc:Choice>
@@ -4976,7 +4976,7 @@
           <a:graphicData uri="http://schemas.openxmlformats.org/presentationml/2006/ole">
             <mc:AlternateContent xmlns:mc="http://schemas.openxmlformats.org/markup-compatibility/2006">
               <mc:Choice xmlns:v="urn:schemas-microsoft-com:vml" Requires="v">
-                <p:oleObj spid="_x0000_s2171" name="Equation" r:id="rId11" imgW="228600" imgH="228600" progId="Equation.DSMT4">
+                <p:oleObj spid="_x0000_s2181" name="Equation" r:id="rId11" imgW="228600" imgH="228600" progId="Equation.DSMT4">
                   <p:embed/>
                 </p:oleObj>
               </mc:Choice>
@@ -5329,7 +5329,7 @@
           <a:graphicData uri="http://schemas.openxmlformats.org/presentationml/2006/ole">
             <mc:AlternateContent xmlns:mc="http://schemas.openxmlformats.org/markup-compatibility/2006">
               <mc:Choice xmlns:v="urn:schemas-microsoft-com:vml" Requires="v">
-                <p:oleObj spid="_x0000_s3181" name="Equation" r:id="rId3" imgW="215640" imgH="228600" progId="Equation.DSMT4">
+                <p:oleObj spid="_x0000_s3191" name="Equation" r:id="rId3" imgW="215640" imgH="228600" progId="Equation.DSMT4">
                   <p:embed/>
                 </p:oleObj>
               </mc:Choice>
@@ -5394,7 +5394,7 @@
           <a:graphicData uri="http://schemas.openxmlformats.org/presentationml/2006/ole">
             <mc:AlternateContent xmlns:mc="http://schemas.openxmlformats.org/markup-compatibility/2006">
               <mc:Choice xmlns:v="urn:schemas-microsoft-com:vml" Requires="v">
-                <p:oleObj spid="_x0000_s3182" name="Equation" r:id="rId5" imgW="228600" imgH="228600" progId="Equation.DSMT4">
+                <p:oleObj spid="_x0000_s3192" name="Equation" r:id="rId5" imgW="228600" imgH="228600" progId="Equation.DSMT4">
                   <p:embed/>
                 </p:oleObj>
               </mc:Choice>
@@ -5594,7 +5594,7 @@
           <a:graphicData uri="http://schemas.openxmlformats.org/presentationml/2006/ole">
             <mc:AlternateContent xmlns:mc="http://schemas.openxmlformats.org/markup-compatibility/2006">
               <mc:Choice xmlns:v="urn:schemas-microsoft-com:vml" Requires="v">
-                <p:oleObj spid="_x0000_s3183" name="Equation" r:id="rId7" imgW="215640" imgH="228600" progId="Equation.DSMT4">
+                <p:oleObj spid="_x0000_s3193" name="Equation" r:id="rId7" imgW="215640" imgH="228600" progId="Equation.DSMT4">
                   <p:embed/>
                 </p:oleObj>
               </mc:Choice>
@@ -5659,7 +5659,7 @@
           <a:graphicData uri="http://schemas.openxmlformats.org/presentationml/2006/ole">
             <mc:AlternateContent xmlns:mc="http://schemas.openxmlformats.org/markup-compatibility/2006">
               <mc:Choice xmlns:v="urn:schemas-microsoft-com:vml" Requires="v">
-                <p:oleObj spid="_x0000_s3184" name="Equation" r:id="rId9" imgW="228600" imgH="228600" progId="Equation.DSMT4">
+                <p:oleObj spid="_x0000_s3194" name="Equation" r:id="rId9" imgW="228600" imgH="228600" progId="Equation.DSMT4">
                   <p:embed/>
                 </p:oleObj>
               </mc:Choice>
@@ -5724,7 +5724,7 @@
           <a:graphicData uri="http://schemas.openxmlformats.org/presentationml/2006/ole">
             <mc:AlternateContent xmlns:mc="http://schemas.openxmlformats.org/markup-compatibility/2006">
               <mc:Choice xmlns:v="urn:schemas-microsoft-com:vml" Requires="v">
-                <p:oleObj spid="_x0000_s3185" name="Equation" r:id="rId11" imgW="228600" imgH="228600" progId="Equation.DSMT4">
+                <p:oleObj spid="_x0000_s3195" name="Equation" r:id="rId11" imgW="228600" imgH="228600" progId="Equation.DSMT4">
                   <p:embed/>
                 </p:oleObj>
               </mc:Choice>
